--- a/docs/sph.pptx
+++ b/docs/sph.pptx
@@ -7,12 +7,18 @@
   <p:sldIdLst>
     <p:sldId id="256" r:id="rId2"/>
     <p:sldId id="257" r:id="rId3"/>
-    <p:sldId id="258" r:id="rId4"/>
-    <p:sldId id="259" r:id="rId5"/>
-    <p:sldId id="260" r:id="rId6"/>
-    <p:sldId id="261" r:id="rId7"/>
-    <p:sldId id="262" r:id="rId8"/>
-    <p:sldId id="263" r:id="rId9"/>
+    <p:sldId id="264" r:id="rId4"/>
+    <p:sldId id="265" r:id="rId5"/>
+    <p:sldId id="266" r:id="rId6"/>
+    <p:sldId id="258" r:id="rId7"/>
+    <p:sldId id="259" r:id="rId8"/>
+    <p:sldId id="260" r:id="rId9"/>
+    <p:sldId id="261" r:id="rId10"/>
+    <p:sldId id="262" r:id="rId11"/>
+    <p:sldId id="263" r:id="rId12"/>
+    <p:sldId id="267" r:id="rId13"/>
+    <p:sldId id="268" r:id="rId14"/>
+    <p:sldId id="269" r:id="rId15"/>
   </p:sldIdLst>
   <p:sldSz cx="12192000" cy="6858000"/>
   <p:notesSz cx="6858000" cy="9144000"/>
@@ -111,6 +117,11 @@
       </a:defRPr>
     </a:lvl9pPr>
   </p:defaultTextStyle>
+  <p:extLst>
+    <p:ext uri="{EFAFB233-063F-42B5-8137-9DF3F51BA10A}">
+      <p15:sldGuideLst xmlns:p15="http://schemas.microsoft.com/office/powerpoint/2012/main"/>
+    </p:ext>
+  </p:extLst>
 </p:presentation>
 </file>
 
@@ -616,7 +627,7 @@
           <a:p>
             <a:fld id="{2111DEB1-A9F8-4897-8FED-7DFF3AB491A9}" type="datetimeFigureOut">
               <a:rPr lang="hu-HU" smtClean="0"/>
-              <a:t>2019. 05. 18.</a:t>
+              <a:t>2019. 05. 19.</a:t>
             </a:fld>
             <a:endParaRPr lang="hu-HU"/>
           </a:p>
@@ -912,7 +923,7 @@
           <a:p>
             <a:fld id="{2111DEB1-A9F8-4897-8FED-7DFF3AB491A9}" type="datetimeFigureOut">
               <a:rPr lang="hu-HU" smtClean="0"/>
-              <a:t>2019. 05. 18.</a:t>
+              <a:t>2019. 05. 19.</a:t>
             </a:fld>
             <a:endParaRPr lang="hu-HU"/>
           </a:p>
@@ -1160,7 +1171,7 @@
           <a:p>
             <a:fld id="{2111DEB1-A9F8-4897-8FED-7DFF3AB491A9}" type="datetimeFigureOut">
               <a:rPr lang="hu-HU" smtClean="0"/>
-              <a:t>2019. 05. 18.</a:t>
+              <a:t>2019. 05. 19.</a:t>
             </a:fld>
             <a:endParaRPr lang="hu-HU"/>
           </a:p>
@@ -1700,7 +1711,7 @@
           <a:p>
             <a:fld id="{2111DEB1-A9F8-4897-8FED-7DFF3AB491A9}" type="datetimeFigureOut">
               <a:rPr lang="hu-HU" smtClean="0"/>
-              <a:t>2019. 05. 18.</a:t>
+              <a:t>2019. 05. 19.</a:t>
             </a:fld>
             <a:endParaRPr lang="hu-HU"/>
           </a:p>
@@ -1948,7 +1959,7 @@
           <a:p>
             <a:fld id="{2111DEB1-A9F8-4897-8FED-7DFF3AB491A9}" type="datetimeFigureOut">
               <a:rPr lang="hu-HU" smtClean="0"/>
-              <a:t>2019. 05. 18.</a:t>
+              <a:t>2019. 05. 19.</a:t>
             </a:fld>
             <a:endParaRPr lang="hu-HU"/>
           </a:p>
@@ -2480,7 +2491,7 @@
           <a:p>
             <a:fld id="{2111DEB1-A9F8-4897-8FED-7DFF3AB491A9}" type="datetimeFigureOut">
               <a:rPr lang="hu-HU" smtClean="0"/>
-              <a:t>2019. 05. 18.</a:t>
+              <a:t>2019. 05. 19.</a:t>
             </a:fld>
             <a:endParaRPr lang="hu-HU"/>
           </a:p>
@@ -2777,7 +2788,7 @@
           <a:p>
             <a:fld id="{2111DEB1-A9F8-4897-8FED-7DFF3AB491A9}" type="datetimeFigureOut">
               <a:rPr lang="hu-HU" smtClean="0"/>
-              <a:t>2019. 05. 18.</a:t>
+              <a:t>2019. 05. 19.</a:t>
             </a:fld>
             <a:endParaRPr lang="hu-HU"/>
           </a:p>
@@ -2951,7 +2962,7 @@
           <a:p>
             <a:fld id="{2111DEB1-A9F8-4897-8FED-7DFF3AB491A9}" type="datetimeFigureOut">
               <a:rPr lang="hu-HU" smtClean="0"/>
-              <a:t>2019. 05. 18.</a:t>
+              <a:t>2019. 05. 19.</a:t>
             </a:fld>
             <a:endParaRPr lang="hu-HU"/>
           </a:p>
@@ -3131,7 +3142,7 @@
           <a:p>
             <a:fld id="{2111DEB1-A9F8-4897-8FED-7DFF3AB491A9}" type="datetimeFigureOut">
               <a:rPr lang="hu-HU" smtClean="0"/>
-              <a:t>2019. 05. 18.</a:t>
+              <a:t>2019. 05. 19.</a:t>
             </a:fld>
             <a:endParaRPr lang="hu-HU"/>
           </a:p>
@@ -3301,7 +3312,7 @@
           <a:p>
             <a:fld id="{2111DEB1-A9F8-4897-8FED-7DFF3AB491A9}" type="datetimeFigureOut">
               <a:rPr lang="hu-HU" smtClean="0"/>
-              <a:t>2019. 05. 18.</a:t>
+              <a:t>2019. 05. 19.</a:t>
             </a:fld>
             <a:endParaRPr lang="hu-HU"/>
           </a:p>
@@ -3552,7 +3563,7 @@
           <a:p>
             <a:fld id="{2111DEB1-A9F8-4897-8FED-7DFF3AB491A9}" type="datetimeFigureOut">
               <a:rPr lang="hu-HU" smtClean="0"/>
-              <a:t>2019. 05. 18.</a:t>
+              <a:t>2019. 05. 19.</a:t>
             </a:fld>
             <a:endParaRPr lang="hu-HU"/>
           </a:p>
@@ -3849,7 +3860,7 @@
           <a:p>
             <a:fld id="{2111DEB1-A9F8-4897-8FED-7DFF3AB491A9}" type="datetimeFigureOut">
               <a:rPr lang="hu-HU" smtClean="0"/>
-              <a:t>2019. 05. 18.</a:t>
+              <a:t>2019. 05. 19.</a:t>
             </a:fld>
             <a:endParaRPr lang="hu-HU"/>
           </a:p>
@@ -4291,7 +4302,7 @@
           <a:p>
             <a:fld id="{2111DEB1-A9F8-4897-8FED-7DFF3AB491A9}" type="datetimeFigureOut">
               <a:rPr lang="hu-HU" smtClean="0"/>
-              <a:t>2019. 05. 18.</a:t>
+              <a:t>2019. 05. 19.</a:t>
             </a:fld>
             <a:endParaRPr lang="hu-HU"/>
           </a:p>
@@ -4409,7 +4420,7 @@
           <a:p>
             <a:fld id="{2111DEB1-A9F8-4897-8FED-7DFF3AB491A9}" type="datetimeFigureOut">
               <a:rPr lang="hu-HU" smtClean="0"/>
-              <a:t>2019. 05. 18.</a:t>
+              <a:t>2019. 05. 19.</a:t>
             </a:fld>
             <a:endParaRPr lang="hu-HU"/>
           </a:p>
@@ -4504,7 +4515,7 @@
           <a:p>
             <a:fld id="{2111DEB1-A9F8-4897-8FED-7DFF3AB491A9}" type="datetimeFigureOut">
               <a:rPr lang="hu-HU" smtClean="0"/>
-              <a:t>2019. 05. 18.</a:t>
+              <a:t>2019. 05. 19.</a:t>
             </a:fld>
             <a:endParaRPr lang="hu-HU"/>
           </a:p>
@@ -4787,7 +4798,7 @@
           <a:p>
             <a:fld id="{2111DEB1-A9F8-4897-8FED-7DFF3AB491A9}" type="datetimeFigureOut">
               <a:rPr lang="hu-HU" smtClean="0"/>
-              <a:t>2019. 05. 18.</a:t>
+              <a:t>2019. 05. 19.</a:t>
             </a:fld>
             <a:endParaRPr lang="hu-HU"/>
           </a:p>
@@ -5078,7 +5089,7 @@
           <a:p>
             <a:fld id="{2111DEB1-A9F8-4897-8FED-7DFF3AB491A9}" type="datetimeFigureOut">
               <a:rPr lang="hu-HU" smtClean="0"/>
-              <a:t>2019. 05. 18.</a:t>
+              <a:t>2019. 05. 19.</a:t>
             </a:fld>
             <a:endParaRPr lang="hu-HU"/>
           </a:p>
@@ -5608,7 +5619,7 @@
           <a:p>
             <a:fld id="{2111DEB1-A9F8-4897-8FED-7DFF3AB491A9}" type="datetimeFigureOut">
               <a:rPr lang="hu-HU" smtClean="0"/>
-              <a:t>2019. 05. 18.</a:t>
+              <a:t>2019. 05. 19.</a:t>
             </a:fld>
             <a:endParaRPr lang="hu-HU"/>
           </a:p>
@@ -6892,7 +6903,7 @@
 </p:sld>
 </file>
 
-<file path=ppt/slides/slide2.xml><?xml version="1.0" encoding="utf-8"?>
+<file path=ppt/slides/slide10.xml><?xml version="1.0" encoding="utf-8"?>
 <p:sld xmlns:a="http://schemas.openxmlformats.org/drawingml/2006/main" xmlns:r="http://schemas.openxmlformats.org/officeDocument/2006/relationships" xmlns:p="http://schemas.openxmlformats.org/presentationml/2006/main">
   <p:cSld>
     <p:bg>
@@ -6933,7 +6944,7 @@
       </p:grpSpPr>
       <p:sp useBgFill="1">
         <p:nvSpPr>
-          <p:cNvPr id="63" name="Rectangle 62">
+          <p:cNvPr id="8" name="Rectangle 7">
             <a:extLst>
               <a:ext uri="{FF2B5EF4-FFF2-40B4-BE49-F238E27FC236}">
                 <a16:creationId xmlns:a16="http://schemas.microsoft.com/office/drawing/2014/main" id="{99CAC3B1-4879-424D-8F15-206277196159}"/>
@@ -6996,7 +7007,7 @@
           <p:cNvPr id="2" name="Cím 1">
             <a:extLst>
               <a:ext uri="{FF2B5EF4-FFF2-40B4-BE49-F238E27FC236}">
-                <a16:creationId xmlns:a16="http://schemas.microsoft.com/office/drawing/2014/main" id="{AA89C260-AFCA-44E9-BC2B-5CDB66631F88}"/>
+                <a16:creationId xmlns:a16="http://schemas.microsoft.com/office/drawing/2014/main" id="{5E612E79-9BD5-491F-BF76-8E200BBA2613}"/>
               </a:ext>
             </a:extLst>
           </p:cNvPr>
@@ -7010,7 +7021,7 @@
         <p:spPr>
           <a:xfrm>
             <a:off x="3618200" y="852055"/>
-            <a:ext cx="7257455" cy="1752599"/>
+            <a:ext cx="7257455" cy="824345"/>
           </a:xfrm>
         </p:spPr>
         <p:txBody>
@@ -7019,13 +7030,16 @@
           </a:bodyPr>
           <a:lstStyle/>
           <a:p>
-            <a:endParaRPr lang="hu-HU" sz="3600"/>
+            <a:r>
+              <a:rPr lang="hu-HU" sz="3600" dirty="0"/>
+              <a:t>Implementáció (GPU)</a:t>
+            </a:r>
           </a:p>
         </p:txBody>
       </p:sp>
       <p:sp>
         <p:nvSpPr>
-          <p:cNvPr id="65" name="Freeform 6">
+          <p:cNvPr id="10" name="Freeform 6">
             <a:extLst>
               <a:ext uri="{FF2B5EF4-FFF2-40B4-BE49-F238E27FC236}">
                 <a16:creationId xmlns:a16="http://schemas.microsoft.com/office/drawing/2014/main" id="{E34CC1C8-EBDD-4AEA-83E6-B27575B62E2E}"/>
@@ -7088,7 +7102,7 @@
       </p:sp>
       <p:sp>
         <p:nvSpPr>
-          <p:cNvPr id="67" name="Freeform 7">
+          <p:cNvPr id="12" name="Freeform 7">
             <a:extLst>
               <a:ext uri="{FF2B5EF4-FFF2-40B4-BE49-F238E27FC236}">
                 <a16:creationId xmlns:a16="http://schemas.microsoft.com/office/drawing/2014/main" id="{D6B38644-B85D-4211-9526-5B4C2A662BF7}"/>
@@ -7154,7 +7168,7 @@
       </p:sp>
       <p:sp>
         <p:nvSpPr>
-          <p:cNvPr id="69" name="Freeform 12">
+          <p:cNvPr id="14" name="Freeform 12">
             <a:extLst>
               <a:ext uri="{FF2B5EF4-FFF2-40B4-BE49-F238E27FC236}">
                 <a16:creationId xmlns:a16="http://schemas.microsoft.com/office/drawing/2014/main" id="{8A8B2820-6B8F-4C19-BFC5-D28EE44E54CB}"/>
@@ -7214,7 +7228,7 @@
       </p:sp>
       <p:sp>
         <p:nvSpPr>
-          <p:cNvPr id="71" name="Freeform: Shape 70">
+          <p:cNvPr id="16" name="Freeform: Shape 15">
             <a:extLst>
               <a:ext uri="{FF2B5EF4-FFF2-40B4-BE49-F238E27FC236}">
                 <a16:creationId xmlns:a16="http://schemas.microsoft.com/office/drawing/2014/main" id="{DCA45AB7-441E-40A8-A98B-557D68F48A48}"/>
@@ -7306,7 +7320,7 @@
       </p:sp>
       <p:sp>
         <p:nvSpPr>
-          <p:cNvPr id="73" name="Freeform: Shape 72">
+          <p:cNvPr id="18" name="Freeform: Shape 17">
             <a:extLst>
               <a:ext uri="{FF2B5EF4-FFF2-40B4-BE49-F238E27FC236}">
                 <a16:creationId xmlns:a16="http://schemas.microsoft.com/office/drawing/2014/main" id="{5F516030-4F00-4C48-AD93-91EFA17A1AC3}"/>
@@ -7420,7 +7434,7 @@
       </p:sp>
       <p:sp>
         <p:nvSpPr>
-          <p:cNvPr id="75" name="Freeform: Shape 74">
+          <p:cNvPr id="20" name="Freeform: Shape 19">
             <a:extLst>
               <a:ext uri="{FF2B5EF4-FFF2-40B4-BE49-F238E27FC236}">
                 <a16:creationId xmlns:a16="http://schemas.microsoft.com/office/drawing/2014/main" id="{5820085E-2582-4A95-98EE-45DFFD5C017C}"/>
@@ -7499,7 +7513,7 @@
           <p:cNvPr id="3" name="Tartalom helye 2">
             <a:extLst>
               <a:ext uri="{FF2B5EF4-FFF2-40B4-BE49-F238E27FC236}">
-                <a16:creationId xmlns:a16="http://schemas.microsoft.com/office/drawing/2014/main" id="{57E30EA0-74F6-4CE4-BA0E-89E8589B37CE}"/>
+                <a16:creationId xmlns:a16="http://schemas.microsoft.com/office/drawing/2014/main" id="{22B5A640-0F43-4883-B12D-6AC215CD58D3}"/>
               </a:ext>
             </a:extLst>
           </p:cNvPr>
@@ -7512,24 +7526,112 @@
         </p:nvSpPr>
         <p:spPr>
           <a:xfrm>
-            <a:off x="3613237" y="2839605"/>
-            <a:ext cx="7200236" cy="2712842"/>
+            <a:off x="3613237" y="2082800"/>
+            <a:ext cx="7200236" cy="3923145"/>
           </a:xfrm>
         </p:spPr>
         <p:txBody>
           <a:bodyPr anchor="t">
-            <a:normAutofit/>
+            <a:noAutofit/>
           </a:bodyPr>
           <a:lstStyle/>
           <a:p>
-            <a:endParaRPr lang="hu-HU" sz="1800"/>
+            <a:r>
+              <a:rPr lang="hu-HU" dirty="0"/>
+              <a:t>Nagyfokú párhuzamosság</a:t>
+            </a:r>
+          </a:p>
+          <a:p>
+            <a:r>
+              <a:rPr lang="hu-HU" dirty="0"/>
+              <a:t>Más adatstruktúra – </a:t>
+            </a:r>
+            <a:r>
+              <a:rPr lang="hu-HU" dirty="0" err="1"/>
+              <a:t>bufferek</a:t>
+            </a:r>
+            <a:endParaRPr lang="hu-HU" dirty="0"/>
+          </a:p>
+          <a:p>
+            <a:r>
+              <a:rPr lang="hu-HU" dirty="0"/>
+              <a:t>Párhuzamosan végzett műveletek</a:t>
+            </a:r>
+          </a:p>
+          <a:p>
+            <a:endParaRPr lang="hu-HU" dirty="0"/>
+          </a:p>
+          <a:p>
+            <a:r>
+              <a:rPr lang="hu-HU" dirty="0"/>
+              <a:t>Nehézségek</a:t>
+            </a:r>
+          </a:p>
+          <a:p>
+            <a:r>
+              <a:rPr lang="hu-HU" dirty="0"/>
+              <a:t>Optimalizálás</a:t>
+            </a:r>
+          </a:p>
+          <a:p>
+            <a:pPr lvl="1"/>
+            <a:r>
+              <a:rPr lang="hu-HU" dirty="0"/>
+              <a:t>Atomi műveletek</a:t>
+            </a:r>
           </a:p>
         </p:txBody>
       </p:sp>
+      <p:pic>
+        <p:nvPicPr>
+          <p:cNvPr id="5" name="Kép 4" descr="A képen képernyőkép látható&#10;&#10;Automatikusan generált leírás">
+            <a:extLst>
+              <a:ext uri="{FF2B5EF4-FFF2-40B4-BE49-F238E27FC236}">
+                <a16:creationId xmlns:a16="http://schemas.microsoft.com/office/drawing/2014/main" id="{7259A14B-9B4A-43AD-9AA6-73C1576E7DF6}"/>
+              </a:ext>
+            </a:extLst>
+          </p:cNvPr>
+          <p:cNvPicPr>
+            <a:picLocks noChangeAspect="1"/>
+          </p:cNvPicPr>
+          <p:nvPr/>
+        </p:nvPicPr>
+        <p:blipFill>
+          <a:blip r:embed="rId3">
+            <a:extLst>
+              <a:ext uri="{28A0092B-C50C-407E-A947-70E740481C1C}">
+                <a14:useLocalDpi xmlns:a14="http://schemas.microsoft.com/office/drawing/2010/main" val="0"/>
+              </a:ext>
+            </a:extLst>
+          </a:blip>
+          <a:stretch>
+            <a:fillRect/>
+          </a:stretch>
+        </p:blipFill>
+        <p:spPr>
+          <a:xfrm>
+            <a:off x="6516717" y="3823784"/>
+            <a:ext cx="4986020" cy="2182161"/>
+          </a:xfrm>
+          <a:prstGeom prst="rect">
+            <a:avLst/>
+          </a:prstGeom>
+          <a:ln>
+            <a:noFill/>
+          </a:ln>
+          <a:effectLst>
+            <a:outerShdw blurRad="190500" algn="tl" rotWithShape="0">
+              <a:srgbClr val="000000">
+                <a:alpha val="70000"/>
+              </a:srgbClr>
+            </a:outerShdw>
+          </a:effectLst>
+        </p:spPr>
+      </p:pic>
     </p:spTree>
     <p:extLst>
       <p:ext uri="{BB962C8B-B14F-4D97-AF65-F5344CB8AC3E}">
-        <p14:creationId xmlns:p14="http://schemas.microsoft.com/office/powerpoint/2010/main" val="1417454054"/>
+        <p14:creationId xmlns:p14="http://schemas.microsoft.com/office/powerpoint/2010/main" val="4026249415"/>
       </p:ext>
     </p:extLst>
   </p:cSld>
@@ -7539,7 +7641,7 @@
 </p:sld>
 </file>
 
-<file path=ppt/slides/slide3.xml><?xml version="1.0" encoding="utf-8"?>
+<file path=ppt/slides/slide11.xml><?xml version="1.0" encoding="utf-8"?>
 <p:sld xmlns:a="http://schemas.openxmlformats.org/drawingml/2006/main" xmlns:r="http://schemas.openxmlformats.org/officeDocument/2006/relationships" xmlns:p="http://schemas.openxmlformats.org/presentationml/2006/main">
   <p:cSld>
     <p:bg>
@@ -7580,7 +7682,7 @@
       </p:grpSpPr>
       <p:sp useBgFill="1">
         <p:nvSpPr>
-          <p:cNvPr id="27" name="Rectangle 26">
+          <p:cNvPr id="8" name="Rectangle 7">
             <a:extLst>
               <a:ext uri="{FF2B5EF4-FFF2-40B4-BE49-F238E27FC236}">
                 <a16:creationId xmlns:a16="http://schemas.microsoft.com/office/drawing/2014/main" id="{99CAC3B1-4879-424D-8F15-206277196159}"/>
@@ -7643,7 +7745,7 @@
           <p:cNvPr id="2" name="Cím 1">
             <a:extLst>
               <a:ext uri="{FF2B5EF4-FFF2-40B4-BE49-F238E27FC236}">
-                <a16:creationId xmlns:a16="http://schemas.microsoft.com/office/drawing/2014/main" id="{6E6CE9DA-93CA-4B8C-BB41-84E3A654AEF1}"/>
+                <a16:creationId xmlns:a16="http://schemas.microsoft.com/office/drawing/2014/main" id="{A9E3D95B-C6BD-4B59-B9AE-9D0613779241}"/>
               </a:ext>
             </a:extLst>
           </p:cNvPr>
@@ -7657,7 +7759,7 @@
         <p:spPr>
           <a:xfrm>
             <a:off x="3618200" y="852055"/>
-            <a:ext cx="7257455" cy="1383145"/>
+            <a:ext cx="7257455" cy="1752599"/>
           </a:xfrm>
         </p:spPr>
         <p:txBody>
@@ -7668,14 +7770,14 @@
           <a:p>
             <a:r>
               <a:rPr lang="hu-HU" sz="3600" dirty="0"/>
-              <a:t>Szimuláció</a:t>
+              <a:t>Megjelenítés I. – 2D, CPU</a:t>
             </a:r>
           </a:p>
         </p:txBody>
       </p:sp>
       <p:sp>
         <p:nvSpPr>
-          <p:cNvPr id="29" name="Freeform 6">
+          <p:cNvPr id="10" name="Freeform 6">
             <a:extLst>
               <a:ext uri="{FF2B5EF4-FFF2-40B4-BE49-F238E27FC236}">
                 <a16:creationId xmlns:a16="http://schemas.microsoft.com/office/drawing/2014/main" id="{E34CC1C8-EBDD-4AEA-83E6-B27575B62E2E}"/>
@@ -7738,7 +7840,7 @@
       </p:sp>
       <p:sp>
         <p:nvSpPr>
-          <p:cNvPr id="31" name="Freeform 7">
+          <p:cNvPr id="12" name="Freeform 7">
             <a:extLst>
               <a:ext uri="{FF2B5EF4-FFF2-40B4-BE49-F238E27FC236}">
                 <a16:creationId xmlns:a16="http://schemas.microsoft.com/office/drawing/2014/main" id="{D6B38644-B85D-4211-9526-5B4C2A662BF7}"/>
@@ -7804,7 +7906,7 @@
       </p:sp>
       <p:sp>
         <p:nvSpPr>
-          <p:cNvPr id="33" name="Freeform 12">
+          <p:cNvPr id="14" name="Freeform 12">
             <a:extLst>
               <a:ext uri="{FF2B5EF4-FFF2-40B4-BE49-F238E27FC236}">
                 <a16:creationId xmlns:a16="http://schemas.microsoft.com/office/drawing/2014/main" id="{8A8B2820-6B8F-4C19-BFC5-D28EE44E54CB}"/>
@@ -7864,7 +7966,7 @@
       </p:sp>
       <p:sp>
         <p:nvSpPr>
-          <p:cNvPr id="35" name="Freeform: Shape 34">
+          <p:cNvPr id="16" name="Freeform: Shape 15">
             <a:extLst>
               <a:ext uri="{FF2B5EF4-FFF2-40B4-BE49-F238E27FC236}">
                 <a16:creationId xmlns:a16="http://schemas.microsoft.com/office/drawing/2014/main" id="{DCA45AB7-441E-40A8-A98B-557D68F48A48}"/>
@@ -7956,7 +8058,7 @@
       </p:sp>
       <p:sp>
         <p:nvSpPr>
-          <p:cNvPr id="37" name="Freeform: Shape 36">
+          <p:cNvPr id="18" name="Freeform: Shape 17">
             <a:extLst>
               <a:ext uri="{FF2B5EF4-FFF2-40B4-BE49-F238E27FC236}">
                 <a16:creationId xmlns:a16="http://schemas.microsoft.com/office/drawing/2014/main" id="{5F516030-4F00-4C48-AD93-91EFA17A1AC3}"/>
@@ -8070,7 +8172,7 @@
       </p:sp>
       <p:sp>
         <p:nvSpPr>
-          <p:cNvPr id="39" name="Freeform: Shape 38">
+          <p:cNvPr id="20" name="Freeform: Shape 19">
             <a:extLst>
               <a:ext uri="{FF2B5EF4-FFF2-40B4-BE49-F238E27FC236}">
                 <a16:creationId xmlns:a16="http://schemas.microsoft.com/office/drawing/2014/main" id="{5820085E-2582-4A95-98EE-45DFFD5C017C}"/>
@@ -8149,7 +8251,7 @@
           <p:cNvPr id="3" name="Tartalom helye 2">
             <a:extLst>
               <a:ext uri="{FF2B5EF4-FFF2-40B4-BE49-F238E27FC236}">
-                <a16:creationId xmlns:a16="http://schemas.microsoft.com/office/drawing/2014/main" id="{78132BA2-3286-410E-9CCF-A434C3B45F5E}"/>
+                <a16:creationId xmlns:a16="http://schemas.microsoft.com/office/drawing/2014/main" id="{E01DBA7A-B8FE-4A27-A207-12C1252BBA44}"/>
               </a:ext>
             </a:extLst>
           </p:cNvPr>
@@ -8162,8 +8264,8 @@
         </p:nvSpPr>
         <p:spPr>
           <a:xfrm>
-            <a:off x="3613237" y="2582863"/>
-            <a:ext cx="7200236" cy="2969584"/>
+            <a:off x="3377006" y="2839605"/>
+            <a:ext cx="7200236" cy="2712842"/>
           </a:xfrm>
         </p:spPr>
         <p:txBody>
@@ -8173,42 +8275,126 @@
           <a:lstStyle/>
           <a:p>
             <a:r>
+              <a:rPr lang="hu-HU" dirty="0" err="1"/>
+              <a:t>OpenGl</a:t>
+            </a:r>
+            <a:endParaRPr lang="hu-HU" dirty="0"/>
+          </a:p>
+          <a:p>
+            <a:r>
               <a:rPr lang="hu-HU" dirty="0"/>
-              <a:t>CPU implementáció – C++</a:t>
-            </a:r>
+              <a:t>Első körben 2D, CPU szimuláció</a:t>
+            </a:r>
+          </a:p>
+          <a:p>
+            <a:endParaRPr lang="hu-HU" dirty="0"/>
           </a:p>
           <a:p>
             <a:r>
               <a:rPr lang="hu-HU" dirty="0"/>
-              <a:t>Megjelenítés – </a:t>
+              <a:t>Egyszerű memória kezelés</a:t>
+            </a:r>
+          </a:p>
+          <a:p>
+            <a:r>
+              <a:rPr lang="hu-HU" dirty="0"/>
+              <a:t>Alap </a:t>
             </a:r>
             <a:r>
               <a:rPr lang="hu-HU" dirty="0" err="1"/>
-              <a:t>OpenGL</a:t>
-            </a:r>
-            <a:endParaRPr lang="hu-HU" dirty="0"/>
-          </a:p>
-          <a:p>
-            <a:endParaRPr lang="hu-HU" dirty="0"/>
-          </a:p>
-          <a:p>
+              <a:t>OpenGl</a:t>
+            </a:r>
             <a:r>
               <a:rPr lang="hu-HU" dirty="0"/>
-              <a:t>Egyszálon, párhuzamosság nélkül</a:t>
-            </a:r>
-          </a:p>
-          <a:p>
-            <a:r>
-              <a:rPr lang="hu-HU" dirty="0"/>
-              <a:t>Szimulációs lépések, részecskékként sorban</a:t>
-            </a:r>
+              <a:t> metódusok</a:t>
+            </a:r>
+          </a:p>
+        </p:txBody>
+      </p:sp>
+      <p:pic>
+        <p:nvPicPr>
+          <p:cNvPr id="11" name="Kép 10">
+            <a:extLst>
+              <a:ext uri="{FF2B5EF4-FFF2-40B4-BE49-F238E27FC236}">
+                <a16:creationId xmlns:a16="http://schemas.microsoft.com/office/drawing/2014/main" id="{3016B945-7ED1-468C-9E9A-1454C60F16BC}"/>
+              </a:ext>
+            </a:extLst>
+          </p:cNvPr>
+          <p:cNvPicPr/>
+          <p:nvPr/>
+        </p:nvPicPr>
+        <p:blipFill>
+          <a:blip r:embed="rId3">
+            <a:extLst>
+              <a:ext uri="{28A0092B-C50C-407E-A947-70E740481C1C}">
+                <a14:useLocalDpi xmlns:a14="http://schemas.microsoft.com/office/drawing/2010/main" val="0"/>
+              </a:ext>
+            </a:extLst>
+          </a:blip>
+          <a:stretch>
+            <a:fillRect/>
+          </a:stretch>
+        </p:blipFill>
+        <p:spPr>
+          <a:xfrm>
+            <a:off x="7765482" y="2461946"/>
+            <a:ext cx="3823664" cy="3991863"/>
+          </a:xfrm>
+          <a:prstGeom prst="rect">
+            <a:avLst/>
+          </a:prstGeom>
+        </p:spPr>
+      </p:pic>
+      <p:sp>
+        <p:nvSpPr>
+          <p:cNvPr id="4" name="Nyíl: lefelé mutató 3">
+            <a:extLst>
+              <a:ext uri="{FF2B5EF4-FFF2-40B4-BE49-F238E27FC236}">
+                <a16:creationId xmlns:a16="http://schemas.microsoft.com/office/drawing/2014/main" id="{865EBAB0-FF89-480A-82A1-92A76ABE7FE5}"/>
+              </a:ext>
+            </a:extLst>
+          </p:cNvPr>
+          <p:cNvSpPr/>
+          <p:nvPr/>
+        </p:nvSpPr>
+        <p:spPr>
+          <a:xfrm>
+            <a:off x="6096000" y="3833492"/>
+            <a:ext cx="185530" cy="463826"/>
+          </a:xfrm>
+          <a:prstGeom prst="downArrow">
+            <a:avLst/>
+          </a:prstGeom>
+        </p:spPr>
+        <p:style>
+          <a:lnRef idx="2">
+            <a:schemeClr val="accent1">
+              <a:shade val="50000"/>
+            </a:schemeClr>
+          </a:lnRef>
+          <a:fillRef idx="1">
+            <a:schemeClr val="accent1"/>
+          </a:fillRef>
+          <a:effectRef idx="0">
+            <a:schemeClr val="accent1"/>
+          </a:effectRef>
+          <a:fontRef idx="minor">
+            <a:schemeClr val="lt1"/>
+          </a:fontRef>
+        </p:style>
+        <p:txBody>
+          <a:bodyPr rtlCol="0" anchor="ctr"/>
+          <a:lstStyle/>
+          <a:p>
+            <a:pPr algn="ctr"/>
+            <a:endParaRPr lang="hu-HU"/>
           </a:p>
         </p:txBody>
       </p:sp>
     </p:spTree>
     <p:extLst>
       <p:ext uri="{BB962C8B-B14F-4D97-AF65-F5344CB8AC3E}">
-        <p14:creationId xmlns:p14="http://schemas.microsoft.com/office/powerpoint/2010/main" val="3864130024"/>
+        <p14:creationId xmlns:p14="http://schemas.microsoft.com/office/powerpoint/2010/main" val="4084400030"/>
       </p:ext>
     </p:extLst>
   </p:cSld>
@@ -8218,7 +8404,7 @@
 </p:sld>
 </file>
 
-<file path=ppt/slides/slide4.xml><?xml version="1.0" encoding="utf-8"?>
+<file path=ppt/slides/slide12.xml><?xml version="1.0" encoding="utf-8"?>
 <p:sld xmlns:a="http://schemas.openxmlformats.org/drawingml/2006/main" xmlns:r="http://schemas.openxmlformats.org/officeDocument/2006/relationships" xmlns:p="http://schemas.openxmlformats.org/presentationml/2006/main">
   <p:cSld>
     <p:bg>
@@ -8259,7 +8445,7 @@
       </p:grpSpPr>
       <p:sp useBgFill="1">
         <p:nvSpPr>
-          <p:cNvPr id="27" name="Rectangle 26">
+          <p:cNvPr id="8" name="Rectangle 7">
             <a:extLst>
               <a:ext uri="{FF2B5EF4-FFF2-40B4-BE49-F238E27FC236}">
                 <a16:creationId xmlns:a16="http://schemas.microsoft.com/office/drawing/2014/main" id="{99CAC3B1-4879-424D-8F15-206277196159}"/>
@@ -8322,7 +8508,7 @@
           <p:cNvPr id="2" name="Cím 1">
             <a:extLst>
               <a:ext uri="{FF2B5EF4-FFF2-40B4-BE49-F238E27FC236}">
-                <a16:creationId xmlns:a16="http://schemas.microsoft.com/office/drawing/2014/main" id="{5DA11877-A9A0-4817-90DC-56BC68128C8C}"/>
+                <a16:creationId xmlns:a16="http://schemas.microsoft.com/office/drawing/2014/main" id="{A9E3D95B-C6BD-4B59-B9AE-9D0613779241}"/>
               </a:ext>
             </a:extLst>
           </p:cNvPr>
@@ -8336,7 +8522,7 @@
         <p:spPr>
           <a:xfrm>
             <a:off x="3618200" y="852055"/>
-            <a:ext cx="7257455" cy="938645"/>
+            <a:ext cx="7257455" cy="1752599"/>
           </a:xfrm>
         </p:spPr>
         <p:txBody>
@@ -8347,14 +8533,14 @@
           <a:p>
             <a:r>
               <a:rPr lang="hu-HU" sz="3600" dirty="0"/>
-              <a:t>Elméleti háttér</a:t>
+              <a:t>Megjelenítés II. – sebesség-vektor megjelenítés</a:t>
             </a:r>
           </a:p>
         </p:txBody>
       </p:sp>
       <p:sp>
         <p:nvSpPr>
-          <p:cNvPr id="29" name="Freeform 6">
+          <p:cNvPr id="10" name="Freeform 6">
             <a:extLst>
               <a:ext uri="{FF2B5EF4-FFF2-40B4-BE49-F238E27FC236}">
                 <a16:creationId xmlns:a16="http://schemas.microsoft.com/office/drawing/2014/main" id="{E34CC1C8-EBDD-4AEA-83E6-B27575B62E2E}"/>
@@ -8417,7 +8603,7 @@
       </p:sp>
       <p:sp>
         <p:nvSpPr>
-          <p:cNvPr id="31" name="Freeform 7">
+          <p:cNvPr id="12" name="Freeform 7">
             <a:extLst>
               <a:ext uri="{FF2B5EF4-FFF2-40B4-BE49-F238E27FC236}">
                 <a16:creationId xmlns:a16="http://schemas.microsoft.com/office/drawing/2014/main" id="{D6B38644-B85D-4211-9526-5B4C2A662BF7}"/>
@@ -8483,7 +8669,7 @@
       </p:sp>
       <p:sp>
         <p:nvSpPr>
-          <p:cNvPr id="33" name="Freeform 12">
+          <p:cNvPr id="14" name="Freeform 12">
             <a:extLst>
               <a:ext uri="{FF2B5EF4-FFF2-40B4-BE49-F238E27FC236}">
                 <a16:creationId xmlns:a16="http://schemas.microsoft.com/office/drawing/2014/main" id="{8A8B2820-6B8F-4C19-BFC5-D28EE44E54CB}"/>
@@ -8543,7 +8729,7 @@
       </p:sp>
       <p:sp>
         <p:nvSpPr>
-          <p:cNvPr id="35" name="Freeform: Shape 34">
+          <p:cNvPr id="16" name="Freeform: Shape 15">
             <a:extLst>
               <a:ext uri="{FF2B5EF4-FFF2-40B4-BE49-F238E27FC236}">
                 <a16:creationId xmlns:a16="http://schemas.microsoft.com/office/drawing/2014/main" id="{DCA45AB7-441E-40A8-A98B-557D68F48A48}"/>
@@ -8635,7 +8821,7 @@
       </p:sp>
       <p:sp>
         <p:nvSpPr>
-          <p:cNvPr id="37" name="Freeform: Shape 36">
+          <p:cNvPr id="18" name="Freeform: Shape 17">
             <a:extLst>
               <a:ext uri="{FF2B5EF4-FFF2-40B4-BE49-F238E27FC236}">
                 <a16:creationId xmlns:a16="http://schemas.microsoft.com/office/drawing/2014/main" id="{5F516030-4F00-4C48-AD93-91EFA17A1AC3}"/>
@@ -8749,7 +8935,7 @@
       </p:sp>
       <p:sp>
         <p:nvSpPr>
-          <p:cNvPr id="39" name="Freeform: Shape 38">
+          <p:cNvPr id="20" name="Freeform: Shape 19">
             <a:extLst>
               <a:ext uri="{FF2B5EF4-FFF2-40B4-BE49-F238E27FC236}">
                 <a16:creationId xmlns:a16="http://schemas.microsoft.com/office/drawing/2014/main" id="{5820085E-2582-4A95-98EE-45DFFD5C017C}"/>
@@ -8828,7 +9014,7 @@
           <p:cNvPr id="3" name="Tartalom helye 2">
             <a:extLst>
               <a:ext uri="{FF2B5EF4-FFF2-40B4-BE49-F238E27FC236}">
-                <a16:creationId xmlns:a16="http://schemas.microsoft.com/office/drawing/2014/main" id="{C34A9B82-54EE-479C-9932-69C0475156D6}"/>
+                <a16:creationId xmlns:a16="http://schemas.microsoft.com/office/drawing/2014/main" id="{E01DBA7A-B8FE-4A27-A207-12C1252BBA44}"/>
               </a:ext>
             </a:extLst>
           </p:cNvPr>
@@ -8841,8 +9027,8 @@
         </p:nvSpPr>
         <p:spPr>
           <a:xfrm>
-            <a:off x="3613237" y="2066925"/>
-            <a:ext cx="7200236" cy="3485522"/>
+            <a:off x="3613237" y="2839605"/>
+            <a:ext cx="7200236" cy="2712842"/>
           </a:xfrm>
         </p:spPr>
         <p:txBody>
@@ -8853,772 +9039,45 @@
           <a:p>
             <a:r>
               <a:rPr lang="hu-HU" dirty="0"/>
-              <a:t>Szomszédos részecskék vizsgálata</a:t>
-            </a:r>
+              <a:t>Nehézkes </a:t>
+            </a:r>
+            <a:r>
+              <a:rPr lang="hu-HU" dirty="0" err="1"/>
+              <a:t>debugolás</a:t>
+            </a:r>
+            <a:endParaRPr lang="hu-HU" dirty="0"/>
+          </a:p>
+          <a:p>
+            <a:endParaRPr lang="hu-HU" dirty="0"/>
           </a:p>
           <a:p>
             <a:r>
               <a:rPr lang="hu-HU" dirty="0"/>
-              <a:t>Téralapú </a:t>
-            </a:r>
-            <a:r>
-              <a:rPr lang="hu-HU" dirty="0" err="1"/>
-              <a:t>hash-elés</a:t>
-            </a:r>
-            <a:endParaRPr lang="hu-HU" dirty="0"/>
-          </a:p>
-          <a:p>
-            <a:r>
-              <a:rPr lang="hu-HU" dirty="0" err="1"/>
-              <a:t>Leap</a:t>
-            </a:r>
-            <a:r>
-              <a:rPr lang="hu-HU" dirty="0"/>
-              <a:t> </a:t>
-            </a:r>
-            <a:r>
-              <a:rPr lang="hu-HU" dirty="0" err="1"/>
-              <a:t>Frog</a:t>
-            </a:r>
-            <a:r>
-              <a:rPr lang="hu-HU" dirty="0"/>
-              <a:t> </a:t>
-            </a:r>
-            <a:r>
-              <a:rPr lang="hu-HU" dirty="0" err="1"/>
-              <a:t>Integrator</a:t>
-            </a:r>
-            <a:endParaRPr lang="hu-HU" dirty="0"/>
+              <a:t>Sebesség-vektor megjelenítés</a:t>
+            </a:r>
           </a:p>
         </p:txBody>
       </p:sp>
-      <p:pic>
-        <p:nvPicPr>
-          <p:cNvPr id="11" name="Kép 10" descr="A képen objektum látható&#10;&#10;Automatikusan generált leírás">
+      <p:sp>
+        <p:nvSpPr>
+          <p:cNvPr id="13" name="Nyíl: lefelé mutató 12">
             <a:extLst>
               <a:ext uri="{FF2B5EF4-FFF2-40B4-BE49-F238E27FC236}">
-                <a16:creationId xmlns:a16="http://schemas.microsoft.com/office/drawing/2014/main" id="{E7298662-BE48-4910-8D5A-BC4440F3527C}"/>
+                <a16:creationId xmlns:a16="http://schemas.microsoft.com/office/drawing/2014/main" id="{B0A6ABD9-9B6F-44AB-8B2F-C303719722B0}"/>
               </a:ext>
             </a:extLst>
           </p:cNvPr>
-          <p:cNvPicPr>
-            <a:picLocks noChangeAspect="1"/>
-          </p:cNvPicPr>
+          <p:cNvSpPr/>
           <p:nvPr/>
-        </p:nvPicPr>
-        <p:blipFill>
-          <a:blip r:embed="rId3">
-            <a:extLst>
-              <a:ext uri="{28A0092B-C50C-407E-A947-70E740481C1C}">
-                <a14:useLocalDpi xmlns:a14="http://schemas.microsoft.com/office/drawing/2010/main" val="0"/>
-              </a:ext>
-            </a:extLst>
-          </a:blip>
-          <a:stretch>
-            <a:fillRect/>
-          </a:stretch>
-        </p:blipFill>
+        </p:nvSpPr>
         <p:spPr>
           <a:xfrm>
-            <a:off x="7213355" y="3111384"/>
-            <a:ext cx="4631055" cy="1609047"/>
+            <a:off x="5596595" y="3429000"/>
+            <a:ext cx="185530" cy="463826"/>
           </a:xfrm>
-          <a:prstGeom prst="rect">
+          <a:prstGeom prst="downArrow">
             <a:avLst/>
           </a:prstGeom>
-          <a:ln>
-            <a:noFill/>
-          </a:ln>
-          <a:effectLst>
-            <a:outerShdw blurRad="190500" algn="tl" rotWithShape="0">
-              <a:srgbClr val="000000">
-                <a:alpha val="70000"/>
-              </a:srgbClr>
-            </a:outerShdw>
-          </a:effectLst>
-        </p:spPr>
-      </p:pic>
-      <p:pic>
-        <p:nvPicPr>
-          <p:cNvPr id="15" name="Kép 14" descr="A képen objektum látható&#10;&#10;Automatikusan generált leírás">
-            <a:extLst>
-              <a:ext uri="{FF2B5EF4-FFF2-40B4-BE49-F238E27FC236}">
-                <a16:creationId xmlns:a16="http://schemas.microsoft.com/office/drawing/2014/main" id="{45C7D08D-F14E-4884-8B9E-694F038A2B10}"/>
-              </a:ext>
-            </a:extLst>
-          </p:cNvPr>
-          <p:cNvPicPr>
-            <a:picLocks noChangeAspect="1"/>
-          </p:cNvPicPr>
-          <p:nvPr/>
-        </p:nvPicPr>
-        <p:blipFill>
-          <a:blip r:embed="rId4">
-            <a:extLst>
-              <a:ext uri="{28A0092B-C50C-407E-A947-70E740481C1C}">
-                <a14:useLocalDpi xmlns:a14="http://schemas.microsoft.com/office/drawing/2010/main" val="0"/>
-              </a:ext>
-            </a:extLst>
-          </a:blip>
-          <a:stretch>
-            <a:fillRect/>
-          </a:stretch>
-        </p:blipFill>
-        <p:spPr>
-          <a:xfrm>
-            <a:off x="2181512" y="4756049"/>
-            <a:ext cx="4631055" cy="1357979"/>
-          </a:xfrm>
-          <a:prstGeom prst="rect">
-            <a:avLst/>
-          </a:prstGeom>
-          <a:ln>
-            <a:noFill/>
-          </a:ln>
-          <a:effectLst>
-            <a:outerShdw blurRad="190500" algn="tl" rotWithShape="0">
-              <a:srgbClr val="000000">
-                <a:alpha val="70000"/>
-              </a:srgbClr>
-            </a:outerShdw>
-          </a:effectLst>
-        </p:spPr>
-      </p:pic>
-    </p:spTree>
-    <p:extLst>
-      <p:ext uri="{BB962C8B-B14F-4D97-AF65-F5344CB8AC3E}">
-        <p14:creationId xmlns:p14="http://schemas.microsoft.com/office/powerpoint/2010/main" val="3812095674"/>
-      </p:ext>
-    </p:extLst>
-  </p:cSld>
-  <p:clrMapOvr>
-    <a:masterClrMapping/>
-  </p:clrMapOvr>
-</p:sld>
-</file>
-
-<file path=ppt/slides/slide5.xml><?xml version="1.0" encoding="utf-8"?>
-<p:sld xmlns:a="http://schemas.openxmlformats.org/drawingml/2006/main" xmlns:r="http://schemas.openxmlformats.org/officeDocument/2006/relationships" xmlns:p="http://schemas.openxmlformats.org/presentationml/2006/main">
-  <p:cSld>
-    <p:bg>
-      <p:bgPr>
-        <a:blipFill rotWithShape="1">
-          <a:blip r:embed="rId2">
-            <a:duotone>
-              <a:schemeClr val="bg2">
-                <a:shade val="76000"/>
-                <a:satMod val="180000"/>
-              </a:schemeClr>
-              <a:schemeClr val="bg2">
-                <a:tint val="80000"/>
-                <a:satMod val="120000"/>
-                <a:lumMod val="180000"/>
-              </a:schemeClr>
-            </a:duotone>
-            <a:extLst/>
-          </a:blip>
-          <a:stretch/>
-        </a:blipFill>
-        <a:effectLst/>
-      </p:bgPr>
-    </p:bg>
-    <p:spTree>
-      <p:nvGrpSpPr>
-        <p:cNvPr id="1" name=""/>
-        <p:cNvGrpSpPr/>
-        <p:nvPr/>
-      </p:nvGrpSpPr>
-      <p:grpSpPr>
-        <a:xfrm>
-          <a:off x="0" y="0"/>
-          <a:ext cx="0" cy="0"/>
-          <a:chOff x="0" y="0"/>
-          <a:chExt cx="0" cy="0"/>
-        </a:xfrm>
-      </p:grpSpPr>
-      <p:grpSp>
-        <p:nvGrpSpPr>
-          <p:cNvPr id="87" name="Group 76">
-            <a:extLst>
-              <a:ext uri="{FF2B5EF4-FFF2-40B4-BE49-F238E27FC236}">
-                <a16:creationId xmlns:a16="http://schemas.microsoft.com/office/drawing/2014/main" id="{4AC1ADCD-3609-4007-8C84-B8B2E73D4E79}"/>
-              </a:ext>
-              <a:ext uri="{C183D7F6-B498-43B3-948B-1728B52AA6E4}">
-                <adec:decorative xmlns:adec="http://schemas.microsoft.com/office/drawing/2017/decorative" val="1"/>
-              </a:ext>
-            </a:extLst>
-          </p:cNvPr>
-          <p:cNvGrpSpPr>
-            <a:grpSpLocks noGrp="1" noUngrp="1" noRot="1" noChangeAspect="1" noMove="1" noResize="1"/>
-          </p:cNvGrpSpPr>
-          <p:nvPr>
-            <p:extLst>
-              <p:ext uri="{386F3935-93C4-4BCD-93E2-E3B085C9AB24}">
-                <p16:designElem xmlns:p16="http://schemas.microsoft.com/office/powerpoint/2015/main" val="1"/>
-              </p:ext>
-            </p:extLst>
-          </p:nvPr>
-        </p:nvGrpSpPr>
-        <p:grpSpPr>
-          <a:xfrm>
-            <a:off x="150812" y="0"/>
-            <a:ext cx="2436813" cy="6858001"/>
-            <a:chOff x="1320800" y="0"/>
-            <a:chExt cx="2436813" cy="6858001"/>
-          </a:xfrm>
-        </p:grpSpPr>
-        <p:sp>
-          <p:nvSpPr>
-            <p:cNvPr id="78" name="Freeform 6">
-              <a:extLst>
-                <a:ext uri="{FF2B5EF4-FFF2-40B4-BE49-F238E27FC236}">
-                  <a16:creationId xmlns:a16="http://schemas.microsoft.com/office/drawing/2014/main" id="{CE37ED29-9D4F-48AD-921F-7E36B251A41C}"/>
-                </a:ext>
-                <a:ext uri="{C183D7F6-B498-43B3-948B-1728B52AA6E4}">
-                  <adec:decorative xmlns:adec="http://schemas.microsoft.com/office/drawing/2017/decorative" val="1"/>
-                </a:ext>
-              </a:extLst>
-            </p:cNvPr>
-            <p:cNvSpPr/>
-            <p:nvPr>
-              <p:extLst>
-                <p:ext uri="{386F3935-93C4-4BCD-93E2-E3B085C9AB24}">
-                  <p16:designElem xmlns:p16="http://schemas.microsoft.com/office/powerpoint/2015/main" val="1"/>
-                </p:ext>
-              </p:extLst>
-            </p:nvPr>
-          </p:nvSpPr>
-          <p:spPr bwMode="auto">
-            <a:xfrm>
-              <a:off x="1627188" y="0"/>
-              <a:ext cx="1122363" cy="5329238"/>
-            </a:xfrm>
-            <a:custGeom>
-              <a:avLst/>
-              <a:gdLst/>
-              <a:ahLst/>
-              <a:cxnLst/>
-              <a:rect l="0" t="0" r="r" b="b"/>
-              <a:pathLst>
-                <a:path w="707" h="3357">
-                  <a:moveTo>
-                    <a:pt x="0" y="3330"/>
-                  </a:moveTo>
-                  <a:lnTo>
-                    <a:pt x="156" y="3357"/>
-                  </a:lnTo>
-                  <a:lnTo>
-                    <a:pt x="707" y="0"/>
-                  </a:lnTo>
-                  <a:lnTo>
-                    <a:pt x="547" y="0"/>
-                  </a:lnTo>
-                  <a:lnTo>
-                    <a:pt x="0" y="3330"/>
-                  </a:lnTo>
-                  <a:close/>
-                </a:path>
-              </a:pathLst>
-            </a:custGeom>
-            <a:solidFill>
-              <a:schemeClr val="accent1"/>
-            </a:solidFill>
-            <a:ln>
-              <a:noFill/>
-            </a:ln>
-          </p:spPr>
-        </p:sp>
-        <p:sp>
-          <p:nvSpPr>
-            <p:cNvPr id="79" name="Freeform 7">
-              <a:extLst>
-                <a:ext uri="{FF2B5EF4-FFF2-40B4-BE49-F238E27FC236}">
-                  <a16:creationId xmlns:a16="http://schemas.microsoft.com/office/drawing/2014/main" id="{8B61C2FF-8AF0-4D82-9018-14D6779EEC5F}"/>
-                </a:ext>
-                <a:ext uri="{C183D7F6-B498-43B3-948B-1728B52AA6E4}">
-                  <adec:decorative xmlns:adec="http://schemas.microsoft.com/office/drawing/2017/decorative" val="1"/>
-                </a:ext>
-              </a:extLst>
-            </p:cNvPr>
-            <p:cNvSpPr/>
-            <p:nvPr>
-              <p:extLst>
-                <p:ext uri="{386F3935-93C4-4BCD-93E2-E3B085C9AB24}">
-                  <p16:designElem xmlns:p16="http://schemas.microsoft.com/office/powerpoint/2015/main" val="1"/>
-                </p:ext>
-              </p:extLst>
-            </p:nvPr>
-          </p:nvSpPr>
-          <p:spPr bwMode="auto">
-            <a:xfrm>
-              <a:off x="1320800" y="0"/>
-              <a:ext cx="1117600" cy="5276850"/>
-            </a:xfrm>
-            <a:custGeom>
-              <a:avLst/>
-              <a:gdLst/>
-              <a:ahLst/>
-              <a:cxnLst/>
-              <a:rect l="0" t="0" r="r" b="b"/>
-              <a:pathLst>
-                <a:path w="704" h="3324">
-                  <a:moveTo>
-                    <a:pt x="704" y="0"/>
-                  </a:moveTo>
-                  <a:lnTo>
-                    <a:pt x="545" y="0"/>
-                  </a:lnTo>
-                  <a:lnTo>
-                    <a:pt x="0" y="3300"/>
-                  </a:lnTo>
-                  <a:lnTo>
-                    <a:pt x="157" y="3324"/>
-                  </a:lnTo>
-                  <a:lnTo>
-                    <a:pt x="704" y="0"/>
-                  </a:lnTo>
-                  <a:close/>
-                </a:path>
-              </a:pathLst>
-            </a:custGeom>
-            <a:solidFill>
-              <a:schemeClr val="tx1">
-                <a:lumMod val="65000"/>
-                <a:lumOff val="35000"/>
-              </a:schemeClr>
-            </a:solidFill>
-            <a:ln>
-              <a:noFill/>
-            </a:ln>
-          </p:spPr>
-        </p:sp>
-        <p:sp>
-          <p:nvSpPr>
-            <p:cNvPr id="80" name="Freeform 8">
-              <a:extLst>
-                <a:ext uri="{FF2B5EF4-FFF2-40B4-BE49-F238E27FC236}">
-                  <a16:creationId xmlns:a16="http://schemas.microsoft.com/office/drawing/2014/main" id="{1BB92F4E-40F3-4289-B561-1320DEB73095}"/>
-                </a:ext>
-                <a:ext uri="{C183D7F6-B498-43B3-948B-1728B52AA6E4}">
-                  <adec:decorative xmlns:adec="http://schemas.microsoft.com/office/drawing/2017/decorative" val="1"/>
-                </a:ext>
-              </a:extLst>
-            </p:cNvPr>
-            <p:cNvSpPr/>
-            <p:nvPr>
-              <p:extLst>
-                <p:ext uri="{386F3935-93C4-4BCD-93E2-E3B085C9AB24}">
-                  <p16:designElem xmlns:p16="http://schemas.microsoft.com/office/powerpoint/2015/main" val="1"/>
-                </p:ext>
-              </p:extLst>
-            </p:nvPr>
-          </p:nvSpPr>
-          <p:spPr bwMode="auto">
-            <a:xfrm>
-              <a:off x="1320800" y="5238750"/>
-              <a:ext cx="1228725" cy="1619250"/>
-            </a:xfrm>
-            <a:custGeom>
-              <a:avLst/>
-              <a:gdLst/>
-              <a:ahLst/>
-              <a:cxnLst/>
-              <a:rect l="0" t="0" r="r" b="b"/>
-              <a:pathLst>
-                <a:path w="774" h="1020">
-                  <a:moveTo>
-                    <a:pt x="0" y="0"/>
-                  </a:moveTo>
-                  <a:lnTo>
-                    <a:pt x="740" y="1020"/>
-                  </a:lnTo>
-                  <a:lnTo>
-                    <a:pt x="774" y="1020"/>
-                  </a:lnTo>
-                  <a:lnTo>
-                    <a:pt x="0" y="0"/>
-                  </a:lnTo>
-                  <a:close/>
-                </a:path>
-              </a:pathLst>
-            </a:custGeom>
-            <a:solidFill>
-              <a:schemeClr val="tx1">
-                <a:lumMod val="85000"/>
-                <a:lumOff val="15000"/>
-              </a:schemeClr>
-            </a:solidFill>
-            <a:ln>
-              <a:noFill/>
-            </a:ln>
-          </p:spPr>
-        </p:sp>
-        <p:sp>
-          <p:nvSpPr>
-            <p:cNvPr id="81" name="Freeform 9">
-              <a:extLst>
-                <a:ext uri="{FF2B5EF4-FFF2-40B4-BE49-F238E27FC236}">
-                  <a16:creationId xmlns:a16="http://schemas.microsoft.com/office/drawing/2014/main" id="{7CA8D726-1E05-4089-8321-CF71E5ABE7CB}"/>
-                </a:ext>
-                <a:ext uri="{C183D7F6-B498-43B3-948B-1728B52AA6E4}">
-                  <adec:decorative xmlns:adec="http://schemas.microsoft.com/office/drawing/2017/decorative" val="1"/>
-                </a:ext>
-              </a:extLst>
-            </p:cNvPr>
-            <p:cNvSpPr/>
-            <p:nvPr>
-              <p:extLst>
-                <p:ext uri="{386F3935-93C4-4BCD-93E2-E3B085C9AB24}">
-                  <p16:designElem xmlns:p16="http://schemas.microsoft.com/office/powerpoint/2015/main" val="1"/>
-                </p:ext>
-              </p:extLst>
-            </p:nvPr>
-          </p:nvSpPr>
-          <p:spPr bwMode="auto">
-            <a:xfrm>
-              <a:off x="1627188" y="5291138"/>
-              <a:ext cx="1495425" cy="1566863"/>
-            </a:xfrm>
-            <a:custGeom>
-              <a:avLst/>
-              <a:gdLst/>
-              <a:ahLst/>
-              <a:cxnLst/>
-              <a:rect l="0" t="0" r="r" b="b"/>
-              <a:pathLst>
-                <a:path w="942" h="987">
-                  <a:moveTo>
-                    <a:pt x="0" y="0"/>
-                  </a:moveTo>
-                  <a:lnTo>
-                    <a:pt x="909" y="987"/>
-                  </a:lnTo>
-                  <a:lnTo>
-                    <a:pt x="942" y="987"/>
-                  </a:lnTo>
-                  <a:lnTo>
-                    <a:pt x="0" y="0"/>
-                  </a:lnTo>
-                  <a:close/>
-                </a:path>
-              </a:pathLst>
-            </a:custGeom>
-            <a:solidFill>
-              <a:schemeClr val="accent1">
-                <a:lumMod val="50000"/>
-              </a:schemeClr>
-            </a:solidFill>
-            <a:ln>
-              <a:noFill/>
-            </a:ln>
-          </p:spPr>
-        </p:sp>
-        <p:sp>
-          <p:nvSpPr>
-            <p:cNvPr id="82" name="Freeform 10">
-              <a:extLst>
-                <a:ext uri="{FF2B5EF4-FFF2-40B4-BE49-F238E27FC236}">
-                  <a16:creationId xmlns:a16="http://schemas.microsoft.com/office/drawing/2014/main" id="{CA38F9B2-8470-4BCC-A0DD-B60F31F36280}"/>
-                </a:ext>
-                <a:ext uri="{C183D7F6-B498-43B3-948B-1728B52AA6E4}">
-                  <adec:decorative xmlns:adec="http://schemas.microsoft.com/office/drawing/2017/decorative" val="1"/>
-                </a:ext>
-              </a:extLst>
-            </p:cNvPr>
-            <p:cNvSpPr/>
-            <p:nvPr>
-              <p:extLst>
-                <p:ext uri="{386F3935-93C4-4BCD-93E2-E3B085C9AB24}">
-                  <p16:designElem xmlns:p16="http://schemas.microsoft.com/office/powerpoint/2015/main" val="1"/>
-                </p:ext>
-              </p:extLst>
-            </p:nvPr>
-          </p:nvSpPr>
-          <p:spPr bwMode="auto">
-            <a:xfrm>
-              <a:off x="1627188" y="5286375"/>
-              <a:ext cx="2130425" cy="1571625"/>
-            </a:xfrm>
-            <a:custGeom>
-              <a:avLst/>
-              <a:gdLst/>
-              <a:ahLst/>
-              <a:cxnLst/>
-              <a:rect l="0" t="0" r="r" b="b"/>
-              <a:pathLst>
-                <a:path w="1342" h="990">
-                  <a:moveTo>
-                    <a:pt x="0" y="3"/>
-                  </a:moveTo>
-                  <a:lnTo>
-                    <a:pt x="942" y="990"/>
-                  </a:lnTo>
-                  <a:lnTo>
-                    <a:pt x="1342" y="990"/>
-                  </a:lnTo>
-                  <a:lnTo>
-                    <a:pt x="156" y="27"/>
-                  </a:lnTo>
-                  <a:lnTo>
-                    <a:pt x="0" y="0"/>
-                  </a:lnTo>
-                  <a:lnTo>
-                    <a:pt x="0" y="3"/>
-                  </a:lnTo>
-                  <a:close/>
-                </a:path>
-              </a:pathLst>
-            </a:custGeom>
-            <a:solidFill>
-              <a:schemeClr val="accent1">
-                <a:lumMod val="75000"/>
-              </a:schemeClr>
-            </a:solidFill>
-            <a:ln>
-              <a:noFill/>
-            </a:ln>
-          </p:spPr>
-        </p:sp>
-        <p:sp>
-          <p:nvSpPr>
-            <p:cNvPr id="83" name="Freeform 11">
-              <a:extLst>
-                <a:ext uri="{FF2B5EF4-FFF2-40B4-BE49-F238E27FC236}">
-                  <a16:creationId xmlns:a16="http://schemas.microsoft.com/office/drawing/2014/main" id="{84A388F7-B853-4940-9592-BB20D15D49B5}"/>
-                </a:ext>
-                <a:ext uri="{C183D7F6-B498-43B3-948B-1728B52AA6E4}">
-                  <adec:decorative xmlns:adec="http://schemas.microsoft.com/office/drawing/2017/decorative" val="1"/>
-                </a:ext>
-              </a:extLst>
-            </p:cNvPr>
-            <p:cNvSpPr/>
-            <p:nvPr>
-              <p:extLst>
-                <p:ext uri="{386F3935-93C4-4BCD-93E2-E3B085C9AB24}">
-                  <p16:designElem xmlns:p16="http://schemas.microsoft.com/office/powerpoint/2015/main" val="1"/>
-                </p:ext>
-              </p:extLst>
-            </p:nvPr>
-          </p:nvSpPr>
-          <p:spPr bwMode="auto">
-            <a:xfrm>
-              <a:off x="1320800" y="5238750"/>
-              <a:ext cx="1695450" cy="1619250"/>
-            </a:xfrm>
-            <a:custGeom>
-              <a:avLst/>
-              <a:gdLst/>
-              <a:ahLst/>
-              <a:cxnLst/>
-              <a:rect l="0" t="0" r="r" b="b"/>
-              <a:pathLst>
-                <a:path w="1068" h="1020">
-                  <a:moveTo>
-                    <a:pt x="1068" y="1020"/>
-                  </a:moveTo>
-                  <a:lnTo>
-                    <a:pt x="184" y="60"/>
-                  </a:lnTo>
-                  <a:lnTo>
-                    <a:pt x="154" y="27"/>
-                  </a:lnTo>
-                  <a:lnTo>
-                    <a:pt x="157" y="27"/>
-                  </a:lnTo>
-                  <a:lnTo>
-                    <a:pt x="157" y="24"/>
-                  </a:lnTo>
-                  <a:lnTo>
-                    <a:pt x="154" y="24"/>
-                  </a:lnTo>
-                  <a:lnTo>
-                    <a:pt x="0" y="0"/>
-                  </a:lnTo>
-                  <a:lnTo>
-                    <a:pt x="0" y="0"/>
-                  </a:lnTo>
-                  <a:lnTo>
-                    <a:pt x="774" y="1020"/>
-                  </a:lnTo>
-                  <a:lnTo>
-                    <a:pt x="1068" y="1020"/>
-                  </a:lnTo>
-                  <a:close/>
-                </a:path>
-              </a:pathLst>
-            </a:custGeom>
-            <a:solidFill>
-              <a:schemeClr val="tx1">
-                <a:lumMod val="75000"/>
-                <a:lumOff val="25000"/>
-              </a:schemeClr>
-            </a:solidFill>
-            <a:ln>
-              <a:noFill/>
-            </a:ln>
-          </p:spPr>
-        </p:sp>
-      </p:grpSp>
-      <p:sp>
-        <p:nvSpPr>
-          <p:cNvPr id="2" name="Cím 1">
-            <a:extLst>
-              <a:ext uri="{FF2B5EF4-FFF2-40B4-BE49-F238E27FC236}">
-                <a16:creationId xmlns:a16="http://schemas.microsoft.com/office/drawing/2014/main" id="{814FDDA4-5882-4398-9558-01D6777F0A8A}"/>
-              </a:ext>
-            </a:extLst>
-          </p:cNvPr>
-          <p:cNvSpPr>
-            <a:spLocks noGrp="1"/>
-          </p:cNvSpPr>
-          <p:nvPr>
-            <p:ph type="title"/>
-          </p:nvPr>
-        </p:nvSpPr>
-        <p:spPr>
-          <a:xfrm>
-            <a:off x="1484312" y="685800"/>
-            <a:ext cx="4278928" cy="1752599"/>
-          </a:xfrm>
-        </p:spPr>
-        <p:txBody>
-          <a:bodyPr>
-            <a:normAutofit/>
-          </a:bodyPr>
-          <a:lstStyle/>
-          <a:p>
-            <a:r>
-              <a:rPr lang="hu-HU"/>
-              <a:t>Szimuláció áttekintése</a:t>
-            </a:r>
-            <a:endParaRPr lang="hu-HU" dirty="0"/>
-          </a:p>
-        </p:txBody>
-      </p:sp>
-      <p:sp>
-        <p:nvSpPr>
-          <p:cNvPr id="58" name="Content Placeholder 24">
-            <a:extLst>
-              <a:ext uri="{FF2B5EF4-FFF2-40B4-BE49-F238E27FC236}">
-                <a16:creationId xmlns:a16="http://schemas.microsoft.com/office/drawing/2014/main" id="{FB3CDE6E-586D-441A-8507-4B9288A3089B}"/>
-              </a:ext>
-            </a:extLst>
-          </p:cNvPr>
-          <p:cNvSpPr>
-            <a:spLocks noGrp="1"/>
-          </p:cNvSpPr>
-          <p:nvPr>
-            <p:ph idx="1"/>
-          </p:nvPr>
-        </p:nvSpPr>
-        <p:spPr>
-          <a:xfrm>
-            <a:off x="1484310" y="2666999"/>
-            <a:ext cx="4278929" cy="3124201"/>
-          </a:xfrm>
-        </p:spPr>
-        <p:txBody>
-          <a:bodyPr>
-            <a:normAutofit/>
-          </a:bodyPr>
-          <a:lstStyle/>
-          <a:p>
-            <a:r>
-              <a:rPr lang="hu-HU" dirty="0"/>
-              <a:t>Rendszer inicializálása</a:t>
-            </a:r>
-          </a:p>
-          <a:p>
-            <a:r>
-              <a:rPr lang="hu-HU" dirty="0"/>
-              <a:t>Sűrűség és nyomás számítása</a:t>
-            </a:r>
-          </a:p>
-          <a:p>
-            <a:r>
-              <a:rPr lang="hu-HU" dirty="0"/>
-              <a:t>Erők számítása</a:t>
-            </a:r>
-          </a:p>
-          <a:p>
-            <a:r>
-              <a:rPr lang="hu-HU" dirty="0"/>
-              <a:t>Időléptetés</a:t>
-            </a:r>
-          </a:p>
-          <a:p>
-            <a:r>
-              <a:rPr lang="hu-HU" dirty="0"/>
-              <a:t>Határkezelés</a:t>
-            </a:r>
-          </a:p>
-          <a:p>
-            <a:r>
-              <a:rPr lang="hu-HU" dirty="0"/>
-              <a:t>Megjelenítés</a:t>
-            </a:r>
-          </a:p>
-        </p:txBody>
-      </p:sp>
-      <p:sp>
-        <p:nvSpPr>
-          <p:cNvPr id="88" name="Rounded Rectangle 16">
-            <a:extLst>
-              <a:ext uri="{FF2B5EF4-FFF2-40B4-BE49-F238E27FC236}">
-                <a16:creationId xmlns:a16="http://schemas.microsoft.com/office/drawing/2014/main" id="{63174DBA-CD7D-43BE-A9E5-7108232F6B1B}"/>
-              </a:ext>
-              <a:ext uri="{C183D7F6-B498-43B3-948B-1728B52AA6E4}">
-                <adec:decorative xmlns:adec="http://schemas.microsoft.com/office/drawing/2017/decorative" val="1"/>
-              </a:ext>
-            </a:extLst>
-          </p:cNvPr>
-          <p:cNvSpPr>
-            <a:spLocks noGrp="1" noRot="1" noChangeAspect="1" noMove="1" noResize="1" noEditPoints="1" noAdjustHandles="1" noChangeArrowheads="1" noChangeShapeType="1" noTextEdit="1"/>
-          </p:cNvSpPr>
-          <p:nvPr>
-            <p:extLst>
-              <p:ext uri="{386F3935-93C4-4BCD-93E2-E3B085C9AB24}">
-                <p16:designElem xmlns:p16="http://schemas.microsoft.com/office/powerpoint/2015/main" val="1"/>
-              </p:ext>
-            </p:extLst>
-          </p:nvPr>
-        </p:nvSpPr>
-        <p:spPr>
-          <a:xfrm>
-            <a:off x="6096000" y="648931"/>
-            <a:ext cx="5407023" cy="5231964"/>
-          </a:xfrm>
-          <a:prstGeom prst="roundRect">
-            <a:avLst>
-              <a:gd name="adj" fmla="val 4834"/>
-            </a:avLst>
-          </a:prstGeom>
-          <a:solidFill>
-            <a:schemeClr val="bg1"/>
-          </a:solidFill>
-          <a:ln w="38100">
-            <a:gradFill flip="none" rotWithShape="1">
-              <a:gsLst>
-                <a:gs pos="0">
-                  <a:schemeClr val="bg2"/>
-                </a:gs>
-                <a:gs pos="100000">
-                  <a:schemeClr val="bg2">
-                    <a:lumMod val="75000"/>
-                  </a:schemeClr>
-                </a:gs>
-              </a:gsLst>
-              <a:lin ang="5400000" scaled="0"/>
-              <a:tileRect/>
-            </a:gradFill>
-          </a:ln>
-          <a:effectLst>
-            <a:innerShdw blurRad="57150" dist="38100" dir="14460000">
-              <a:srgbClr val="000000">
-                <a:alpha val="70000"/>
-              </a:srgbClr>
-            </a:innerShdw>
-          </a:effectLst>
         </p:spPr>
         <p:style>
           <a:lnRef idx="2">
@@ -9641,26 +9100,57 @@
           <a:lstStyle/>
           <a:p>
             <a:pPr algn="ctr"/>
-            <a:endParaRPr lang="en-US"/>
+            <a:endParaRPr lang="hu-HU"/>
           </a:p>
         </p:txBody>
       </p:sp>
       <p:pic>
         <p:nvPicPr>
-          <p:cNvPr id="59" name="Tartalom helye 4">
+          <p:cNvPr id="15" name="Kép 14">
             <a:extLst>
               <a:ext uri="{FF2B5EF4-FFF2-40B4-BE49-F238E27FC236}">
-                <a16:creationId xmlns:a16="http://schemas.microsoft.com/office/drawing/2014/main" id="{88765364-85D1-4B25-9082-7EB21665DD30}"/>
+                <a16:creationId xmlns:a16="http://schemas.microsoft.com/office/drawing/2014/main" id="{078AA395-31CC-4EFA-BBE8-535E0421E050}"/>
               </a:ext>
             </a:extLst>
           </p:cNvPr>
-          <p:cNvPicPr>
-            <a:picLocks noChangeAspect="1"/>
-          </p:cNvPicPr>
+          <p:cNvPicPr/>
+          <p:nvPr/>
+        </p:nvPicPr>
+        <p:blipFill rotWithShape="1">
+          <a:blip r:embed="rId3">
+            <a:extLst>
+              <a:ext uri="{28A0092B-C50C-407E-A947-70E740481C1C}">
+                <a14:useLocalDpi xmlns:a14="http://schemas.microsoft.com/office/drawing/2010/main" val="0"/>
+              </a:ext>
+            </a:extLst>
+          </a:blip>
+          <a:srcRect b="19876"/>
+          <a:stretch/>
+        </p:blipFill>
+        <p:spPr>
+          <a:xfrm>
+            <a:off x="4195402" y="4343684"/>
+            <a:ext cx="2987915" cy="2202833"/>
+          </a:xfrm>
+          <a:prstGeom prst="rect">
+            <a:avLst/>
+          </a:prstGeom>
+        </p:spPr>
+      </p:pic>
+      <p:pic>
+        <p:nvPicPr>
+          <p:cNvPr id="17" name="Kép 16">
+            <a:extLst>
+              <a:ext uri="{FF2B5EF4-FFF2-40B4-BE49-F238E27FC236}">
+                <a16:creationId xmlns:a16="http://schemas.microsoft.com/office/drawing/2014/main" id="{A70A481D-9056-4B22-8868-B921F4C26E4D}"/>
+              </a:ext>
+            </a:extLst>
+          </p:cNvPr>
+          <p:cNvPicPr/>
           <p:nvPr/>
         </p:nvPicPr>
         <p:blipFill>
-          <a:blip r:embed="rId3">
+          <a:blip r:embed="rId4">
             <a:extLst>
               <a:ext uri="{28A0092B-C50C-407E-A947-70E740481C1C}">
                 <a14:useLocalDpi xmlns:a14="http://schemas.microsoft.com/office/drawing/2010/main" val="0"/>
@@ -9673,8 +9163,8 @@
         </p:blipFill>
         <p:spPr>
           <a:xfrm>
-            <a:off x="6434407" y="2208248"/>
-            <a:ext cx="4744154" cy="2153742"/>
+            <a:off x="8189486" y="2757766"/>
+            <a:ext cx="3675381" cy="3788751"/>
           </a:xfrm>
           <a:prstGeom prst="rect">
             <a:avLst/>
@@ -9684,7 +9174,7 @@
     </p:spTree>
     <p:extLst>
       <p:ext uri="{BB962C8B-B14F-4D97-AF65-F5344CB8AC3E}">
-        <p14:creationId xmlns:p14="http://schemas.microsoft.com/office/powerpoint/2010/main" val="3632126892"/>
+        <p14:creationId xmlns:p14="http://schemas.microsoft.com/office/powerpoint/2010/main" val="995525808"/>
       </p:ext>
     </p:extLst>
   </p:cSld>
@@ -9694,7 +9184,7 @@
 </p:sld>
 </file>
 
-<file path=ppt/slides/slide6.xml><?xml version="1.0" encoding="utf-8"?>
+<file path=ppt/slides/slide13.xml><?xml version="1.0" encoding="utf-8"?>
 <p:sld xmlns:a="http://schemas.openxmlformats.org/drawingml/2006/main" xmlns:r="http://schemas.openxmlformats.org/officeDocument/2006/relationships" xmlns:p="http://schemas.openxmlformats.org/presentationml/2006/main">
   <p:cSld>
     <p:bg>
@@ -9798,7 +9288,7 @@
           <p:cNvPr id="2" name="Cím 1">
             <a:extLst>
               <a:ext uri="{FF2B5EF4-FFF2-40B4-BE49-F238E27FC236}">
-                <a16:creationId xmlns:a16="http://schemas.microsoft.com/office/drawing/2014/main" id="{CD1C803B-44CA-4941-A430-62785AF63327}"/>
+                <a16:creationId xmlns:a16="http://schemas.microsoft.com/office/drawing/2014/main" id="{A9E3D95B-C6BD-4B59-B9AE-9D0613779241}"/>
               </a:ext>
             </a:extLst>
           </p:cNvPr>
@@ -9811,8 +9301,8 @@
         </p:nvSpPr>
         <p:spPr>
           <a:xfrm>
-            <a:off x="3618200" y="690881"/>
-            <a:ext cx="7257455" cy="798840"/>
+            <a:off x="3618200" y="852055"/>
+            <a:ext cx="7257455" cy="1752599"/>
           </a:xfrm>
         </p:spPr>
         <p:txBody>
@@ -9823,7 +9313,7 @@
           <a:p>
             <a:r>
               <a:rPr lang="hu-HU" sz="3600" dirty="0"/>
-              <a:t>Implementáció (CPU)</a:t>
+              <a:t>Megjelenítés III. – 3D és GPU</a:t>
             </a:r>
           </a:p>
         </p:txBody>
@@ -10304,7 +9794,7 @@
           <p:cNvPr id="3" name="Tartalom helye 2">
             <a:extLst>
               <a:ext uri="{FF2B5EF4-FFF2-40B4-BE49-F238E27FC236}">
-                <a16:creationId xmlns:a16="http://schemas.microsoft.com/office/drawing/2014/main" id="{2EEC161A-3884-4F64-BD1C-102CFA76248B}"/>
+                <a16:creationId xmlns:a16="http://schemas.microsoft.com/office/drawing/2014/main" id="{E01DBA7A-B8FE-4A27-A207-12C1252BBA44}"/>
               </a:ext>
             </a:extLst>
           </p:cNvPr>
@@ -10317,111 +9807,79 @@
         </p:nvSpPr>
         <p:spPr>
           <a:xfrm>
-            <a:off x="3613237" y="1788160"/>
-            <a:ext cx="7200236" cy="3764287"/>
+            <a:off x="3613237" y="2839605"/>
+            <a:ext cx="4644498" cy="2712842"/>
           </a:xfrm>
         </p:spPr>
         <p:txBody>
           <a:bodyPr anchor="t">
-            <a:normAutofit/>
+            <a:normAutofit lnSpcReduction="10000"/>
           </a:bodyPr>
           <a:lstStyle/>
           <a:p>
             <a:r>
               <a:rPr lang="hu-HU" dirty="0"/>
-              <a:t>CPU</a:t>
-            </a:r>
-          </a:p>
-          <a:p>
-            <a:pPr lvl="1"/>
+              <a:t>Részecskék GPU memóriában</a:t>
+            </a:r>
+          </a:p>
+          <a:p>
+            <a:endParaRPr lang="hu-HU" dirty="0"/>
+          </a:p>
+          <a:p>
             <a:r>
               <a:rPr lang="hu-HU" dirty="0"/>
-              <a:t>Objektum orientált</a:t>
-            </a:r>
-          </a:p>
-          <a:p>
-            <a:pPr lvl="1"/>
-            <a:r>
-              <a:rPr lang="hu-HU" dirty="0"/>
-              <a:t>Standard </a:t>
-            </a:r>
-            <a:r>
-              <a:rPr lang="hu-HU" dirty="0" err="1"/>
-              <a:t>Libary</a:t>
-            </a:r>
-            <a:endParaRPr lang="hu-HU" dirty="0"/>
-          </a:p>
-          <a:p>
-            <a:pPr lvl="1"/>
-            <a:endParaRPr lang="hu-HU" dirty="0"/>
-          </a:p>
-          <a:p>
-            <a:r>
-              <a:rPr lang="hu-HU" dirty="0"/>
-              <a:t>Összegzés</a:t>
-            </a:r>
-          </a:p>
-          <a:p>
-            <a:pPr lvl="1"/>
-            <a:r>
-              <a:rPr lang="hu-HU" b="1" dirty="0"/>
-              <a:t>2D</a:t>
-            </a:r>
-            <a:r>
-              <a:rPr lang="hu-HU" dirty="0"/>
-              <a:t> </a:t>
-            </a:r>
-            <a:r>
-              <a:rPr lang="hu-HU" b="1" dirty="0"/>
-              <a:t>–</a:t>
-            </a:r>
-            <a:r>
-              <a:rPr lang="hu-HU" dirty="0"/>
-              <a:t> </a:t>
-            </a:r>
-            <a:r>
-              <a:rPr lang="hu-HU" dirty="0" err="1"/>
-              <a:t>max</a:t>
-            </a:r>
-            <a:r>
-              <a:rPr lang="hu-HU" dirty="0"/>
-              <a:t> ~2000 részecske</a:t>
-            </a:r>
-          </a:p>
-          <a:p>
-            <a:pPr lvl="1"/>
-            <a:r>
-              <a:rPr lang="hu-HU" b="1" dirty="0"/>
-              <a:t>3D – </a:t>
-            </a:r>
-            <a:r>
-              <a:rPr lang="hu-HU" dirty="0" err="1"/>
-              <a:t>max</a:t>
-            </a:r>
-            <a:r>
-              <a:rPr lang="hu-HU" dirty="0"/>
-              <a:t> ~1000 részecske</a:t>
-            </a:r>
-            <a:endParaRPr lang="hu-HU" b="1" dirty="0"/>
-          </a:p>
-          <a:p>
-            <a:pPr lvl="1"/>
-            <a:endParaRPr lang="hu-HU" dirty="0"/>
+              <a:t>Nehézkes memória kezelés (GPU</a:t>
+            </a:r>
+            <a:r>
+              <a:rPr lang="hu-HU" dirty="0">
+                <a:sym typeface="Wingdings" panose="05000000000000000000" pitchFamily="2" charset="2"/>
+              </a:rPr>
+              <a:t>CPU  GPU)</a:t>
+            </a:r>
+          </a:p>
+          <a:p>
+            <a:r>
+              <a:rPr lang="hu-HU" dirty="0">
+                <a:sym typeface="Wingdings" panose="05000000000000000000" pitchFamily="2" charset="2"/>
+              </a:rPr>
+              <a:t>Egyszerű </a:t>
+            </a:r>
+            <a:r>
+              <a:rPr lang="hu-HU" dirty="0" err="1">
+                <a:sym typeface="Wingdings" panose="05000000000000000000" pitchFamily="2" charset="2"/>
+              </a:rPr>
+              <a:t>OpenGl</a:t>
+            </a:r>
+            <a:r>
+              <a:rPr lang="hu-HU" dirty="0">
+                <a:sym typeface="Wingdings" panose="05000000000000000000" pitchFamily="2" charset="2"/>
+              </a:rPr>
+              <a:t> alakzatok (</a:t>
+            </a:r>
+            <a:r>
+              <a:rPr lang="hu-HU" i="1" dirty="0" err="1"/>
+              <a:t>glutWireSphere</a:t>
+            </a:r>
+            <a:r>
+              <a:rPr lang="hu-HU" i="1" dirty="0"/>
+              <a:t>(0.8, 50, 50);</a:t>
+            </a:r>
+            <a:endParaRPr lang="hu-HU" dirty="0">
+              <a:sym typeface="Wingdings" panose="05000000000000000000" pitchFamily="2" charset="2"/>
+            </a:endParaRPr>
           </a:p>
         </p:txBody>
       </p:sp>
       <p:pic>
         <p:nvPicPr>
-          <p:cNvPr id="5" name="Kép 4">
+          <p:cNvPr id="19" name="Kép 18">
             <a:extLst>
               <a:ext uri="{FF2B5EF4-FFF2-40B4-BE49-F238E27FC236}">
-                <a16:creationId xmlns:a16="http://schemas.microsoft.com/office/drawing/2014/main" id="{5A85C8B8-22CA-4003-8AE5-772528E65F2B}"/>
+                <a16:creationId xmlns:a16="http://schemas.microsoft.com/office/drawing/2014/main" id="{D077025D-9381-4F38-9B8F-4127608C6F8F}"/>
               </a:ext>
             </a:extLst>
           </p:cNvPr>
-          <p:cNvPicPr>
-            <a:picLocks noChangeAspect="1"/>
-          </p:cNvPicPr>
+          <p:cNvPicPr/>
           <p:nvPr/>
         </p:nvPicPr>
         <p:blipFill>
@@ -10438,28 +9896,18 @@
         </p:blipFill>
         <p:spPr>
           <a:xfrm>
-            <a:off x="7753574" y="1788160"/>
-            <a:ext cx="3878356" cy="4062726"/>
+            <a:off x="8449918" y="2839605"/>
+            <a:ext cx="3429000" cy="3608070"/>
           </a:xfrm>
           <a:prstGeom prst="rect">
             <a:avLst/>
           </a:prstGeom>
-          <a:ln>
-            <a:noFill/>
-          </a:ln>
-          <a:effectLst>
-            <a:outerShdw blurRad="190500" algn="tl" rotWithShape="0">
-              <a:srgbClr val="000000">
-                <a:alpha val="70000"/>
-              </a:srgbClr>
-            </a:outerShdw>
-          </a:effectLst>
         </p:spPr>
       </p:pic>
     </p:spTree>
     <p:extLst>
       <p:ext uri="{BB962C8B-B14F-4D97-AF65-F5344CB8AC3E}">
-        <p14:creationId xmlns:p14="http://schemas.microsoft.com/office/powerpoint/2010/main" val="1593437886"/>
+        <p14:creationId xmlns:p14="http://schemas.microsoft.com/office/powerpoint/2010/main" val="3801543607"/>
       </p:ext>
     </p:extLst>
   </p:cSld>
@@ -10469,7 +9917,77 @@
 </p:sld>
 </file>
 
-<file path=ppt/slides/slide7.xml><?xml version="1.0" encoding="utf-8"?>
+<file path=ppt/slides/slide14.xml><?xml version="1.0" encoding="utf-8"?>
+<p:sld xmlns:a="http://schemas.openxmlformats.org/drawingml/2006/main" xmlns:r="http://schemas.openxmlformats.org/officeDocument/2006/relationships" xmlns:p="http://schemas.openxmlformats.org/presentationml/2006/main">
+  <p:cSld>
+    <p:spTree>
+      <p:nvGrpSpPr>
+        <p:cNvPr id="1" name=""/>
+        <p:cNvGrpSpPr/>
+        <p:nvPr/>
+      </p:nvGrpSpPr>
+      <p:grpSpPr>
+        <a:xfrm>
+          <a:off x="0" y="0"/>
+          <a:ext cx="0" cy="0"/>
+          <a:chOff x="0" y="0"/>
+          <a:chExt cx="0" cy="0"/>
+        </a:xfrm>
+      </p:grpSpPr>
+      <p:sp>
+        <p:nvSpPr>
+          <p:cNvPr id="2" name="Cím 1">
+            <a:extLst>
+              <a:ext uri="{FF2B5EF4-FFF2-40B4-BE49-F238E27FC236}">
+                <a16:creationId xmlns:a16="http://schemas.microsoft.com/office/drawing/2014/main" id="{6B83D143-D8EA-49CF-A740-049E5F81F29A}"/>
+              </a:ext>
+            </a:extLst>
+          </p:cNvPr>
+          <p:cNvSpPr>
+            <a:spLocks noGrp="1"/>
+          </p:cNvSpPr>
+          <p:nvPr>
+            <p:ph type="title"/>
+          </p:nvPr>
+        </p:nvSpPr>
+        <p:spPr>
+          <a:xfrm>
+            <a:off x="1563824" y="2766391"/>
+            <a:ext cx="10018713" cy="1752599"/>
+          </a:xfrm>
+        </p:spPr>
+        <p:txBody>
+          <a:bodyPr/>
+          <a:lstStyle/>
+          <a:p>
+            <a:r>
+              <a:rPr lang="hu-HU" dirty="0"/>
+              <a:t>Köszönjük a figyelmet! </a:t>
+            </a:r>
+            <a:r>
+              <a:rPr lang="hu-HU" dirty="0">
+                <a:sym typeface="Wingdings" panose="05000000000000000000" pitchFamily="2" charset="2"/>
+              </a:rPr>
+              <a:t> </a:t>
+            </a:r>
+            <a:endParaRPr lang="hu-HU" dirty="0"/>
+          </a:p>
+        </p:txBody>
+      </p:sp>
+    </p:spTree>
+    <p:extLst>
+      <p:ext uri="{BB962C8B-B14F-4D97-AF65-F5344CB8AC3E}">
+        <p14:creationId xmlns:p14="http://schemas.microsoft.com/office/powerpoint/2010/main" val="4032560665"/>
+      </p:ext>
+    </p:extLst>
+  </p:cSld>
+  <p:clrMapOvr>
+    <a:masterClrMapping/>
+  </p:clrMapOvr>
+</p:sld>
+</file>
+
+<file path=ppt/slides/slide2.xml><?xml version="1.0" encoding="utf-8"?>
 <p:sld xmlns:a="http://schemas.openxmlformats.org/drawingml/2006/main" xmlns:r="http://schemas.openxmlformats.org/officeDocument/2006/relationships" xmlns:p="http://schemas.openxmlformats.org/presentationml/2006/main">
   <p:cSld>
     <p:bg>
@@ -10510,7 +10028,7 @@
       </p:grpSpPr>
       <p:sp useBgFill="1">
         <p:nvSpPr>
-          <p:cNvPr id="8" name="Rectangle 7">
+          <p:cNvPr id="63" name="Rectangle 62">
             <a:extLst>
               <a:ext uri="{FF2B5EF4-FFF2-40B4-BE49-F238E27FC236}">
                 <a16:creationId xmlns:a16="http://schemas.microsoft.com/office/drawing/2014/main" id="{99CAC3B1-4879-424D-8F15-206277196159}"/>
@@ -10573,7 +10091,7 @@
           <p:cNvPr id="2" name="Cím 1">
             <a:extLst>
               <a:ext uri="{FF2B5EF4-FFF2-40B4-BE49-F238E27FC236}">
-                <a16:creationId xmlns:a16="http://schemas.microsoft.com/office/drawing/2014/main" id="{5E612E79-9BD5-491F-BF76-8E200BBA2613}"/>
+                <a16:creationId xmlns:a16="http://schemas.microsoft.com/office/drawing/2014/main" id="{AA89C260-AFCA-44E9-BC2B-5CDB66631F88}"/>
               </a:ext>
             </a:extLst>
           </p:cNvPr>
@@ -10586,8 +10104,8 @@
         </p:nvSpPr>
         <p:spPr>
           <a:xfrm>
-            <a:off x="3618200" y="852055"/>
-            <a:ext cx="7257455" cy="824345"/>
+            <a:off x="3618200" y="852056"/>
+            <a:ext cx="7257455" cy="1215284"/>
           </a:xfrm>
         </p:spPr>
         <p:txBody>
@@ -10598,14 +10116,14 @@
           <a:p>
             <a:r>
               <a:rPr lang="hu-HU" sz="3600" dirty="0"/>
-              <a:t>Implementáció (GPU)</a:t>
+              <a:t>Folyadék szimuláció</a:t>
             </a:r>
           </a:p>
         </p:txBody>
       </p:sp>
       <p:sp>
         <p:nvSpPr>
-          <p:cNvPr id="10" name="Freeform 6">
+          <p:cNvPr id="65" name="Freeform 6">
             <a:extLst>
               <a:ext uri="{FF2B5EF4-FFF2-40B4-BE49-F238E27FC236}">
                 <a16:creationId xmlns:a16="http://schemas.microsoft.com/office/drawing/2014/main" id="{E34CC1C8-EBDD-4AEA-83E6-B27575B62E2E}"/>
@@ -10668,7 +10186,7 @@
       </p:sp>
       <p:sp>
         <p:nvSpPr>
-          <p:cNvPr id="12" name="Freeform 7">
+          <p:cNvPr id="67" name="Freeform 7">
             <a:extLst>
               <a:ext uri="{FF2B5EF4-FFF2-40B4-BE49-F238E27FC236}">
                 <a16:creationId xmlns:a16="http://schemas.microsoft.com/office/drawing/2014/main" id="{D6B38644-B85D-4211-9526-5B4C2A662BF7}"/>
@@ -10734,7 +10252,7 @@
       </p:sp>
       <p:sp>
         <p:nvSpPr>
-          <p:cNvPr id="14" name="Freeform 12">
+          <p:cNvPr id="69" name="Freeform 12">
             <a:extLst>
               <a:ext uri="{FF2B5EF4-FFF2-40B4-BE49-F238E27FC236}">
                 <a16:creationId xmlns:a16="http://schemas.microsoft.com/office/drawing/2014/main" id="{8A8B2820-6B8F-4C19-BFC5-D28EE44E54CB}"/>
@@ -10794,7 +10312,7 @@
       </p:sp>
       <p:sp>
         <p:nvSpPr>
-          <p:cNvPr id="16" name="Freeform: Shape 15">
+          <p:cNvPr id="71" name="Freeform: Shape 70">
             <a:extLst>
               <a:ext uri="{FF2B5EF4-FFF2-40B4-BE49-F238E27FC236}">
                 <a16:creationId xmlns:a16="http://schemas.microsoft.com/office/drawing/2014/main" id="{DCA45AB7-441E-40A8-A98B-557D68F48A48}"/>
@@ -10886,7 +10404,7 @@
       </p:sp>
       <p:sp>
         <p:nvSpPr>
-          <p:cNvPr id="18" name="Freeform: Shape 17">
+          <p:cNvPr id="73" name="Freeform: Shape 72">
             <a:extLst>
               <a:ext uri="{FF2B5EF4-FFF2-40B4-BE49-F238E27FC236}">
                 <a16:creationId xmlns:a16="http://schemas.microsoft.com/office/drawing/2014/main" id="{5F516030-4F00-4C48-AD93-91EFA17A1AC3}"/>
@@ -11000,7 +10518,7 @@
       </p:sp>
       <p:sp>
         <p:nvSpPr>
-          <p:cNvPr id="20" name="Freeform: Shape 19">
+          <p:cNvPr id="75" name="Freeform: Shape 74">
             <a:extLst>
               <a:ext uri="{FF2B5EF4-FFF2-40B4-BE49-F238E27FC236}">
                 <a16:creationId xmlns:a16="http://schemas.microsoft.com/office/drawing/2014/main" id="{5820085E-2582-4A95-98EE-45DFFD5C017C}"/>
@@ -11076,94 +10594,393 @@
       </p:sp>
       <p:sp>
         <p:nvSpPr>
-          <p:cNvPr id="3" name="Tartalom helye 2">
+          <p:cNvPr id="11" name="Cím 1">
             <a:extLst>
               <a:ext uri="{FF2B5EF4-FFF2-40B4-BE49-F238E27FC236}">
-                <a16:creationId xmlns:a16="http://schemas.microsoft.com/office/drawing/2014/main" id="{22B5A640-0F43-4883-B12D-6AC215CD58D3}"/>
+                <a16:creationId xmlns:a16="http://schemas.microsoft.com/office/drawing/2014/main" id="{A90973F1-DF27-4D78-ADC5-3A40BD9BAF35}"/>
               </a:ext>
             </a:extLst>
           </p:cNvPr>
-          <p:cNvSpPr>
-            <a:spLocks noGrp="1"/>
-          </p:cNvSpPr>
-          <p:nvPr>
-            <p:ph idx="1"/>
-          </p:nvPr>
+          <p:cNvSpPr txBox="1">
+            <a:spLocks/>
+          </p:cNvSpPr>
+          <p:nvPr/>
         </p:nvSpPr>
         <p:spPr>
           <a:xfrm>
-            <a:off x="3613237" y="2082800"/>
-            <a:ext cx="7200236" cy="3923145"/>
+            <a:off x="2070577" y="2725387"/>
+            <a:ext cx="4584896" cy="1867599"/>
           </a:xfrm>
+          <a:prstGeom prst="rect">
+            <a:avLst/>
+          </a:prstGeom>
+          <a:effectLst/>
         </p:spPr>
         <p:txBody>
-          <a:bodyPr anchor="t">
-            <a:noAutofit/>
+          <a:bodyPr vert="horz" lIns="91440" tIns="45720" rIns="91440" bIns="45720" rtlCol="0" anchor="ctr">
+            <a:normAutofit/>
           </a:bodyPr>
-          <a:lstStyle/>
-          <a:p>
-            <a:r>
-              <a:rPr lang="hu-HU" dirty="0"/>
-              <a:t>Nagyfokú párhuzamosság</a:t>
-            </a:r>
-          </a:p>
-          <a:p>
-            <a:r>
-              <a:rPr lang="hu-HU" dirty="0"/>
-              <a:t>Más adatstruktúra – </a:t>
-            </a:r>
-            <a:r>
-              <a:rPr lang="hu-HU" dirty="0" err="1"/>
-              <a:t>bufferek</a:t>
-            </a:r>
-            <a:endParaRPr lang="hu-HU" dirty="0"/>
-          </a:p>
-          <a:p>
-            <a:r>
-              <a:rPr lang="hu-HU" dirty="0"/>
-              <a:t>Párhuzamosan végzett műveletek</a:t>
-            </a:r>
-          </a:p>
-          <a:p>
-            <a:endParaRPr lang="hu-HU" dirty="0"/>
-          </a:p>
-          <a:p>
-            <a:r>
-              <a:rPr lang="hu-HU" dirty="0"/>
-              <a:t>Nehézségek</a:t>
-            </a:r>
-          </a:p>
-          <a:p>
-            <a:r>
-              <a:rPr lang="hu-HU" dirty="0"/>
-              <a:t>Optimalizálás</a:t>
-            </a:r>
-          </a:p>
-          <a:p>
-            <a:pPr lvl="1"/>
-            <a:r>
-              <a:rPr lang="hu-HU" dirty="0"/>
-              <a:t>Atomi műveletek</a:t>
+          <a:lstStyle>
+            <a:lvl1pPr algn="ctr" defTabSz="457200" rtl="0" eaLnBrk="1" latinLnBrk="0" hangingPunct="1">
+              <a:spcBef>
+                <a:spcPct val="0"/>
+              </a:spcBef>
+              <a:buNone/>
+              <a:defRPr sz="4000" kern="1200" cap="none">
+                <a:ln w="3175" cmpd="sng">
+                  <a:noFill/>
+                </a:ln>
+                <a:solidFill>
+                  <a:schemeClr val="tx1"/>
+                </a:solidFill>
+                <a:effectLst/>
+                <a:latin typeface="+mj-lt"/>
+                <a:ea typeface="+mj-ea"/>
+                <a:cs typeface="+mj-cs"/>
+              </a:defRPr>
+            </a:lvl1pPr>
+            <a:lvl2pPr eaLnBrk="1" hangingPunct="1">
+              <a:defRPr>
+                <a:solidFill>
+                  <a:schemeClr val="tx2"/>
+                </a:solidFill>
+              </a:defRPr>
+            </a:lvl2pPr>
+            <a:lvl3pPr eaLnBrk="1" hangingPunct="1">
+              <a:defRPr>
+                <a:solidFill>
+                  <a:schemeClr val="tx2"/>
+                </a:solidFill>
+              </a:defRPr>
+            </a:lvl3pPr>
+            <a:lvl4pPr eaLnBrk="1" hangingPunct="1">
+              <a:defRPr>
+                <a:solidFill>
+                  <a:schemeClr val="tx2"/>
+                </a:solidFill>
+              </a:defRPr>
+            </a:lvl4pPr>
+            <a:lvl5pPr eaLnBrk="1" hangingPunct="1">
+              <a:defRPr>
+                <a:solidFill>
+                  <a:schemeClr val="tx2"/>
+                </a:solidFill>
+              </a:defRPr>
+            </a:lvl5pPr>
+            <a:lvl6pPr eaLnBrk="1" hangingPunct="1">
+              <a:defRPr>
+                <a:solidFill>
+                  <a:schemeClr val="tx2"/>
+                </a:solidFill>
+              </a:defRPr>
+            </a:lvl6pPr>
+            <a:lvl7pPr eaLnBrk="1" hangingPunct="1">
+              <a:defRPr>
+                <a:solidFill>
+                  <a:schemeClr val="tx2"/>
+                </a:solidFill>
+              </a:defRPr>
+            </a:lvl7pPr>
+            <a:lvl8pPr eaLnBrk="1" hangingPunct="1">
+              <a:defRPr>
+                <a:solidFill>
+                  <a:schemeClr val="tx2"/>
+                </a:solidFill>
+              </a:defRPr>
+            </a:lvl8pPr>
+            <a:lvl9pPr eaLnBrk="1" hangingPunct="1">
+              <a:defRPr>
+                <a:solidFill>
+                  <a:schemeClr val="tx2"/>
+                </a:solidFill>
+              </a:defRPr>
+            </a:lvl9pPr>
+          </a:lstStyle>
+          <a:p>
+            <a:r>
+              <a:rPr lang="hu-HU" sz="3600" b="1" u="sng" dirty="0"/>
+              <a:t>Szimuláció</a:t>
             </a:r>
           </a:p>
         </p:txBody>
       </p:sp>
+      <p:sp>
+        <p:nvSpPr>
+          <p:cNvPr id="12" name="Cím 1">
+            <a:extLst>
+              <a:ext uri="{FF2B5EF4-FFF2-40B4-BE49-F238E27FC236}">
+                <a16:creationId xmlns:a16="http://schemas.microsoft.com/office/drawing/2014/main" id="{1C033C6A-A5A2-40A1-946F-9A3258CBFACA}"/>
+              </a:ext>
+            </a:extLst>
+          </p:cNvPr>
+          <p:cNvSpPr txBox="1">
+            <a:spLocks/>
+          </p:cNvSpPr>
+          <p:nvPr/>
+        </p:nvSpPr>
+        <p:spPr>
+          <a:xfrm>
+            <a:off x="6126758" y="2782888"/>
+            <a:ext cx="7257455" cy="1752599"/>
+          </a:xfrm>
+          <a:prstGeom prst="rect">
+            <a:avLst/>
+          </a:prstGeom>
+          <a:effectLst/>
+        </p:spPr>
+        <p:txBody>
+          <a:bodyPr vert="horz" lIns="91440" tIns="45720" rIns="91440" bIns="45720" rtlCol="0" anchor="ctr">
+            <a:normAutofit/>
+          </a:bodyPr>
+          <a:lstStyle>
+            <a:lvl1pPr algn="ctr" defTabSz="457200" rtl="0" eaLnBrk="1" latinLnBrk="0" hangingPunct="1">
+              <a:spcBef>
+                <a:spcPct val="0"/>
+              </a:spcBef>
+              <a:buNone/>
+              <a:defRPr sz="4000" kern="1200" cap="none">
+                <a:ln w="3175" cmpd="sng">
+                  <a:noFill/>
+                </a:ln>
+                <a:solidFill>
+                  <a:schemeClr val="tx1"/>
+                </a:solidFill>
+                <a:effectLst/>
+                <a:latin typeface="+mj-lt"/>
+                <a:ea typeface="+mj-ea"/>
+                <a:cs typeface="+mj-cs"/>
+              </a:defRPr>
+            </a:lvl1pPr>
+            <a:lvl2pPr eaLnBrk="1" hangingPunct="1">
+              <a:defRPr>
+                <a:solidFill>
+                  <a:schemeClr val="tx2"/>
+                </a:solidFill>
+              </a:defRPr>
+            </a:lvl2pPr>
+            <a:lvl3pPr eaLnBrk="1" hangingPunct="1">
+              <a:defRPr>
+                <a:solidFill>
+                  <a:schemeClr val="tx2"/>
+                </a:solidFill>
+              </a:defRPr>
+            </a:lvl3pPr>
+            <a:lvl4pPr eaLnBrk="1" hangingPunct="1">
+              <a:defRPr>
+                <a:solidFill>
+                  <a:schemeClr val="tx2"/>
+                </a:solidFill>
+              </a:defRPr>
+            </a:lvl4pPr>
+            <a:lvl5pPr eaLnBrk="1" hangingPunct="1">
+              <a:defRPr>
+                <a:solidFill>
+                  <a:schemeClr val="tx2"/>
+                </a:solidFill>
+              </a:defRPr>
+            </a:lvl5pPr>
+            <a:lvl6pPr eaLnBrk="1" hangingPunct="1">
+              <a:defRPr>
+                <a:solidFill>
+                  <a:schemeClr val="tx2"/>
+                </a:solidFill>
+              </a:defRPr>
+            </a:lvl6pPr>
+            <a:lvl7pPr eaLnBrk="1" hangingPunct="1">
+              <a:defRPr>
+                <a:solidFill>
+                  <a:schemeClr val="tx2"/>
+                </a:solidFill>
+              </a:defRPr>
+            </a:lvl7pPr>
+            <a:lvl8pPr eaLnBrk="1" hangingPunct="1">
+              <a:defRPr>
+                <a:solidFill>
+                  <a:schemeClr val="tx2"/>
+                </a:solidFill>
+              </a:defRPr>
+            </a:lvl8pPr>
+            <a:lvl9pPr eaLnBrk="1" hangingPunct="1">
+              <a:defRPr>
+                <a:solidFill>
+                  <a:schemeClr val="tx2"/>
+                </a:solidFill>
+              </a:defRPr>
+            </a:lvl9pPr>
+          </a:lstStyle>
+          <a:p>
+            <a:r>
+              <a:rPr lang="hu-HU" sz="2800" dirty="0"/>
+              <a:t>Megjelenítés</a:t>
+            </a:r>
+          </a:p>
+        </p:txBody>
+      </p:sp>
+      <p:cxnSp>
+        <p:nvCxnSpPr>
+          <p:cNvPr id="5" name="Egyenes összekötő nyíllal 4">
+            <a:extLst>
+              <a:ext uri="{FF2B5EF4-FFF2-40B4-BE49-F238E27FC236}">
+                <a16:creationId xmlns:a16="http://schemas.microsoft.com/office/drawing/2014/main" id="{CD0997D9-7DC9-4EDC-8CD6-B0B375418524}"/>
+              </a:ext>
+            </a:extLst>
+          </p:cNvPr>
+          <p:cNvCxnSpPr>
+            <a:cxnSpLocks/>
+            <a:stCxn id="2" idx="2"/>
+          </p:cNvCxnSpPr>
+          <p:nvPr/>
+        </p:nvCxnSpPr>
+        <p:spPr>
+          <a:xfrm flipH="1">
+            <a:off x="4558748" y="2067340"/>
+            <a:ext cx="2688180" cy="1258956"/>
+          </a:xfrm>
+          <a:prstGeom prst="straightConnector1">
+            <a:avLst/>
+          </a:prstGeom>
+          <a:ln w="57150">
+            <a:solidFill>
+              <a:schemeClr val="tx1"/>
+            </a:solidFill>
+            <a:tailEnd type="triangle"/>
+          </a:ln>
+        </p:spPr>
+        <p:style>
+          <a:lnRef idx="1">
+            <a:schemeClr val="accent1"/>
+          </a:lnRef>
+          <a:fillRef idx="0">
+            <a:schemeClr val="accent1"/>
+          </a:fillRef>
+          <a:effectRef idx="0">
+            <a:schemeClr val="accent1"/>
+          </a:effectRef>
+          <a:fontRef idx="minor">
+            <a:schemeClr val="tx1"/>
+          </a:fontRef>
+        </p:style>
+      </p:cxnSp>
+      <p:cxnSp>
+        <p:nvCxnSpPr>
+          <p:cNvPr id="8" name="Egyenes összekötő nyíllal 7">
+            <a:extLst>
+              <a:ext uri="{FF2B5EF4-FFF2-40B4-BE49-F238E27FC236}">
+                <a16:creationId xmlns:a16="http://schemas.microsoft.com/office/drawing/2014/main" id="{7574756C-7834-4B51-A925-B5FDB0B1C10E}"/>
+              </a:ext>
+            </a:extLst>
+          </p:cNvPr>
+          <p:cNvCxnSpPr>
+            <a:cxnSpLocks/>
+            <a:stCxn id="2" idx="2"/>
+          </p:cNvCxnSpPr>
+          <p:nvPr/>
+        </p:nvCxnSpPr>
+        <p:spPr>
+          <a:xfrm>
+            <a:off x="7246928" y="2067340"/>
+            <a:ext cx="2559681" cy="1258956"/>
+          </a:xfrm>
+          <a:prstGeom prst="straightConnector1">
+            <a:avLst/>
+          </a:prstGeom>
+          <a:ln w="38100">
+            <a:solidFill>
+              <a:schemeClr val="tx1"/>
+            </a:solidFill>
+            <a:tailEnd type="triangle"/>
+          </a:ln>
+        </p:spPr>
+        <p:style>
+          <a:lnRef idx="1">
+            <a:schemeClr val="accent1"/>
+          </a:lnRef>
+          <a:fillRef idx="0">
+            <a:schemeClr val="accent1"/>
+          </a:fillRef>
+          <a:effectRef idx="0">
+            <a:schemeClr val="accent1"/>
+          </a:effectRef>
+          <a:fontRef idx="minor">
+            <a:schemeClr val="tx1"/>
+          </a:fontRef>
+        </p:style>
+      </p:cxnSp>
       <p:pic>
         <p:nvPicPr>
-          <p:cNvPr id="5" name="Kép 4" descr="A képen képernyőkép látható&#10;&#10;Automatikusan generált leírás">
+          <p:cNvPr id="1026" name="Picture 2" descr="KÃ©ptalÃ¡lat a kÃ¶vetkezÅre: âray tracing waterâ">
             <a:extLst>
               <a:ext uri="{FF2B5EF4-FFF2-40B4-BE49-F238E27FC236}">
-                <a16:creationId xmlns:a16="http://schemas.microsoft.com/office/drawing/2014/main" id="{7259A14B-9B4A-43AD-9AA6-73C1576E7DF6}"/>
+                <a16:creationId xmlns:a16="http://schemas.microsoft.com/office/drawing/2014/main" id="{D3E4EF1A-C426-4AB9-96C8-DD29C70D731A}"/>
               </a:ext>
             </a:extLst>
           </p:cNvPr>
           <p:cNvPicPr>
-            <a:picLocks noChangeAspect="1"/>
+            <a:picLocks noChangeAspect="1" noChangeArrowheads="1"/>
           </p:cNvPicPr>
           <p:nvPr/>
         </p:nvPicPr>
         <p:blipFill>
           <a:blip r:embed="rId3">
+            <a:extLst>
+              <a:ext uri="{BEBA8EAE-BF5A-486C-A8C5-ECC9F3942E4B}">
+                <a14:imgProps xmlns:a14="http://schemas.microsoft.com/office/drawing/2010/main">
+                  <a14:imgLayer r:embed="rId4">
+                    <a14:imgEffect>
+                      <a14:backgroundRemoval t="6250" b="94167" l="10000" r="90000">
+                        <a14:foregroundMark x1="41719" y1="6250" x2="47813" y2="6250"/>
+                        <a14:foregroundMark x1="47813" y1="6250" x2="47891" y2="7222"/>
+                        <a14:foregroundMark x1="56250" y1="94167" x2="65156" y2="90000"/>
+                        <a14:foregroundMark x1="65156" y1="90000" x2="65156" y2="90000"/>
+                      </a14:backgroundRemoval>
+                    </a14:imgEffect>
+                  </a14:imgLayer>
+                </a14:imgProps>
+              </a:ext>
+              <a:ext uri="{28A0092B-C50C-407E-A947-70E740481C1C}">
+                <a14:useLocalDpi xmlns:a14="http://schemas.microsoft.com/office/drawing/2010/main" val="0"/>
+              </a:ext>
+            </a:extLst>
+          </a:blip>
+          <a:srcRect/>
+          <a:stretch>
+            <a:fillRect/>
+          </a:stretch>
+        </p:blipFill>
+        <p:spPr bwMode="auto">
+          <a:xfrm>
+            <a:off x="7795973" y="4091470"/>
+            <a:ext cx="4122898" cy="2319130"/>
+          </a:xfrm>
+          <a:prstGeom prst="rect">
+            <a:avLst/>
+          </a:prstGeom>
+          <a:noFill/>
+          <a:extLst>
+            <a:ext uri="{909E8E84-426E-40DD-AFC4-6F175D3DCCD1}">
+              <a14:hiddenFill xmlns:a14="http://schemas.microsoft.com/office/drawing/2010/main">
+                <a:solidFill>
+                  <a:srgbClr val="FFFFFF"/>
+                </a:solidFill>
+              </a14:hiddenFill>
+            </a:ext>
+          </a:extLst>
+        </p:spPr>
+      </p:pic>
+      <p:pic>
+        <p:nvPicPr>
+          <p:cNvPr id="22" name="Kép 21">
+            <a:extLst>
+              <a:ext uri="{FF2B5EF4-FFF2-40B4-BE49-F238E27FC236}">
+                <a16:creationId xmlns:a16="http://schemas.microsoft.com/office/drawing/2014/main" id="{4B2515BB-CE4C-45A3-A129-F0DA51E60694}"/>
+              </a:ext>
+            </a:extLst>
+          </p:cNvPr>
+          <p:cNvPicPr/>
+          <p:nvPr/>
+        </p:nvPicPr>
+        <p:blipFill>
+          <a:blip r:embed="rId5" cstate="print">
             <a:extLst>
               <a:ext uri="{28A0092B-C50C-407E-A947-70E740481C1C}">
                 <a14:useLocalDpi xmlns:a14="http://schemas.microsoft.com/office/drawing/2010/main" val="0"/>
@@ -11176,28 +10993,18 @@
         </p:blipFill>
         <p:spPr>
           <a:xfrm>
-            <a:off x="6516717" y="3823784"/>
-            <a:ext cx="4986020" cy="2182161"/>
+            <a:off x="3385403" y="4274682"/>
+            <a:ext cx="1868170" cy="1799590"/>
           </a:xfrm>
           <a:prstGeom prst="rect">
             <a:avLst/>
           </a:prstGeom>
-          <a:ln>
-            <a:noFill/>
-          </a:ln>
-          <a:effectLst>
-            <a:outerShdw blurRad="190500" algn="tl" rotWithShape="0">
-              <a:srgbClr val="000000">
-                <a:alpha val="70000"/>
-              </a:srgbClr>
-            </a:outerShdw>
-          </a:effectLst>
         </p:spPr>
       </p:pic>
     </p:spTree>
     <p:extLst>
       <p:ext uri="{BB962C8B-B14F-4D97-AF65-F5344CB8AC3E}">
-        <p14:creationId xmlns:p14="http://schemas.microsoft.com/office/powerpoint/2010/main" val="4026249415"/>
+        <p14:creationId xmlns:p14="http://schemas.microsoft.com/office/powerpoint/2010/main" val="1417454054"/>
       </p:ext>
     </p:extLst>
   </p:cSld>
@@ -11207,7 +11014,1702 @@
 </p:sld>
 </file>
 
-<file path=ppt/slides/slide8.xml><?xml version="1.0" encoding="utf-8"?>
+<file path=ppt/slides/slide3.xml><?xml version="1.0" encoding="utf-8"?>
+<p:sld xmlns:a="http://schemas.openxmlformats.org/drawingml/2006/main" xmlns:r="http://schemas.openxmlformats.org/officeDocument/2006/relationships" xmlns:p="http://schemas.openxmlformats.org/presentationml/2006/main">
+  <p:cSld>
+    <p:bg>
+      <p:bgPr>
+        <a:blipFill rotWithShape="1">
+          <a:blip r:embed="rId2">
+            <a:duotone>
+              <a:schemeClr val="bg2">
+                <a:shade val="76000"/>
+                <a:satMod val="180000"/>
+              </a:schemeClr>
+              <a:schemeClr val="bg2">
+                <a:tint val="80000"/>
+                <a:satMod val="120000"/>
+                <a:lumMod val="180000"/>
+              </a:schemeClr>
+            </a:duotone>
+            <a:extLst/>
+          </a:blip>
+          <a:stretch/>
+        </a:blipFill>
+        <a:effectLst/>
+      </p:bgPr>
+    </p:bg>
+    <p:spTree>
+      <p:nvGrpSpPr>
+        <p:cNvPr id="1" name=""/>
+        <p:cNvGrpSpPr/>
+        <p:nvPr/>
+      </p:nvGrpSpPr>
+      <p:grpSpPr>
+        <a:xfrm>
+          <a:off x="0" y="0"/>
+          <a:ext cx="0" cy="0"/>
+          <a:chOff x="0" y="0"/>
+          <a:chExt cx="0" cy="0"/>
+        </a:xfrm>
+      </p:grpSpPr>
+      <p:grpSp>
+        <p:nvGrpSpPr>
+          <p:cNvPr id="22" name="Group 21">
+            <a:extLst>
+              <a:ext uri="{FF2B5EF4-FFF2-40B4-BE49-F238E27FC236}">
+                <a16:creationId xmlns:a16="http://schemas.microsoft.com/office/drawing/2014/main" id="{25363578-2A8C-4658-87B5-C5912F542358}"/>
+              </a:ext>
+              <a:ext uri="{C183D7F6-B498-43B3-948B-1728B52AA6E4}">
+                <adec:decorative xmlns:adec="http://schemas.microsoft.com/office/drawing/2017/decorative" val="1"/>
+              </a:ext>
+            </a:extLst>
+          </p:cNvPr>
+          <p:cNvGrpSpPr>
+            <a:grpSpLocks noGrp="1" noUngrp="1" noRot="1" noChangeAspect="1" noMove="1" noResize="1"/>
+          </p:cNvGrpSpPr>
+          <p:nvPr>
+            <p:extLst>
+              <p:ext uri="{386F3935-93C4-4BCD-93E2-E3B085C9AB24}">
+                <p16:designElem xmlns:p16="http://schemas.microsoft.com/office/powerpoint/2015/main" val="1"/>
+              </p:ext>
+            </p:extLst>
+          </p:nvPr>
+        </p:nvGrpSpPr>
+        <p:grpSpPr>
+          <a:xfrm>
+            <a:off x="546100" y="-4763"/>
+            <a:ext cx="5014912" cy="6862763"/>
+            <a:chOff x="2928938" y="-4763"/>
+            <a:chExt cx="5014912" cy="6862763"/>
+          </a:xfrm>
+        </p:grpSpPr>
+        <p:sp>
+          <p:nvSpPr>
+            <p:cNvPr id="23" name="Freeform 6">
+              <a:extLst>
+                <a:ext uri="{FF2B5EF4-FFF2-40B4-BE49-F238E27FC236}">
+                  <a16:creationId xmlns:a16="http://schemas.microsoft.com/office/drawing/2014/main" id="{E218F359-143F-4C4D-89E0-5264C1C848BB}"/>
+                </a:ext>
+                <a:ext uri="{C183D7F6-B498-43B3-948B-1728B52AA6E4}">
+                  <adec:decorative xmlns:adec="http://schemas.microsoft.com/office/drawing/2017/decorative" val="1"/>
+                </a:ext>
+              </a:extLst>
+            </p:cNvPr>
+            <p:cNvSpPr/>
+            <p:nvPr>
+              <p:extLst>
+                <p:ext uri="{386F3935-93C4-4BCD-93E2-E3B085C9AB24}">
+                  <p16:designElem xmlns:p16="http://schemas.microsoft.com/office/powerpoint/2015/main" val="1"/>
+                </p:ext>
+              </p:extLst>
+            </p:nvPr>
+          </p:nvSpPr>
+          <p:spPr bwMode="auto">
+            <a:xfrm>
+              <a:off x="3367088" y="-4763"/>
+              <a:ext cx="1063625" cy="2782888"/>
+            </a:xfrm>
+            <a:custGeom>
+              <a:avLst/>
+              <a:gdLst/>
+              <a:ahLst/>
+              <a:cxnLst/>
+              <a:rect l="0" t="0" r="r" b="b"/>
+              <a:pathLst>
+                <a:path w="670" h="1753">
+                  <a:moveTo>
+                    <a:pt x="0" y="1696"/>
+                  </a:moveTo>
+                  <a:lnTo>
+                    <a:pt x="225" y="1753"/>
+                  </a:lnTo>
+                  <a:lnTo>
+                    <a:pt x="670" y="0"/>
+                  </a:lnTo>
+                  <a:lnTo>
+                    <a:pt x="430" y="0"/>
+                  </a:lnTo>
+                  <a:lnTo>
+                    <a:pt x="0" y="1696"/>
+                  </a:lnTo>
+                  <a:close/>
+                </a:path>
+              </a:pathLst>
+            </a:custGeom>
+            <a:solidFill>
+              <a:schemeClr val="accent1"/>
+            </a:solidFill>
+            <a:ln>
+              <a:noFill/>
+            </a:ln>
+          </p:spPr>
+        </p:sp>
+        <p:sp>
+          <p:nvSpPr>
+            <p:cNvPr id="24" name="Freeform 7">
+              <a:extLst>
+                <a:ext uri="{FF2B5EF4-FFF2-40B4-BE49-F238E27FC236}">
+                  <a16:creationId xmlns:a16="http://schemas.microsoft.com/office/drawing/2014/main" id="{62ADA4B7-AAC9-4634-808E-1FFA83601A99}"/>
+                </a:ext>
+                <a:ext uri="{C183D7F6-B498-43B3-948B-1728B52AA6E4}">
+                  <adec:decorative xmlns:adec="http://schemas.microsoft.com/office/drawing/2017/decorative" val="1"/>
+                </a:ext>
+              </a:extLst>
+            </p:cNvPr>
+            <p:cNvSpPr/>
+            <p:nvPr>
+              <p:extLst>
+                <p:ext uri="{386F3935-93C4-4BCD-93E2-E3B085C9AB24}">
+                  <p16:designElem xmlns:p16="http://schemas.microsoft.com/office/powerpoint/2015/main" val="1"/>
+                </p:ext>
+              </p:extLst>
+            </p:nvPr>
+          </p:nvSpPr>
+          <p:spPr bwMode="auto">
+            <a:xfrm>
+              <a:off x="2928938" y="-4763"/>
+              <a:ext cx="1035050" cy="2673350"/>
+            </a:xfrm>
+            <a:custGeom>
+              <a:avLst/>
+              <a:gdLst/>
+              <a:ahLst/>
+              <a:cxnLst/>
+              <a:rect l="0" t="0" r="r" b="b"/>
+              <a:pathLst>
+                <a:path w="652" h="1684">
+                  <a:moveTo>
+                    <a:pt x="225" y="1684"/>
+                  </a:moveTo>
+                  <a:lnTo>
+                    <a:pt x="652" y="0"/>
+                  </a:lnTo>
+                  <a:lnTo>
+                    <a:pt x="411" y="0"/>
+                  </a:lnTo>
+                  <a:lnTo>
+                    <a:pt x="0" y="1627"/>
+                  </a:lnTo>
+                  <a:lnTo>
+                    <a:pt x="219" y="1681"/>
+                  </a:lnTo>
+                  <a:lnTo>
+                    <a:pt x="225" y="1684"/>
+                  </a:lnTo>
+                  <a:close/>
+                </a:path>
+              </a:pathLst>
+            </a:custGeom>
+            <a:solidFill>
+              <a:schemeClr val="tx1">
+                <a:lumMod val="65000"/>
+                <a:lumOff val="35000"/>
+              </a:schemeClr>
+            </a:solidFill>
+            <a:ln>
+              <a:noFill/>
+            </a:ln>
+          </p:spPr>
+        </p:sp>
+        <p:sp>
+          <p:nvSpPr>
+            <p:cNvPr id="25" name="Freeform 9">
+              <a:extLst>
+                <a:ext uri="{FF2B5EF4-FFF2-40B4-BE49-F238E27FC236}">
+                  <a16:creationId xmlns:a16="http://schemas.microsoft.com/office/drawing/2014/main" id="{32EDB2D2-BC10-4870-9DC7-868590D46C27}"/>
+                </a:ext>
+                <a:ext uri="{C183D7F6-B498-43B3-948B-1728B52AA6E4}">
+                  <adec:decorative xmlns:adec="http://schemas.microsoft.com/office/drawing/2017/decorative" val="1"/>
+                </a:ext>
+              </a:extLst>
+            </p:cNvPr>
+            <p:cNvSpPr/>
+            <p:nvPr>
+              <p:extLst>
+                <p:ext uri="{386F3935-93C4-4BCD-93E2-E3B085C9AB24}">
+                  <p16:designElem xmlns:p16="http://schemas.microsoft.com/office/powerpoint/2015/main" val="1"/>
+                </p:ext>
+              </p:extLst>
+            </p:nvPr>
+          </p:nvSpPr>
+          <p:spPr bwMode="auto">
+            <a:xfrm>
+              <a:off x="2928938" y="2582862"/>
+              <a:ext cx="2693987" cy="4275138"/>
+            </a:xfrm>
+            <a:custGeom>
+              <a:avLst/>
+              <a:gdLst/>
+              <a:ahLst/>
+              <a:cxnLst/>
+              <a:rect l="0" t="0" r="r" b="b"/>
+              <a:pathLst>
+                <a:path w="1697" h="2693">
+                  <a:moveTo>
+                    <a:pt x="0" y="0"/>
+                  </a:moveTo>
+                  <a:lnTo>
+                    <a:pt x="1622" y="2693"/>
+                  </a:lnTo>
+                  <a:lnTo>
+                    <a:pt x="1697" y="2693"/>
+                  </a:lnTo>
+                  <a:lnTo>
+                    <a:pt x="0" y="0"/>
+                  </a:lnTo>
+                  <a:close/>
+                </a:path>
+              </a:pathLst>
+            </a:custGeom>
+            <a:solidFill>
+              <a:schemeClr val="tx1">
+                <a:lumMod val="85000"/>
+                <a:lumOff val="15000"/>
+              </a:schemeClr>
+            </a:solidFill>
+            <a:ln>
+              <a:noFill/>
+            </a:ln>
+          </p:spPr>
+        </p:sp>
+        <p:sp>
+          <p:nvSpPr>
+            <p:cNvPr id="26" name="Freeform 10">
+              <a:extLst>
+                <a:ext uri="{FF2B5EF4-FFF2-40B4-BE49-F238E27FC236}">
+                  <a16:creationId xmlns:a16="http://schemas.microsoft.com/office/drawing/2014/main" id="{293A2EC2-7274-4905-8DAF-A2D403034B06}"/>
+                </a:ext>
+                <a:ext uri="{C183D7F6-B498-43B3-948B-1728B52AA6E4}">
+                  <adec:decorative xmlns:adec="http://schemas.microsoft.com/office/drawing/2017/decorative" val="1"/>
+                </a:ext>
+              </a:extLst>
+            </p:cNvPr>
+            <p:cNvSpPr/>
+            <p:nvPr>
+              <p:extLst>
+                <p:ext uri="{386F3935-93C4-4BCD-93E2-E3B085C9AB24}">
+                  <p16:designElem xmlns:p16="http://schemas.microsoft.com/office/powerpoint/2015/main" val="1"/>
+                </p:ext>
+              </p:extLst>
+            </p:nvPr>
+          </p:nvSpPr>
+          <p:spPr bwMode="auto">
+            <a:xfrm>
+              <a:off x="3371850" y="2692400"/>
+              <a:ext cx="3332162" cy="4165600"/>
+            </a:xfrm>
+            <a:custGeom>
+              <a:avLst/>
+              <a:gdLst/>
+              <a:ahLst/>
+              <a:cxnLst/>
+              <a:rect l="0" t="0" r="r" b="b"/>
+              <a:pathLst>
+                <a:path w="2099" h="2624">
+                  <a:moveTo>
+                    <a:pt x="2099" y="2624"/>
+                  </a:moveTo>
+                  <a:lnTo>
+                    <a:pt x="0" y="0"/>
+                  </a:lnTo>
+                  <a:lnTo>
+                    <a:pt x="2021" y="2624"/>
+                  </a:lnTo>
+                  <a:lnTo>
+                    <a:pt x="2099" y="2624"/>
+                  </a:lnTo>
+                  <a:close/>
+                </a:path>
+              </a:pathLst>
+            </a:custGeom>
+            <a:solidFill>
+              <a:schemeClr val="accent1">
+                <a:lumMod val="50000"/>
+              </a:schemeClr>
+            </a:solidFill>
+            <a:ln>
+              <a:noFill/>
+            </a:ln>
+          </p:spPr>
+        </p:sp>
+        <p:sp>
+          <p:nvSpPr>
+            <p:cNvPr id="27" name="Freeform 11">
+              <a:extLst>
+                <a:ext uri="{FF2B5EF4-FFF2-40B4-BE49-F238E27FC236}">
+                  <a16:creationId xmlns:a16="http://schemas.microsoft.com/office/drawing/2014/main" id="{676BE7D1-3188-44D8-8A0A-51164D0AB847}"/>
+                </a:ext>
+                <a:ext uri="{C183D7F6-B498-43B3-948B-1728B52AA6E4}">
+                  <adec:decorative xmlns:adec="http://schemas.microsoft.com/office/drawing/2017/decorative" val="1"/>
+                </a:ext>
+              </a:extLst>
+            </p:cNvPr>
+            <p:cNvSpPr/>
+            <p:nvPr>
+              <p:extLst>
+                <p:ext uri="{386F3935-93C4-4BCD-93E2-E3B085C9AB24}">
+                  <p16:designElem xmlns:p16="http://schemas.microsoft.com/office/powerpoint/2015/main" val="1"/>
+                </p:ext>
+              </p:extLst>
+            </p:nvPr>
+          </p:nvSpPr>
+          <p:spPr bwMode="auto">
+            <a:xfrm>
+              <a:off x="3367088" y="2687637"/>
+              <a:ext cx="4576762" cy="4170363"/>
+            </a:xfrm>
+            <a:custGeom>
+              <a:avLst/>
+              <a:gdLst/>
+              <a:ahLst/>
+              <a:cxnLst/>
+              <a:rect l="0" t="0" r="r" b="b"/>
+              <a:pathLst>
+                <a:path w="2883" h="2627">
+                  <a:moveTo>
+                    <a:pt x="0" y="0"/>
+                  </a:moveTo>
+                  <a:lnTo>
+                    <a:pt x="3" y="3"/>
+                  </a:lnTo>
+                  <a:lnTo>
+                    <a:pt x="2102" y="2627"/>
+                  </a:lnTo>
+                  <a:lnTo>
+                    <a:pt x="2883" y="2627"/>
+                  </a:lnTo>
+                  <a:lnTo>
+                    <a:pt x="225" y="57"/>
+                  </a:lnTo>
+                  <a:lnTo>
+                    <a:pt x="0" y="0"/>
+                  </a:lnTo>
+                  <a:close/>
+                </a:path>
+              </a:pathLst>
+            </a:custGeom>
+            <a:solidFill>
+              <a:schemeClr val="accent1">
+                <a:lumMod val="75000"/>
+              </a:schemeClr>
+            </a:solidFill>
+            <a:ln>
+              <a:noFill/>
+            </a:ln>
+          </p:spPr>
+        </p:sp>
+        <p:sp>
+          <p:nvSpPr>
+            <p:cNvPr id="28" name="Freeform 12">
+              <a:extLst>
+                <a:ext uri="{FF2B5EF4-FFF2-40B4-BE49-F238E27FC236}">
+                  <a16:creationId xmlns:a16="http://schemas.microsoft.com/office/drawing/2014/main" id="{2045A432-8539-4E56-9560-4B67D252076D}"/>
+                </a:ext>
+                <a:ext uri="{C183D7F6-B498-43B3-948B-1728B52AA6E4}">
+                  <adec:decorative xmlns:adec="http://schemas.microsoft.com/office/drawing/2017/decorative" val="1"/>
+                </a:ext>
+              </a:extLst>
+            </p:cNvPr>
+            <p:cNvSpPr/>
+            <p:nvPr>
+              <p:extLst>
+                <p:ext uri="{386F3935-93C4-4BCD-93E2-E3B085C9AB24}">
+                  <p16:designElem xmlns:p16="http://schemas.microsoft.com/office/powerpoint/2015/main" val="1"/>
+                </p:ext>
+              </p:extLst>
+            </p:nvPr>
+          </p:nvSpPr>
+          <p:spPr bwMode="auto">
+            <a:xfrm>
+              <a:off x="2928938" y="2578100"/>
+              <a:ext cx="3584575" cy="4279900"/>
+            </a:xfrm>
+            <a:custGeom>
+              <a:avLst/>
+              <a:gdLst/>
+              <a:ahLst/>
+              <a:cxnLst/>
+              <a:rect l="0" t="0" r="r" b="b"/>
+              <a:pathLst>
+                <a:path w="2258" h="2696">
+                  <a:moveTo>
+                    <a:pt x="2258" y="2696"/>
+                  </a:moveTo>
+                  <a:lnTo>
+                    <a:pt x="264" y="111"/>
+                  </a:lnTo>
+                  <a:lnTo>
+                    <a:pt x="228" y="60"/>
+                  </a:lnTo>
+                  <a:lnTo>
+                    <a:pt x="225" y="57"/>
+                  </a:lnTo>
+                  <a:lnTo>
+                    <a:pt x="0" y="0"/>
+                  </a:lnTo>
+                  <a:lnTo>
+                    <a:pt x="0" y="3"/>
+                  </a:lnTo>
+                  <a:lnTo>
+                    <a:pt x="1697" y="2696"/>
+                  </a:lnTo>
+                  <a:lnTo>
+                    <a:pt x="2258" y="2696"/>
+                  </a:lnTo>
+                  <a:close/>
+                </a:path>
+              </a:pathLst>
+            </a:custGeom>
+            <a:solidFill>
+              <a:schemeClr val="tx1">
+                <a:lumMod val="75000"/>
+                <a:lumOff val="25000"/>
+              </a:schemeClr>
+            </a:solidFill>
+            <a:ln>
+              <a:noFill/>
+            </a:ln>
+          </p:spPr>
+        </p:sp>
+      </p:grpSp>
+      <p:sp useBgFill="1">
+        <p:nvSpPr>
+          <p:cNvPr id="30" name="Rectangle 29">
+            <a:extLst>
+              <a:ext uri="{FF2B5EF4-FFF2-40B4-BE49-F238E27FC236}">
+                <a16:creationId xmlns:a16="http://schemas.microsoft.com/office/drawing/2014/main" id="{C2D8D2AF-46EE-45B6-88E4-3F6E08785C31}"/>
+              </a:ext>
+              <a:ext uri="{C183D7F6-B498-43B3-948B-1728B52AA6E4}">
+                <adec:decorative xmlns:adec="http://schemas.microsoft.com/office/drawing/2017/decorative" val="1"/>
+              </a:ext>
+            </a:extLst>
+          </p:cNvPr>
+          <p:cNvSpPr>
+            <a:spLocks noGrp="1" noRot="1" noChangeAspect="1" noMove="1" noResize="1" noEditPoints="1" noAdjustHandles="1" noChangeArrowheads="1" noChangeShapeType="1" noTextEdit="1"/>
+          </p:cNvSpPr>
+          <p:nvPr>
+            <p:extLst>
+              <p:ext uri="{386F3935-93C4-4BCD-93E2-E3B085C9AB24}">
+                <p16:designElem xmlns:p16="http://schemas.microsoft.com/office/powerpoint/2015/main" val="1"/>
+              </p:ext>
+            </p:extLst>
+          </p:nvPr>
+        </p:nvSpPr>
+        <p:spPr>
+          <a:xfrm>
+            <a:off x="0" y="0"/>
+            <a:ext cx="12192000" cy="6858000"/>
+          </a:xfrm>
+          <a:prstGeom prst="rect">
+            <a:avLst/>
+          </a:prstGeom>
+          <a:ln>
+            <a:noFill/>
+          </a:ln>
+        </p:spPr>
+        <p:style>
+          <a:lnRef idx="2">
+            <a:schemeClr val="accent1">
+              <a:shade val="50000"/>
+            </a:schemeClr>
+          </a:lnRef>
+          <a:fillRef idx="1">
+            <a:schemeClr val="accent1"/>
+          </a:fillRef>
+          <a:effectRef idx="0">
+            <a:schemeClr val="accent1"/>
+          </a:effectRef>
+          <a:fontRef idx="minor">
+            <a:schemeClr val="lt1"/>
+          </a:fontRef>
+        </p:style>
+        <p:txBody>
+          <a:bodyPr rtlCol="0" anchor="ctr"/>
+          <a:lstStyle/>
+          <a:p>
+            <a:pPr algn="ctr"/>
+            <a:endParaRPr lang="en-US"/>
+          </a:p>
+        </p:txBody>
+      </p:sp>
+      <p:sp>
+        <p:nvSpPr>
+          <p:cNvPr id="2" name="Cím 1">
+            <a:extLst>
+              <a:ext uri="{FF2B5EF4-FFF2-40B4-BE49-F238E27FC236}">
+                <a16:creationId xmlns:a16="http://schemas.microsoft.com/office/drawing/2014/main" id="{87DF099A-022E-4E94-BEE4-D0C77D1590B0}"/>
+              </a:ext>
+            </a:extLst>
+          </p:cNvPr>
+          <p:cNvSpPr>
+            <a:spLocks noGrp="1"/>
+          </p:cNvSpPr>
+          <p:nvPr>
+            <p:ph type="title"/>
+          </p:nvPr>
+        </p:nvSpPr>
+        <p:spPr>
+          <a:xfrm>
+            <a:off x="6580632" y="648930"/>
+            <a:ext cx="4922391" cy="3347337"/>
+          </a:xfrm>
+        </p:spPr>
+        <p:txBody>
+          <a:bodyPr vert="horz" lIns="91440" tIns="45720" rIns="91440" bIns="45720" rtlCol="0" anchor="b">
+            <a:normAutofit/>
+          </a:bodyPr>
+          <a:lstStyle/>
+          <a:p>
+            <a:pPr algn="r"/>
+            <a:r>
+              <a:rPr lang="en-US" sz="6000"/>
+              <a:t>Előző félévben</a:t>
+            </a:r>
+          </a:p>
+        </p:txBody>
+      </p:sp>
+      <p:grpSp>
+        <p:nvGrpSpPr>
+          <p:cNvPr id="32" name="Group 31">
+            <a:extLst>
+              <a:ext uri="{FF2B5EF4-FFF2-40B4-BE49-F238E27FC236}">
+                <a16:creationId xmlns:a16="http://schemas.microsoft.com/office/drawing/2014/main" id="{235A0B41-F3B5-479A-95F8-DA6AB02BB3C8}"/>
+              </a:ext>
+              <a:ext uri="{C183D7F6-B498-43B3-948B-1728B52AA6E4}">
+                <adec:decorative xmlns:adec="http://schemas.microsoft.com/office/drawing/2017/decorative" val="1"/>
+              </a:ext>
+            </a:extLst>
+          </p:cNvPr>
+          <p:cNvGrpSpPr>
+            <a:grpSpLocks noGrp="1" noUngrp="1" noRot="1" noChangeAspect="1" noMove="1" noResize="1"/>
+          </p:cNvGrpSpPr>
+          <p:nvPr>
+            <p:extLst>
+              <p:ext uri="{386F3935-93C4-4BCD-93E2-E3B085C9AB24}">
+                <p16:designElem xmlns:p16="http://schemas.microsoft.com/office/powerpoint/2015/main" val="1"/>
+              </p:ext>
+            </p:extLst>
+          </p:nvPr>
+        </p:nvGrpSpPr>
+        <p:grpSpPr>
+          <a:xfrm>
+            <a:off x="886714" y="-4763"/>
+            <a:ext cx="5014912" cy="6862763"/>
+            <a:chOff x="2928938" y="-4763"/>
+            <a:chExt cx="5014912" cy="6862763"/>
+          </a:xfrm>
+        </p:grpSpPr>
+        <p:sp>
+          <p:nvSpPr>
+            <p:cNvPr id="33" name="Freeform 6">
+              <a:extLst>
+                <a:ext uri="{FF2B5EF4-FFF2-40B4-BE49-F238E27FC236}">
+                  <a16:creationId xmlns:a16="http://schemas.microsoft.com/office/drawing/2014/main" id="{DE91C6A8-149B-47AB-A1C6-2E5375A71CD2}"/>
+                </a:ext>
+                <a:ext uri="{C183D7F6-B498-43B3-948B-1728B52AA6E4}">
+                  <adec:decorative xmlns:adec="http://schemas.microsoft.com/office/drawing/2017/decorative" val="1"/>
+                </a:ext>
+              </a:extLst>
+            </p:cNvPr>
+            <p:cNvSpPr/>
+            <p:nvPr>
+              <p:extLst>
+                <p:ext uri="{386F3935-93C4-4BCD-93E2-E3B085C9AB24}">
+                  <p16:designElem xmlns:p16="http://schemas.microsoft.com/office/powerpoint/2015/main" val="1"/>
+                </p:ext>
+              </p:extLst>
+            </p:nvPr>
+          </p:nvSpPr>
+          <p:spPr bwMode="auto">
+            <a:xfrm>
+              <a:off x="3367088" y="-4763"/>
+              <a:ext cx="1063625" cy="2782888"/>
+            </a:xfrm>
+            <a:custGeom>
+              <a:avLst/>
+              <a:gdLst/>
+              <a:ahLst/>
+              <a:cxnLst/>
+              <a:rect l="0" t="0" r="r" b="b"/>
+              <a:pathLst>
+                <a:path w="670" h="1753">
+                  <a:moveTo>
+                    <a:pt x="0" y="1696"/>
+                  </a:moveTo>
+                  <a:lnTo>
+                    <a:pt x="225" y="1753"/>
+                  </a:lnTo>
+                  <a:lnTo>
+                    <a:pt x="670" y="0"/>
+                  </a:lnTo>
+                  <a:lnTo>
+                    <a:pt x="430" y="0"/>
+                  </a:lnTo>
+                  <a:lnTo>
+                    <a:pt x="0" y="1696"/>
+                  </a:lnTo>
+                  <a:close/>
+                </a:path>
+              </a:pathLst>
+            </a:custGeom>
+            <a:solidFill>
+              <a:schemeClr val="accent1"/>
+            </a:solidFill>
+            <a:ln>
+              <a:noFill/>
+            </a:ln>
+          </p:spPr>
+        </p:sp>
+        <p:sp>
+          <p:nvSpPr>
+            <p:cNvPr id="34" name="Freeform 7">
+              <a:extLst>
+                <a:ext uri="{FF2B5EF4-FFF2-40B4-BE49-F238E27FC236}">
+                  <a16:creationId xmlns:a16="http://schemas.microsoft.com/office/drawing/2014/main" id="{2A163CEE-5317-4B13-BB44-89C18F39BA0F}"/>
+                </a:ext>
+                <a:ext uri="{C183D7F6-B498-43B3-948B-1728B52AA6E4}">
+                  <adec:decorative xmlns:adec="http://schemas.microsoft.com/office/drawing/2017/decorative" val="1"/>
+                </a:ext>
+              </a:extLst>
+            </p:cNvPr>
+            <p:cNvSpPr/>
+            <p:nvPr>
+              <p:extLst>
+                <p:ext uri="{386F3935-93C4-4BCD-93E2-E3B085C9AB24}">
+                  <p16:designElem xmlns:p16="http://schemas.microsoft.com/office/powerpoint/2015/main" val="1"/>
+                </p:ext>
+              </p:extLst>
+            </p:nvPr>
+          </p:nvSpPr>
+          <p:spPr bwMode="auto">
+            <a:xfrm>
+              <a:off x="2928938" y="-4763"/>
+              <a:ext cx="1035050" cy="2673350"/>
+            </a:xfrm>
+            <a:custGeom>
+              <a:avLst/>
+              <a:gdLst/>
+              <a:ahLst/>
+              <a:cxnLst/>
+              <a:rect l="0" t="0" r="r" b="b"/>
+              <a:pathLst>
+                <a:path w="652" h="1684">
+                  <a:moveTo>
+                    <a:pt x="225" y="1684"/>
+                  </a:moveTo>
+                  <a:lnTo>
+                    <a:pt x="652" y="0"/>
+                  </a:lnTo>
+                  <a:lnTo>
+                    <a:pt x="411" y="0"/>
+                  </a:lnTo>
+                  <a:lnTo>
+                    <a:pt x="0" y="1627"/>
+                  </a:lnTo>
+                  <a:lnTo>
+                    <a:pt x="219" y="1681"/>
+                  </a:lnTo>
+                  <a:lnTo>
+                    <a:pt x="225" y="1684"/>
+                  </a:lnTo>
+                  <a:close/>
+                </a:path>
+              </a:pathLst>
+            </a:custGeom>
+            <a:solidFill>
+              <a:schemeClr val="tx1">
+                <a:lumMod val="65000"/>
+                <a:lumOff val="35000"/>
+              </a:schemeClr>
+            </a:solidFill>
+            <a:ln>
+              <a:noFill/>
+            </a:ln>
+          </p:spPr>
+        </p:sp>
+        <p:sp>
+          <p:nvSpPr>
+            <p:cNvPr id="35" name="Freeform 25">
+              <a:extLst>
+                <a:ext uri="{FF2B5EF4-FFF2-40B4-BE49-F238E27FC236}">
+                  <a16:creationId xmlns:a16="http://schemas.microsoft.com/office/drawing/2014/main" id="{6EF660D6-ACF8-4060-8918-DC6401DFE5C1}"/>
+                </a:ext>
+                <a:ext uri="{C183D7F6-B498-43B3-948B-1728B52AA6E4}">
+                  <adec:decorative xmlns:adec="http://schemas.microsoft.com/office/drawing/2017/decorative" val="1"/>
+                </a:ext>
+              </a:extLst>
+            </p:cNvPr>
+            <p:cNvSpPr/>
+            <p:nvPr>
+              <p:extLst>
+                <p:ext uri="{386F3935-93C4-4BCD-93E2-E3B085C9AB24}">
+                  <p16:designElem xmlns:p16="http://schemas.microsoft.com/office/powerpoint/2015/main" val="1"/>
+                </p:ext>
+              </p:extLst>
+            </p:nvPr>
+          </p:nvSpPr>
+          <p:spPr bwMode="auto">
+            <a:xfrm>
+              <a:off x="2928938" y="2582862"/>
+              <a:ext cx="2693987" cy="4275138"/>
+            </a:xfrm>
+            <a:custGeom>
+              <a:avLst/>
+              <a:gdLst/>
+              <a:ahLst/>
+              <a:cxnLst/>
+              <a:rect l="0" t="0" r="r" b="b"/>
+              <a:pathLst>
+                <a:path w="1697" h="2693">
+                  <a:moveTo>
+                    <a:pt x="0" y="0"/>
+                  </a:moveTo>
+                  <a:lnTo>
+                    <a:pt x="1622" y="2693"/>
+                  </a:lnTo>
+                  <a:lnTo>
+                    <a:pt x="1697" y="2693"/>
+                  </a:lnTo>
+                  <a:lnTo>
+                    <a:pt x="0" y="0"/>
+                  </a:lnTo>
+                  <a:close/>
+                </a:path>
+              </a:pathLst>
+            </a:custGeom>
+            <a:solidFill>
+              <a:schemeClr val="tx1">
+                <a:lumMod val="85000"/>
+                <a:lumOff val="15000"/>
+              </a:schemeClr>
+            </a:solidFill>
+            <a:ln>
+              <a:noFill/>
+            </a:ln>
+          </p:spPr>
+        </p:sp>
+        <p:sp>
+          <p:nvSpPr>
+            <p:cNvPr id="36" name="Freeform 26">
+              <a:extLst>
+                <a:ext uri="{FF2B5EF4-FFF2-40B4-BE49-F238E27FC236}">
+                  <a16:creationId xmlns:a16="http://schemas.microsoft.com/office/drawing/2014/main" id="{58086159-39C7-4EF5-8964-4CFA6BA4B80A}"/>
+                </a:ext>
+                <a:ext uri="{C183D7F6-B498-43B3-948B-1728B52AA6E4}">
+                  <adec:decorative xmlns:adec="http://schemas.microsoft.com/office/drawing/2017/decorative" val="1"/>
+                </a:ext>
+              </a:extLst>
+            </p:cNvPr>
+            <p:cNvSpPr/>
+            <p:nvPr>
+              <p:extLst>
+                <p:ext uri="{386F3935-93C4-4BCD-93E2-E3B085C9AB24}">
+                  <p16:designElem xmlns:p16="http://schemas.microsoft.com/office/powerpoint/2015/main" val="1"/>
+                </p:ext>
+              </p:extLst>
+            </p:nvPr>
+          </p:nvSpPr>
+          <p:spPr bwMode="auto">
+            <a:xfrm>
+              <a:off x="3371850" y="2692400"/>
+              <a:ext cx="3332162" cy="4165600"/>
+            </a:xfrm>
+            <a:custGeom>
+              <a:avLst/>
+              <a:gdLst/>
+              <a:ahLst/>
+              <a:cxnLst/>
+              <a:rect l="0" t="0" r="r" b="b"/>
+              <a:pathLst>
+                <a:path w="2099" h="2624">
+                  <a:moveTo>
+                    <a:pt x="2099" y="2624"/>
+                  </a:moveTo>
+                  <a:lnTo>
+                    <a:pt x="0" y="0"/>
+                  </a:lnTo>
+                  <a:lnTo>
+                    <a:pt x="2021" y="2624"/>
+                  </a:lnTo>
+                  <a:lnTo>
+                    <a:pt x="2099" y="2624"/>
+                  </a:lnTo>
+                  <a:close/>
+                </a:path>
+              </a:pathLst>
+            </a:custGeom>
+            <a:solidFill>
+              <a:schemeClr val="accent1">
+                <a:lumMod val="50000"/>
+              </a:schemeClr>
+            </a:solidFill>
+            <a:ln>
+              <a:noFill/>
+            </a:ln>
+          </p:spPr>
+        </p:sp>
+        <p:sp>
+          <p:nvSpPr>
+            <p:cNvPr id="37" name="Freeform 27">
+              <a:extLst>
+                <a:ext uri="{FF2B5EF4-FFF2-40B4-BE49-F238E27FC236}">
+                  <a16:creationId xmlns:a16="http://schemas.microsoft.com/office/drawing/2014/main" id="{E02D0FB2-EF10-4AEB-854E-0A6AC48A7A48}"/>
+                </a:ext>
+                <a:ext uri="{C183D7F6-B498-43B3-948B-1728B52AA6E4}">
+                  <adec:decorative xmlns:adec="http://schemas.microsoft.com/office/drawing/2017/decorative" val="1"/>
+                </a:ext>
+              </a:extLst>
+            </p:cNvPr>
+            <p:cNvSpPr/>
+            <p:nvPr>
+              <p:extLst>
+                <p:ext uri="{386F3935-93C4-4BCD-93E2-E3B085C9AB24}">
+                  <p16:designElem xmlns:p16="http://schemas.microsoft.com/office/powerpoint/2015/main" val="1"/>
+                </p:ext>
+              </p:extLst>
+            </p:nvPr>
+          </p:nvSpPr>
+          <p:spPr bwMode="auto">
+            <a:xfrm>
+              <a:off x="3367088" y="2687637"/>
+              <a:ext cx="4576762" cy="4170363"/>
+            </a:xfrm>
+            <a:custGeom>
+              <a:avLst/>
+              <a:gdLst/>
+              <a:ahLst/>
+              <a:cxnLst/>
+              <a:rect l="0" t="0" r="r" b="b"/>
+              <a:pathLst>
+                <a:path w="2883" h="2627">
+                  <a:moveTo>
+                    <a:pt x="0" y="0"/>
+                  </a:moveTo>
+                  <a:lnTo>
+                    <a:pt x="3" y="3"/>
+                  </a:lnTo>
+                  <a:lnTo>
+                    <a:pt x="2102" y="2627"/>
+                  </a:lnTo>
+                  <a:lnTo>
+                    <a:pt x="2883" y="2627"/>
+                  </a:lnTo>
+                  <a:lnTo>
+                    <a:pt x="225" y="57"/>
+                  </a:lnTo>
+                  <a:lnTo>
+                    <a:pt x="0" y="0"/>
+                  </a:lnTo>
+                  <a:close/>
+                </a:path>
+              </a:pathLst>
+            </a:custGeom>
+            <a:solidFill>
+              <a:schemeClr val="accent1">
+                <a:lumMod val="75000"/>
+              </a:schemeClr>
+            </a:solidFill>
+            <a:ln>
+              <a:noFill/>
+            </a:ln>
+          </p:spPr>
+        </p:sp>
+        <p:sp>
+          <p:nvSpPr>
+            <p:cNvPr id="38" name="Freeform 28">
+              <a:extLst>
+                <a:ext uri="{FF2B5EF4-FFF2-40B4-BE49-F238E27FC236}">
+                  <a16:creationId xmlns:a16="http://schemas.microsoft.com/office/drawing/2014/main" id="{6DE5DFC2-61B7-47B7-9CCC-3FB636E122A0}"/>
+                </a:ext>
+                <a:ext uri="{C183D7F6-B498-43B3-948B-1728B52AA6E4}">
+                  <adec:decorative xmlns:adec="http://schemas.microsoft.com/office/drawing/2017/decorative" val="1"/>
+                </a:ext>
+              </a:extLst>
+            </p:cNvPr>
+            <p:cNvSpPr/>
+            <p:nvPr>
+              <p:extLst>
+                <p:ext uri="{386F3935-93C4-4BCD-93E2-E3B085C9AB24}">
+                  <p16:designElem xmlns:p16="http://schemas.microsoft.com/office/powerpoint/2015/main" val="1"/>
+                </p:ext>
+              </p:extLst>
+            </p:nvPr>
+          </p:nvSpPr>
+          <p:spPr bwMode="auto">
+            <a:xfrm>
+              <a:off x="2928938" y="2578100"/>
+              <a:ext cx="3584575" cy="4279900"/>
+            </a:xfrm>
+            <a:custGeom>
+              <a:avLst/>
+              <a:gdLst/>
+              <a:ahLst/>
+              <a:cxnLst/>
+              <a:rect l="0" t="0" r="r" b="b"/>
+              <a:pathLst>
+                <a:path w="2258" h="2696">
+                  <a:moveTo>
+                    <a:pt x="2258" y="2696"/>
+                  </a:moveTo>
+                  <a:lnTo>
+                    <a:pt x="264" y="111"/>
+                  </a:lnTo>
+                  <a:lnTo>
+                    <a:pt x="228" y="60"/>
+                  </a:lnTo>
+                  <a:lnTo>
+                    <a:pt x="225" y="57"/>
+                  </a:lnTo>
+                  <a:lnTo>
+                    <a:pt x="0" y="0"/>
+                  </a:lnTo>
+                  <a:lnTo>
+                    <a:pt x="0" y="3"/>
+                  </a:lnTo>
+                  <a:lnTo>
+                    <a:pt x="1697" y="2696"/>
+                  </a:lnTo>
+                  <a:lnTo>
+                    <a:pt x="2258" y="2696"/>
+                  </a:lnTo>
+                  <a:close/>
+                </a:path>
+              </a:pathLst>
+            </a:custGeom>
+            <a:solidFill>
+              <a:schemeClr val="tx1">
+                <a:lumMod val="75000"/>
+                <a:lumOff val="25000"/>
+              </a:schemeClr>
+            </a:solidFill>
+            <a:ln>
+              <a:noFill/>
+            </a:ln>
+          </p:spPr>
+        </p:sp>
+      </p:grpSp>
+      <p:sp>
+        <p:nvSpPr>
+          <p:cNvPr id="40" name="Rounded Rectangle 16">
+            <a:extLst>
+              <a:ext uri="{FF2B5EF4-FFF2-40B4-BE49-F238E27FC236}">
+                <a16:creationId xmlns:a16="http://schemas.microsoft.com/office/drawing/2014/main" id="{E25ADA56-112C-41F7-9B50-1DA781F5E04C}"/>
+              </a:ext>
+              <a:ext uri="{C183D7F6-B498-43B3-948B-1728B52AA6E4}">
+                <adec:decorative xmlns:adec="http://schemas.microsoft.com/office/drawing/2017/decorative" val="1"/>
+              </a:ext>
+            </a:extLst>
+          </p:cNvPr>
+          <p:cNvSpPr>
+            <a:spLocks noGrp="1" noRot="1" noChangeAspect="1" noMove="1" noResize="1" noEditPoints="1" noAdjustHandles="1" noChangeArrowheads="1" noChangeShapeType="1" noTextEdit="1"/>
+          </p:cNvSpPr>
+          <p:nvPr>
+            <p:extLst>
+              <p:ext uri="{386F3935-93C4-4BCD-93E2-E3B085C9AB24}">
+                <p16:designElem xmlns:p16="http://schemas.microsoft.com/office/powerpoint/2015/main" val="1"/>
+              </p:ext>
+            </p:extLst>
+          </p:nvPr>
+        </p:nvSpPr>
+        <p:spPr>
+          <a:xfrm>
+            <a:off x="656693" y="648931"/>
+            <a:ext cx="5419641" cy="5231964"/>
+          </a:xfrm>
+          <a:prstGeom prst="roundRect">
+            <a:avLst>
+              <a:gd name="adj" fmla="val 4834"/>
+            </a:avLst>
+          </a:prstGeom>
+          <a:solidFill>
+            <a:schemeClr val="bg1"/>
+          </a:solidFill>
+          <a:ln w="38100">
+            <a:gradFill flip="none" rotWithShape="1">
+              <a:gsLst>
+                <a:gs pos="0">
+                  <a:schemeClr val="bg2"/>
+                </a:gs>
+                <a:gs pos="100000">
+                  <a:schemeClr val="bg2">
+                    <a:lumMod val="75000"/>
+                  </a:schemeClr>
+                </a:gs>
+              </a:gsLst>
+              <a:lin ang="5400000" scaled="0"/>
+              <a:tileRect/>
+            </a:gradFill>
+          </a:ln>
+          <a:effectLst>
+            <a:innerShdw blurRad="57150" dist="38100" dir="14460000">
+              <a:srgbClr val="000000">
+                <a:alpha val="70000"/>
+              </a:srgbClr>
+            </a:innerShdw>
+          </a:effectLst>
+        </p:spPr>
+        <p:style>
+          <a:lnRef idx="2">
+            <a:schemeClr val="accent1">
+              <a:shade val="50000"/>
+            </a:schemeClr>
+          </a:lnRef>
+          <a:fillRef idx="1">
+            <a:schemeClr val="accent1"/>
+          </a:fillRef>
+          <a:effectRef idx="0">
+            <a:schemeClr val="accent1"/>
+          </a:effectRef>
+          <a:fontRef idx="minor">
+            <a:schemeClr val="lt1"/>
+          </a:fontRef>
+        </p:style>
+        <p:txBody>
+          <a:bodyPr rtlCol="0" anchor="ctr"/>
+          <a:lstStyle/>
+          <a:p>
+            <a:pPr algn="ctr"/>
+            <a:endParaRPr lang="en-US"/>
+          </a:p>
+        </p:txBody>
+      </p:sp>
+      <p:pic>
+        <p:nvPicPr>
+          <p:cNvPr id="4" name="Kép 3">
+            <a:extLst>
+              <a:ext uri="{FF2B5EF4-FFF2-40B4-BE49-F238E27FC236}">
+                <a16:creationId xmlns:a16="http://schemas.microsoft.com/office/drawing/2014/main" id="{2E5837EC-539D-4A00-ACEB-BB82B701F6CD}"/>
+              </a:ext>
+            </a:extLst>
+          </p:cNvPr>
+          <p:cNvPicPr/>
+          <p:nvPr/>
+        </p:nvPicPr>
+        <p:blipFill>
+          <a:blip r:embed="rId3">
+            <a:extLst>
+              <a:ext uri="{28A0092B-C50C-407E-A947-70E740481C1C}">
+                <a14:useLocalDpi xmlns:a14="http://schemas.microsoft.com/office/drawing/2010/main" val="0"/>
+              </a:ext>
+            </a:extLst>
+          </a:blip>
+          <a:stretch>
+            <a:fillRect/>
+          </a:stretch>
+        </p:blipFill>
+        <p:spPr bwMode="auto">
+          <a:xfrm>
+            <a:off x="977550" y="1059092"/>
+            <a:ext cx="4774321" cy="4452054"/>
+          </a:xfrm>
+          <a:prstGeom prst="rect">
+            <a:avLst/>
+          </a:prstGeom>
+          <a:noFill/>
+        </p:spPr>
+      </p:pic>
+    </p:spTree>
+    <p:extLst>
+      <p:ext uri="{BB962C8B-B14F-4D97-AF65-F5344CB8AC3E}">
+        <p14:creationId xmlns:p14="http://schemas.microsoft.com/office/powerpoint/2010/main" val="632643270"/>
+      </p:ext>
+    </p:extLst>
+  </p:cSld>
+  <p:clrMapOvr>
+    <a:masterClrMapping/>
+  </p:clrMapOvr>
+</p:sld>
+</file>
+
+<file path=ppt/slides/slide4.xml><?xml version="1.0" encoding="utf-8"?>
+<p:sld xmlns:a="http://schemas.openxmlformats.org/drawingml/2006/main" xmlns:r="http://schemas.openxmlformats.org/officeDocument/2006/relationships" xmlns:p="http://schemas.openxmlformats.org/presentationml/2006/main">
+  <p:cSld>
+    <p:spTree>
+      <p:nvGrpSpPr>
+        <p:cNvPr id="1" name=""/>
+        <p:cNvGrpSpPr/>
+        <p:nvPr/>
+      </p:nvGrpSpPr>
+      <p:grpSpPr>
+        <a:xfrm>
+          <a:off x="0" y="0"/>
+          <a:ext cx="0" cy="0"/>
+          <a:chOff x="0" y="0"/>
+          <a:chExt cx="0" cy="0"/>
+        </a:xfrm>
+      </p:grpSpPr>
+      <p:sp>
+        <p:nvSpPr>
+          <p:cNvPr id="2" name="Cím 1">
+            <a:extLst>
+              <a:ext uri="{FF2B5EF4-FFF2-40B4-BE49-F238E27FC236}">
+                <a16:creationId xmlns:a16="http://schemas.microsoft.com/office/drawing/2014/main" id="{49FDD194-9C39-44DF-A045-55E1EBDE9990}"/>
+              </a:ext>
+            </a:extLst>
+          </p:cNvPr>
+          <p:cNvSpPr>
+            <a:spLocks noGrp="1"/>
+          </p:cNvSpPr>
+          <p:nvPr>
+            <p:ph type="title"/>
+          </p:nvPr>
+        </p:nvSpPr>
+        <p:spPr/>
+        <p:txBody>
+          <a:bodyPr/>
+          <a:lstStyle/>
+          <a:p>
+            <a:r>
+              <a:rPr lang="hu-HU" dirty="0"/>
+              <a:t>Rács alapú (Euler-i folyadék)</a:t>
+            </a:r>
+          </a:p>
+        </p:txBody>
+      </p:sp>
+      <p:sp>
+        <p:nvSpPr>
+          <p:cNvPr id="3" name="Tartalom helye 2">
+            <a:extLst>
+              <a:ext uri="{FF2B5EF4-FFF2-40B4-BE49-F238E27FC236}">
+                <a16:creationId xmlns:a16="http://schemas.microsoft.com/office/drawing/2014/main" id="{D95602F8-FFA7-4224-AC01-0904467F8630}"/>
+              </a:ext>
+            </a:extLst>
+          </p:cNvPr>
+          <p:cNvSpPr>
+            <a:spLocks noGrp="1"/>
+          </p:cNvSpPr>
+          <p:nvPr>
+            <p:ph idx="1"/>
+          </p:nvPr>
+        </p:nvSpPr>
+        <p:spPr/>
+        <p:txBody>
+          <a:bodyPr/>
+          <a:lstStyle/>
+          <a:p>
+            <a:r>
+              <a:rPr lang="hu-HU" dirty="0"/>
+              <a:t>Négyzetrácsra osztjuk</a:t>
+            </a:r>
+          </a:p>
+          <a:p>
+            <a:r>
+              <a:rPr lang="hu-HU" dirty="0"/>
+              <a:t>Rácsmezőkön sebességvektorok tárolása</a:t>
+            </a:r>
+          </a:p>
+          <a:p>
+            <a:r>
+              <a:rPr lang="hu-HU" dirty="0" err="1"/>
+              <a:t>Navier-Stokes</a:t>
+            </a:r>
+            <a:endParaRPr lang="hu-HU" dirty="0"/>
+          </a:p>
+          <a:p>
+            <a:r>
+              <a:rPr lang="hu-HU" dirty="0"/>
+              <a:t>Hátránya:</a:t>
+            </a:r>
+          </a:p>
+          <a:p>
+            <a:pPr lvl="1"/>
+            <a:r>
+              <a:rPr lang="hu-HU" dirty="0"/>
+              <a:t>Maga a rács </a:t>
+            </a:r>
+            <a:r>
+              <a:rPr lang="hu-HU" dirty="0">
+                <a:sym typeface="Wingdings" panose="05000000000000000000" pitchFamily="2" charset="2"/>
+              </a:rPr>
+              <a:t> korlátozza a térfogatot</a:t>
+            </a:r>
+            <a:endParaRPr lang="hu-HU" dirty="0"/>
+          </a:p>
+        </p:txBody>
+      </p:sp>
+      <p:pic>
+        <p:nvPicPr>
+          <p:cNvPr id="5" name="Kép 4">
+            <a:extLst>
+              <a:ext uri="{FF2B5EF4-FFF2-40B4-BE49-F238E27FC236}">
+                <a16:creationId xmlns:a16="http://schemas.microsoft.com/office/drawing/2014/main" id="{C4C2063F-0855-46CC-899A-1E3BA98717CD}"/>
+              </a:ext>
+            </a:extLst>
+          </p:cNvPr>
+          <p:cNvPicPr/>
+          <p:nvPr/>
+        </p:nvPicPr>
+        <p:blipFill>
+          <a:blip r:embed="rId2" cstate="print">
+            <a:extLst>
+              <a:ext uri="{28A0092B-C50C-407E-A947-70E740481C1C}">
+                <a14:useLocalDpi xmlns:a14="http://schemas.microsoft.com/office/drawing/2010/main" val="0"/>
+              </a:ext>
+            </a:extLst>
+          </a:blip>
+          <a:stretch>
+            <a:fillRect/>
+          </a:stretch>
+        </p:blipFill>
+        <p:spPr>
+          <a:xfrm>
+            <a:off x="8551478" y="2666999"/>
+            <a:ext cx="3199163" cy="3124200"/>
+          </a:xfrm>
+          <a:prstGeom prst="rect">
+            <a:avLst/>
+          </a:prstGeom>
+        </p:spPr>
+      </p:pic>
+    </p:spTree>
+    <p:extLst>
+      <p:ext uri="{BB962C8B-B14F-4D97-AF65-F5344CB8AC3E}">
+        <p14:creationId xmlns:p14="http://schemas.microsoft.com/office/powerpoint/2010/main" val="2769784940"/>
+      </p:ext>
+    </p:extLst>
+  </p:cSld>
+  <p:clrMapOvr>
+    <a:masterClrMapping/>
+  </p:clrMapOvr>
+</p:sld>
+</file>
+
+<file path=ppt/slides/slide5.xml><?xml version="1.0" encoding="utf-8"?>
+<p:sld xmlns:a="http://schemas.openxmlformats.org/drawingml/2006/main" xmlns:r="http://schemas.openxmlformats.org/officeDocument/2006/relationships" xmlns:p="http://schemas.openxmlformats.org/presentationml/2006/main">
+  <p:cSld>
+    <p:spTree>
+      <p:nvGrpSpPr>
+        <p:cNvPr id="1" name=""/>
+        <p:cNvGrpSpPr/>
+        <p:nvPr/>
+      </p:nvGrpSpPr>
+      <p:grpSpPr>
+        <a:xfrm>
+          <a:off x="0" y="0"/>
+          <a:ext cx="0" cy="0"/>
+          <a:chOff x="0" y="0"/>
+          <a:chExt cx="0" cy="0"/>
+        </a:xfrm>
+      </p:grpSpPr>
+      <p:sp>
+        <p:nvSpPr>
+          <p:cNvPr id="2" name="Cím 1">
+            <a:extLst>
+              <a:ext uri="{FF2B5EF4-FFF2-40B4-BE49-F238E27FC236}">
+                <a16:creationId xmlns:a16="http://schemas.microsoft.com/office/drawing/2014/main" id="{9CC9EB20-9967-4CE4-BA5E-6978B9F4FD30}"/>
+              </a:ext>
+            </a:extLst>
+          </p:cNvPr>
+          <p:cNvSpPr>
+            <a:spLocks noGrp="1"/>
+          </p:cNvSpPr>
+          <p:nvPr>
+            <p:ph type="title"/>
+          </p:nvPr>
+        </p:nvSpPr>
+        <p:spPr/>
+        <p:txBody>
+          <a:bodyPr/>
+          <a:lstStyle/>
+          <a:p>
+            <a:r>
+              <a:rPr lang="hu-HU" dirty="0"/>
+              <a:t>Részecske alapú (Lagrange-i folyadék)</a:t>
+            </a:r>
+            <a:br>
+              <a:rPr lang="hu-HU" dirty="0"/>
+            </a:br>
+            <a:r>
+              <a:rPr lang="hu-HU" sz="2800" dirty="0"/>
+              <a:t>SPH (</a:t>
+            </a:r>
+            <a:r>
+              <a:rPr lang="hu-HU" sz="2800" dirty="0" err="1"/>
+              <a:t>smoothed</a:t>
+            </a:r>
+            <a:r>
+              <a:rPr lang="hu-HU" sz="2800" dirty="0"/>
+              <a:t> </a:t>
+            </a:r>
+            <a:r>
+              <a:rPr lang="hu-HU" sz="2800" dirty="0" err="1"/>
+              <a:t>particle</a:t>
+            </a:r>
+            <a:r>
+              <a:rPr lang="hu-HU" sz="2800" dirty="0"/>
+              <a:t> </a:t>
+            </a:r>
+            <a:r>
+              <a:rPr lang="hu-HU" sz="2800" dirty="0" err="1"/>
+              <a:t>hydrodynamics</a:t>
+            </a:r>
+            <a:r>
+              <a:rPr lang="hu-HU" sz="2800" dirty="0"/>
+              <a:t>)</a:t>
+            </a:r>
+            <a:endParaRPr lang="hu-HU" dirty="0"/>
+          </a:p>
+        </p:txBody>
+      </p:sp>
+      <p:pic>
+        <p:nvPicPr>
+          <p:cNvPr id="4" name="Tartalom helye 3">
+            <a:extLst>
+              <a:ext uri="{FF2B5EF4-FFF2-40B4-BE49-F238E27FC236}">
+                <a16:creationId xmlns:a16="http://schemas.microsoft.com/office/drawing/2014/main" id="{F3B50F9D-651A-42A1-B993-FD430B70935B}"/>
+              </a:ext>
+            </a:extLst>
+          </p:cNvPr>
+          <p:cNvPicPr>
+            <a:picLocks noGrp="1"/>
+          </p:cNvPicPr>
+          <p:nvPr>
+            <p:ph idx="1"/>
+          </p:nvPr>
+        </p:nvPicPr>
+        <p:blipFill>
+          <a:blip r:embed="rId2" cstate="print">
+            <a:extLst>
+              <a:ext uri="{28A0092B-C50C-407E-A947-70E740481C1C}">
+                <a14:useLocalDpi xmlns:a14="http://schemas.microsoft.com/office/drawing/2010/main" val="0"/>
+              </a:ext>
+            </a:extLst>
+          </a:blip>
+          <a:stretch>
+            <a:fillRect/>
+          </a:stretch>
+        </p:blipFill>
+        <p:spPr>
+          <a:xfrm>
+            <a:off x="8356209" y="2849974"/>
+            <a:ext cx="3460652" cy="3322226"/>
+          </a:xfrm>
+          <a:prstGeom prst="rect">
+            <a:avLst/>
+          </a:prstGeom>
+        </p:spPr>
+      </p:pic>
+      <p:sp>
+        <p:nvSpPr>
+          <p:cNvPr id="5" name="Tartalom helye 2">
+            <a:extLst>
+              <a:ext uri="{FF2B5EF4-FFF2-40B4-BE49-F238E27FC236}">
+                <a16:creationId xmlns:a16="http://schemas.microsoft.com/office/drawing/2014/main" id="{CFE7CFF1-4EFF-4096-B989-DBBF70387CA7}"/>
+              </a:ext>
+            </a:extLst>
+          </p:cNvPr>
+          <p:cNvSpPr txBox="1">
+            <a:spLocks/>
+          </p:cNvSpPr>
+          <p:nvPr/>
+        </p:nvSpPr>
+        <p:spPr>
+          <a:xfrm>
+            <a:off x="1484310" y="2666999"/>
+            <a:ext cx="6871899" cy="3124201"/>
+          </a:xfrm>
+          <a:prstGeom prst="rect">
+            <a:avLst/>
+          </a:prstGeom>
+        </p:spPr>
+        <p:txBody>
+          <a:bodyPr vert="horz" lIns="91440" tIns="45720" rIns="91440" bIns="45720" rtlCol="0" anchor="ctr">
+            <a:normAutofit lnSpcReduction="10000"/>
+          </a:bodyPr>
+          <a:lstStyle>
+            <a:lvl1pPr marL="285750" indent="-285750" algn="l" defTabSz="457200" rtl="0" eaLnBrk="1" latinLnBrk="0" hangingPunct="1">
+              <a:spcBef>
+                <a:spcPct val="20000"/>
+              </a:spcBef>
+              <a:spcAft>
+                <a:spcPts val="600"/>
+              </a:spcAft>
+              <a:buClr>
+                <a:schemeClr val="accent1">
+                  <a:lumMod val="75000"/>
+                </a:schemeClr>
+              </a:buClr>
+              <a:buSzPct val="145000"/>
+              <a:buFont typeface="Arial"/>
+              <a:buChar char="•"/>
+              <a:defRPr sz="2400" kern="1200" cap="none">
+                <a:solidFill>
+                  <a:schemeClr val="tx1"/>
+                </a:solidFill>
+                <a:effectLst/>
+                <a:latin typeface="+mn-lt"/>
+                <a:ea typeface="+mn-ea"/>
+                <a:cs typeface="+mn-cs"/>
+              </a:defRPr>
+            </a:lvl1pPr>
+            <a:lvl2pPr marL="742950" indent="-285750" algn="l" defTabSz="457200" rtl="0" eaLnBrk="1" latinLnBrk="0" hangingPunct="1">
+              <a:spcBef>
+                <a:spcPct val="20000"/>
+              </a:spcBef>
+              <a:spcAft>
+                <a:spcPts val="600"/>
+              </a:spcAft>
+              <a:buClr>
+                <a:schemeClr val="accent1">
+                  <a:lumMod val="75000"/>
+                </a:schemeClr>
+              </a:buClr>
+              <a:buSzPct val="145000"/>
+              <a:buFont typeface="Arial"/>
+              <a:buChar char="•"/>
+              <a:defRPr sz="2000" kern="1200" cap="none">
+                <a:solidFill>
+                  <a:schemeClr val="tx1"/>
+                </a:solidFill>
+                <a:effectLst/>
+                <a:latin typeface="+mn-lt"/>
+                <a:ea typeface="+mn-ea"/>
+                <a:cs typeface="+mn-cs"/>
+              </a:defRPr>
+            </a:lvl2pPr>
+            <a:lvl3pPr marL="1200150" indent="-285750" algn="l" defTabSz="457200" rtl="0" eaLnBrk="1" latinLnBrk="0" hangingPunct="1">
+              <a:spcBef>
+                <a:spcPct val="20000"/>
+              </a:spcBef>
+              <a:spcAft>
+                <a:spcPts val="600"/>
+              </a:spcAft>
+              <a:buClr>
+                <a:schemeClr val="accent1">
+                  <a:lumMod val="75000"/>
+                </a:schemeClr>
+              </a:buClr>
+              <a:buSzPct val="145000"/>
+              <a:buFont typeface="Arial"/>
+              <a:buChar char="•"/>
+              <a:defRPr sz="1800" kern="1200" cap="none">
+                <a:solidFill>
+                  <a:schemeClr val="tx1"/>
+                </a:solidFill>
+                <a:effectLst/>
+                <a:latin typeface="+mn-lt"/>
+                <a:ea typeface="+mn-ea"/>
+                <a:cs typeface="+mn-cs"/>
+              </a:defRPr>
+            </a:lvl3pPr>
+            <a:lvl4pPr marL="1543050" indent="-171450" algn="l" defTabSz="457200" rtl="0" eaLnBrk="1" latinLnBrk="0" hangingPunct="1">
+              <a:spcBef>
+                <a:spcPct val="20000"/>
+              </a:spcBef>
+              <a:spcAft>
+                <a:spcPts val="600"/>
+              </a:spcAft>
+              <a:buClr>
+                <a:schemeClr val="accent1">
+                  <a:lumMod val="75000"/>
+                </a:schemeClr>
+              </a:buClr>
+              <a:buSzPct val="145000"/>
+              <a:buFont typeface="Arial"/>
+              <a:buChar char="•"/>
+              <a:defRPr sz="1600" kern="1200" cap="none">
+                <a:solidFill>
+                  <a:schemeClr val="tx1"/>
+                </a:solidFill>
+                <a:effectLst/>
+                <a:latin typeface="+mn-lt"/>
+                <a:ea typeface="+mn-ea"/>
+                <a:cs typeface="+mn-cs"/>
+              </a:defRPr>
+            </a:lvl4pPr>
+            <a:lvl5pPr marL="2000250" indent="-171450" algn="l" defTabSz="457200" rtl="0" eaLnBrk="1" latinLnBrk="0" hangingPunct="1">
+              <a:spcBef>
+                <a:spcPct val="20000"/>
+              </a:spcBef>
+              <a:spcAft>
+                <a:spcPts val="600"/>
+              </a:spcAft>
+              <a:buClr>
+                <a:schemeClr val="accent1">
+                  <a:lumMod val="75000"/>
+                </a:schemeClr>
+              </a:buClr>
+              <a:buSzPct val="145000"/>
+              <a:buFont typeface="Arial"/>
+              <a:buChar char="•"/>
+              <a:defRPr sz="1400" kern="1200" cap="none">
+                <a:solidFill>
+                  <a:schemeClr val="tx1"/>
+                </a:solidFill>
+                <a:effectLst/>
+                <a:latin typeface="+mn-lt"/>
+                <a:ea typeface="+mn-ea"/>
+                <a:cs typeface="+mn-cs"/>
+              </a:defRPr>
+            </a:lvl5pPr>
+            <a:lvl6pPr marL="2514600" indent="-228600" algn="l" defTabSz="457200" rtl="0" eaLnBrk="1" latinLnBrk="0" hangingPunct="1">
+              <a:spcBef>
+                <a:spcPct val="20000"/>
+              </a:spcBef>
+              <a:spcAft>
+                <a:spcPts val="600"/>
+              </a:spcAft>
+              <a:buClr>
+                <a:schemeClr val="accent1">
+                  <a:lumMod val="75000"/>
+                </a:schemeClr>
+              </a:buClr>
+              <a:buSzPct val="145000"/>
+              <a:buFont typeface="Arial"/>
+              <a:buChar char="•"/>
+              <a:defRPr sz="1400" kern="1200" cap="none">
+                <a:solidFill>
+                  <a:schemeClr val="tx1"/>
+                </a:solidFill>
+                <a:effectLst/>
+                <a:latin typeface="+mn-lt"/>
+                <a:ea typeface="+mn-ea"/>
+                <a:cs typeface="+mn-cs"/>
+              </a:defRPr>
+            </a:lvl6pPr>
+            <a:lvl7pPr marL="2971800" indent="-228600" algn="l" defTabSz="457200" rtl="0" eaLnBrk="1" latinLnBrk="0" hangingPunct="1">
+              <a:spcBef>
+                <a:spcPct val="20000"/>
+              </a:spcBef>
+              <a:spcAft>
+                <a:spcPts val="600"/>
+              </a:spcAft>
+              <a:buClr>
+                <a:schemeClr val="accent1">
+                  <a:lumMod val="75000"/>
+                </a:schemeClr>
+              </a:buClr>
+              <a:buSzPct val="145000"/>
+              <a:buFont typeface="Arial"/>
+              <a:buChar char="•"/>
+              <a:defRPr sz="1400" kern="1200" cap="none">
+                <a:solidFill>
+                  <a:schemeClr val="tx1"/>
+                </a:solidFill>
+                <a:effectLst/>
+                <a:latin typeface="+mn-lt"/>
+                <a:ea typeface="+mn-ea"/>
+                <a:cs typeface="+mn-cs"/>
+              </a:defRPr>
+            </a:lvl7pPr>
+            <a:lvl8pPr marL="3429000" indent="-228600" algn="l" defTabSz="457200" rtl="0" eaLnBrk="1" latinLnBrk="0" hangingPunct="1">
+              <a:spcBef>
+                <a:spcPct val="20000"/>
+              </a:spcBef>
+              <a:spcAft>
+                <a:spcPts val="600"/>
+              </a:spcAft>
+              <a:buClr>
+                <a:schemeClr val="accent1">
+                  <a:lumMod val="75000"/>
+                </a:schemeClr>
+              </a:buClr>
+              <a:buSzPct val="145000"/>
+              <a:buFont typeface="Arial"/>
+              <a:buChar char="•"/>
+              <a:defRPr sz="1400" kern="1200" cap="none">
+                <a:solidFill>
+                  <a:schemeClr val="tx1"/>
+                </a:solidFill>
+                <a:effectLst/>
+                <a:latin typeface="+mn-lt"/>
+                <a:ea typeface="+mn-ea"/>
+                <a:cs typeface="+mn-cs"/>
+              </a:defRPr>
+            </a:lvl8pPr>
+            <a:lvl9pPr marL="3886200" indent="-228600" algn="l" defTabSz="457200" rtl="0" eaLnBrk="1" latinLnBrk="0" hangingPunct="1">
+              <a:spcBef>
+                <a:spcPct val="20000"/>
+              </a:spcBef>
+              <a:spcAft>
+                <a:spcPts val="600"/>
+              </a:spcAft>
+              <a:buClr>
+                <a:schemeClr val="accent1">
+                  <a:lumMod val="75000"/>
+                </a:schemeClr>
+              </a:buClr>
+              <a:buSzPct val="145000"/>
+              <a:buFont typeface="Arial"/>
+              <a:buChar char="•"/>
+              <a:defRPr sz="1400" kern="1200" cap="none">
+                <a:solidFill>
+                  <a:schemeClr val="tx1"/>
+                </a:solidFill>
+                <a:effectLst/>
+                <a:latin typeface="+mn-lt"/>
+                <a:ea typeface="+mn-ea"/>
+                <a:cs typeface="+mn-cs"/>
+              </a:defRPr>
+            </a:lvl9pPr>
+          </a:lstStyle>
+          <a:p>
+            <a:r>
+              <a:rPr lang="hu-HU" dirty="0"/>
+              <a:t>Diszkrét mintavételezési pontok </a:t>
+            </a:r>
+            <a:r>
+              <a:rPr lang="hu-HU" dirty="0">
+                <a:sym typeface="Wingdings" panose="05000000000000000000" pitchFamily="2" charset="2"/>
+              </a:rPr>
+              <a:t> részecskék</a:t>
+            </a:r>
+            <a:endParaRPr lang="hu-HU" dirty="0"/>
+          </a:p>
+          <a:p>
+            <a:r>
+              <a:rPr lang="hu-HU" dirty="0"/>
+              <a:t>Részecskék rendelkeznek fizikai tulajdonságokkal</a:t>
+            </a:r>
+          </a:p>
+          <a:p>
+            <a:r>
+              <a:rPr lang="hu-HU" dirty="0"/>
+              <a:t>Előnyei:</a:t>
+            </a:r>
+          </a:p>
+          <a:p>
+            <a:pPr lvl="1"/>
+            <a:r>
+              <a:rPr lang="hu-HU" dirty="0"/>
+              <a:t>Egyszerűbb számítások, az egyenletek csak az időtől függenek</a:t>
+            </a:r>
+          </a:p>
+          <a:p>
+            <a:pPr lvl="1"/>
+            <a:r>
+              <a:rPr lang="hu-HU" dirty="0"/>
+              <a:t>Biztosítja a fix részecskeszám a tömegmegmaradást</a:t>
+            </a:r>
+          </a:p>
+          <a:p>
+            <a:pPr lvl="1"/>
+            <a:r>
+              <a:rPr lang="hu-HU" dirty="0"/>
+              <a:t>Nincs egy rácsra korlátozva a folyadék</a:t>
+            </a:r>
+          </a:p>
+          <a:p>
+            <a:pPr lvl="1"/>
+            <a:endParaRPr lang="hu-HU" dirty="0"/>
+          </a:p>
+        </p:txBody>
+      </p:sp>
+    </p:spTree>
+    <p:extLst>
+      <p:ext uri="{BB962C8B-B14F-4D97-AF65-F5344CB8AC3E}">
+        <p14:creationId xmlns:p14="http://schemas.microsoft.com/office/powerpoint/2010/main" val="342285967"/>
+      </p:ext>
+    </p:extLst>
+  </p:cSld>
+  <p:clrMapOvr>
+    <a:masterClrMapping/>
+  </p:clrMapOvr>
+</p:sld>
+</file>
+
+<file path=ppt/slides/slide6.xml><?xml version="1.0" encoding="utf-8"?>
 <p:sld xmlns:a="http://schemas.openxmlformats.org/drawingml/2006/main" xmlns:r="http://schemas.openxmlformats.org/officeDocument/2006/relationships" xmlns:p="http://schemas.openxmlformats.org/presentationml/2006/main">
   <p:cSld>
     <p:bg>
@@ -11248,7 +12750,7 @@
       </p:grpSpPr>
       <p:sp useBgFill="1">
         <p:nvSpPr>
-          <p:cNvPr id="8" name="Rectangle 7">
+          <p:cNvPr id="27" name="Rectangle 26">
             <a:extLst>
               <a:ext uri="{FF2B5EF4-FFF2-40B4-BE49-F238E27FC236}">
                 <a16:creationId xmlns:a16="http://schemas.microsoft.com/office/drawing/2014/main" id="{99CAC3B1-4879-424D-8F15-206277196159}"/>
@@ -11311,7 +12813,7 @@
           <p:cNvPr id="2" name="Cím 1">
             <a:extLst>
               <a:ext uri="{FF2B5EF4-FFF2-40B4-BE49-F238E27FC236}">
-                <a16:creationId xmlns:a16="http://schemas.microsoft.com/office/drawing/2014/main" id="{A9E3D95B-C6BD-4B59-B9AE-9D0613779241}"/>
+                <a16:creationId xmlns:a16="http://schemas.microsoft.com/office/drawing/2014/main" id="{6E6CE9DA-93CA-4B8C-BB41-84E3A654AEF1}"/>
               </a:ext>
             </a:extLst>
           </p:cNvPr>
@@ -11325,7 +12827,7 @@
         <p:spPr>
           <a:xfrm>
             <a:off x="3618200" y="852055"/>
-            <a:ext cx="7257455" cy="1752599"/>
+            <a:ext cx="7257455" cy="1383145"/>
           </a:xfrm>
         </p:spPr>
         <p:txBody>
@@ -11334,13 +12836,16 @@
           </a:bodyPr>
           <a:lstStyle/>
           <a:p>
-            <a:endParaRPr lang="hu-HU" sz="3600"/>
+            <a:r>
+              <a:rPr lang="hu-HU" sz="3600" dirty="0"/>
+              <a:t>Szimuláció</a:t>
+            </a:r>
           </a:p>
         </p:txBody>
       </p:sp>
       <p:sp>
         <p:nvSpPr>
-          <p:cNvPr id="10" name="Freeform 6">
+          <p:cNvPr id="29" name="Freeform 6">
             <a:extLst>
               <a:ext uri="{FF2B5EF4-FFF2-40B4-BE49-F238E27FC236}">
                 <a16:creationId xmlns:a16="http://schemas.microsoft.com/office/drawing/2014/main" id="{E34CC1C8-EBDD-4AEA-83E6-B27575B62E2E}"/>
@@ -11403,7 +12908,7 @@
       </p:sp>
       <p:sp>
         <p:nvSpPr>
-          <p:cNvPr id="12" name="Freeform 7">
+          <p:cNvPr id="31" name="Freeform 7">
             <a:extLst>
               <a:ext uri="{FF2B5EF4-FFF2-40B4-BE49-F238E27FC236}">
                 <a16:creationId xmlns:a16="http://schemas.microsoft.com/office/drawing/2014/main" id="{D6B38644-B85D-4211-9526-5B4C2A662BF7}"/>
@@ -11469,7 +12974,7 @@
       </p:sp>
       <p:sp>
         <p:nvSpPr>
-          <p:cNvPr id="14" name="Freeform 12">
+          <p:cNvPr id="33" name="Freeform 12">
             <a:extLst>
               <a:ext uri="{FF2B5EF4-FFF2-40B4-BE49-F238E27FC236}">
                 <a16:creationId xmlns:a16="http://schemas.microsoft.com/office/drawing/2014/main" id="{8A8B2820-6B8F-4C19-BFC5-D28EE44E54CB}"/>
@@ -11529,7 +13034,7 @@
       </p:sp>
       <p:sp>
         <p:nvSpPr>
-          <p:cNvPr id="16" name="Freeform: Shape 15">
+          <p:cNvPr id="35" name="Freeform: Shape 34">
             <a:extLst>
               <a:ext uri="{FF2B5EF4-FFF2-40B4-BE49-F238E27FC236}">
                 <a16:creationId xmlns:a16="http://schemas.microsoft.com/office/drawing/2014/main" id="{DCA45AB7-441E-40A8-A98B-557D68F48A48}"/>
@@ -11621,7 +13126,7 @@
       </p:sp>
       <p:sp>
         <p:nvSpPr>
-          <p:cNvPr id="18" name="Freeform: Shape 17">
+          <p:cNvPr id="37" name="Freeform: Shape 36">
             <a:extLst>
               <a:ext uri="{FF2B5EF4-FFF2-40B4-BE49-F238E27FC236}">
                 <a16:creationId xmlns:a16="http://schemas.microsoft.com/office/drawing/2014/main" id="{5F516030-4F00-4C48-AD93-91EFA17A1AC3}"/>
@@ -11735,7 +13240,7 @@
       </p:sp>
       <p:sp>
         <p:nvSpPr>
-          <p:cNvPr id="20" name="Freeform: Shape 19">
+          <p:cNvPr id="39" name="Freeform: Shape 38">
             <a:extLst>
               <a:ext uri="{FF2B5EF4-FFF2-40B4-BE49-F238E27FC236}">
                 <a16:creationId xmlns:a16="http://schemas.microsoft.com/office/drawing/2014/main" id="{5820085E-2582-4A95-98EE-45DFFD5C017C}"/>
@@ -11814,7 +13319,7 @@
           <p:cNvPr id="3" name="Tartalom helye 2">
             <a:extLst>
               <a:ext uri="{FF2B5EF4-FFF2-40B4-BE49-F238E27FC236}">
-                <a16:creationId xmlns:a16="http://schemas.microsoft.com/office/drawing/2014/main" id="{E01DBA7A-B8FE-4A27-A207-12C1252BBA44}"/>
+                <a16:creationId xmlns:a16="http://schemas.microsoft.com/office/drawing/2014/main" id="{78132BA2-3286-410E-9CCF-A434C3B45F5E}"/>
               </a:ext>
             </a:extLst>
           </p:cNvPr>
@@ -11827,8 +13332,8 @@
         </p:nvSpPr>
         <p:spPr>
           <a:xfrm>
-            <a:off x="3613237" y="2839605"/>
-            <a:ext cx="7200236" cy="2712842"/>
+            <a:off x="3613237" y="2582863"/>
+            <a:ext cx="7200236" cy="2969584"/>
           </a:xfrm>
         </p:spPr>
         <p:txBody>
@@ -11837,14 +13342,2294 @@
           </a:bodyPr>
           <a:lstStyle/>
           <a:p>
-            <a:endParaRPr lang="hu-HU" sz="1800"/>
+            <a:r>
+              <a:rPr lang="hu-HU" dirty="0"/>
+              <a:t>CPU implementáció – C++</a:t>
+            </a:r>
+          </a:p>
+          <a:p>
+            <a:r>
+              <a:rPr lang="hu-HU" dirty="0"/>
+              <a:t>Megjelenítés – </a:t>
+            </a:r>
+            <a:r>
+              <a:rPr lang="hu-HU" dirty="0" err="1"/>
+              <a:t>OpenGL</a:t>
+            </a:r>
+            <a:endParaRPr lang="hu-HU" dirty="0"/>
+          </a:p>
+          <a:p>
+            <a:endParaRPr lang="hu-HU" dirty="0"/>
+          </a:p>
+          <a:p>
+            <a:r>
+              <a:rPr lang="hu-HU" dirty="0"/>
+              <a:t>Egyszálon, párhuzamosság nélkül</a:t>
+            </a:r>
+          </a:p>
+          <a:p>
+            <a:r>
+              <a:rPr lang="hu-HU" dirty="0"/>
+              <a:t>Szimulációs lépések, részecskékként sorban</a:t>
+            </a:r>
           </a:p>
         </p:txBody>
       </p:sp>
     </p:spTree>
     <p:extLst>
       <p:ext uri="{BB962C8B-B14F-4D97-AF65-F5344CB8AC3E}">
-        <p14:creationId xmlns:p14="http://schemas.microsoft.com/office/powerpoint/2010/main" val="4084400030"/>
+        <p14:creationId xmlns:p14="http://schemas.microsoft.com/office/powerpoint/2010/main" val="3864130024"/>
+      </p:ext>
+    </p:extLst>
+  </p:cSld>
+  <p:clrMapOvr>
+    <a:masterClrMapping/>
+  </p:clrMapOvr>
+</p:sld>
+</file>
+
+<file path=ppt/slides/slide7.xml><?xml version="1.0" encoding="utf-8"?>
+<p:sld xmlns:a="http://schemas.openxmlformats.org/drawingml/2006/main" xmlns:r="http://schemas.openxmlformats.org/officeDocument/2006/relationships" xmlns:p="http://schemas.openxmlformats.org/presentationml/2006/main">
+  <p:cSld>
+    <p:bg>
+      <p:bgPr>
+        <a:blipFill rotWithShape="1">
+          <a:blip r:embed="rId2">
+            <a:duotone>
+              <a:schemeClr val="bg2">
+                <a:shade val="76000"/>
+                <a:satMod val="180000"/>
+              </a:schemeClr>
+              <a:schemeClr val="bg2">
+                <a:tint val="80000"/>
+                <a:satMod val="120000"/>
+                <a:lumMod val="180000"/>
+              </a:schemeClr>
+            </a:duotone>
+            <a:extLst/>
+          </a:blip>
+          <a:stretch/>
+        </a:blipFill>
+        <a:effectLst/>
+      </p:bgPr>
+    </p:bg>
+    <p:spTree>
+      <p:nvGrpSpPr>
+        <p:cNvPr id="1" name=""/>
+        <p:cNvGrpSpPr/>
+        <p:nvPr/>
+      </p:nvGrpSpPr>
+      <p:grpSpPr>
+        <a:xfrm>
+          <a:off x="0" y="0"/>
+          <a:ext cx="0" cy="0"/>
+          <a:chOff x="0" y="0"/>
+          <a:chExt cx="0" cy="0"/>
+        </a:xfrm>
+      </p:grpSpPr>
+      <p:sp useBgFill="1">
+        <p:nvSpPr>
+          <p:cNvPr id="27" name="Rectangle 26">
+            <a:extLst>
+              <a:ext uri="{FF2B5EF4-FFF2-40B4-BE49-F238E27FC236}">
+                <a16:creationId xmlns:a16="http://schemas.microsoft.com/office/drawing/2014/main" id="{99CAC3B1-4879-424D-8F15-206277196159}"/>
+              </a:ext>
+              <a:ext uri="{C183D7F6-B498-43B3-948B-1728B52AA6E4}">
+                <adec:decorative xmlns:adec="http://schemas.microsoft.com/office/drawing/2017/decorative" val="1"/>
+              </a:ext>
+            </a:extLst>
+          </p:cNvPr>
+          <p:cNvSpPr>
+            <a:spLocks noGrp="1" noRot="1" noChangeAspect="1" noMove="1" noResize="1" noEditPoints="1" noAdjustHandles="1" noChangeArrowheads="1" noChangeShapeType="1" noTextEdit="1"/>
+          </p:cNvSpPr>
+          <p:nvPr>
+            <p:extLst>
+              <p:ext uri="{386F3935-93C4-4BCD-93E2-E3B085C9AB24}">
+                <p16:designElem xmlns:p16="http://schemas.microsoft.com/office/powerpoint/2015/main" val="1"/>
+              </p:ext>
+            </p:extLst>
+          </p:nvPr>
+        </p:nvSpPr>
+        <p:spPr>
+          <a:xfrm>
+            <a:off x="0" y="0"/>
+            <a:ext cx="12192000" cy="6858000"/>
+          </a:xfrm>
+          <a:prstGeom prst="rect">
+            <a:avLst/>
+          </a:prstGeom>
+          <a:ln>
+            <a:noFill/>
+          </a:ln>
+        </p:spPr>
+        <p:style>
+          <a:lnRef idx="2">
+            <a:schemeClr val="accent1">
+              <a:shade val="50000"/>
+            </a:schemeClr>
+          </a:lnRef>
+          <a:fillRef idx="1">
+            <a:schemeClr val="accent1"/>
+          </a:fillRef>
+          <a:effectRef idx="0">
+            <a:schemeClr val="accent1"/>
+          </a:effectRef>
+          <a:fontRef idx="minor">
+            <a:schemeClr val="lt1"/>
+          </a:fontRef>
+        </p:style>
+        <p:txBody>
+          <a:bodyPr rtlCol="0" anchor="ctr"/>
+          <a:lstStyle/>
+          <a:p>
+            <a:pPr algn="ctr"/>
+            <a:endParaRPr lang="en-US"/>
+          </a:p>
+        </p:txBody>
+      </p:sp>
+      <p:sp>
+        <p:nvSpPr>
+          <p:cNvPr id="2" name="Cím 1">
+            <a:extLst>
+              <a:ext uri="{FF2B5EF4-FFF2-40B4-BE49-F238E27FC236}">
+                <a16:creationId xmlns:a16="http://schemas.microsoft.com/office/drawing/2014/main" id="{5DA11877-A9A0-4817-90DC-56BC68128C8C}"/>
+              </a:ext>
+            </a:extLst>
+          </p:cNvPr>
+          <p:cNvSpPr>
+            <a:spLocks noGrp="1"/>
+          </p:cNvSpPr>
+          <p:nvPr>
+            <p:ph type="title"/>
+          </p:nvPr>
+        </p:nvSpPr>
+        <p:spPr>
+          <a:xfrm>
+            <a:off x="3618200" y="852055"/>
+            <a:ext cx="7257455" cy="938645"/>
+          </a:xfrm>
+        </p:spPr>
+        <p:txBody>
+          <a:bodyPr>
+            <a:normAutofit/>
+          </a:bodyPr>
+          <a:lstStyle/>
+          <a:p>
+            <a:r>
+              <a:rPr lang="hu-HU" sz="3600" dirty="0"/>
+              <a:t>Elméleti háttér</a:t>
+            </a:r>
+          </a:p>
+        </p:txBody>
+      </p:sp>
+      <p:sp>
+        <p:nvSpPr>
+          <p:cNvPr id="29" name="Freeform 6">
+            <a:extLst>
+              <a:ext uri="{FF2B5EF4-FFF2-40B4-BE49-F238E27FC236}">
+                <a16:creationId xmlns:a16="http://schemas.microsoft.com/office/drawing/2014/main" id="{E34CC1C8-EBDD-4AEA-83E6-B27575B62E2E}"/>
+              </a:ext>
+              <a:ext uri="{C183D7F6-B498-43B3-948B-1728B52AA6E4}">
+                <adec:decorative xmlns:adec="http://schemas.microsoft.com/office/drawing/2017/decorative" val="1"/>
+              </a:ext>
+            </a:extLst>
+          </p:cNvPr>
+          <p:cNvSpPr>
+            <a:spLocks noGrp="1" noRot="1" noChangeAspect="1" noMove="1" noResize="1" noEditPoints="1" noAdjustHandles="1" noChangeArrowheads="1" noChangeShapeType="1" noTextEdit="1"/>
+          </p:cNvSpPr>
+          <p:nvPr>
+            <p:extLst>
+              <p:ext uri="{386F3935-93C4-4BCD-93E2-E3B085C9AB24}">
+                <p16:designElem xmlns:p16="http://schemas.microsoft.com/office/powerpoint/2015/main" val="1"/>
+              </p:ext>
+            </p:extLst>
+          </p:nvPr>
+        </p:nvSpPr>
+        <p:spPr bwMode="auto">
+          <a:xfrm flipH="1">
+            <a:off x="1649700" y="0"/>
+            <a:ext cx="1063625" cy="2782888"/>
+          </a:xfrm>
+          <a:custGeom>
+            <a:avLst/>
+            <a:gdLst/>
+            <a:ahLst/>
+            <a:cxnLst/>
+            <a:rect l="0" t="0" r="r" b="b"/>
+            <a:pathLst>
+              <a:path w="670" h="1753">
+                <a:moveTo>
+                  <a:pt x="0" y="1696"/>
+                </a:moveTo>
+                <a:lnTo>
+                  <a:pt x="225" y="1753"/>
+                </a:lnTo>
+                <a:lnTo>
+                  <a:pt x="670" y="0"/>
+                </a:lnTo>
+                <a:lnTo>
+                  <a:pt x="430" y="0"/>
+                </a:lnTo>
+                <a:lnTo>
+                  <a:pt x="0" y="1696"/>
+                </a:lnTo>
+                <a:close/>
+              </a:path>
+            </a:pathLst>
+          </a:custGeom>
+          <a:solidFill>
+            <a:schemeClr val="accent1"/>
+          </a:solidFill>
+          <a:ln>
+            <a:noFill/>
+          </a:ln>
+        </p:spPr>
+      </p:sp>
+      <p:sp>
+        <p:nvSpPr>
+          <p:cNvPr id="31" name="Freeform 7">
+            <a:extLst>
+              <a:ext uri="{FF2B5EF4-FFF2-40B4-BE49-F238E27FC236}">
+                <a16:creationId xmlns:a16="http://schemas.microsoft.com/office/drawing/2014/main" id="{D6B38644-B85D-4211-9526-5B4C2A662BF7}"/>
+              </a:ext>
+              <a:ext uri="{C183D7F6-B498-43B3-948B-1728B52AA6E4}">
+                <adec:decorative xmlns:adec="http://schemas.microsoft.com/office/drawing/2017/decorative" val="1"/>
+              </a:ext>
+            </a:extLst>
+          </p:cNvPr>
+          <p:cNvSpPr>
+            <a:spLocks noGrp="1" noRot="1" noChangeAspect="1" noMove="1" noResize="1" noEditPoints="1" noAdjustHandles="1" noChangeArrowheads="1" noChangeShapeType="1" noTextEdit="1"/>
+          </p:cNvSpPr>
+          <p:nvPr>
+            <p:extLst>
+              <p:ext uri="{386F3935-93C4-4BCD-93E2-E3B085C9AB24}">
+                <p16:designElem xmlns:p16="http://schemas.microsoft.com/office/powerpoint/2015/main" val="1"/>
+              </p:ext>
+            </p:extLst>
+          </p:nvPr>
+        </p:nvSpPr>
+        <p:spPr bwMode="auto">
+          <a:xfrm flipH="1">
+            <a:off x="2116425" y="0"/>
+            <a:ext cx="1035050" cy="2673350"/>
+          </a:xfrm>
+          <a:custGeom>
+            <a:avLst/>
+            <a:gdLst/>
+            <a:ahLst/>
+            <a:cxnLst/>
+            <a:rect l="0" t="0" r="r" b="b"/>
+            <a:pathLst>
+              <a:path w="652" h="1684">
+                <a:moveTo>
+                  <a:pt x="225" y="1684"/>
+                </a:moveTo>
+                <a:lnTo>
+                  <a:pt x="652" y="0"/>
+                </a:lnTo>
+                <a:lnTo>
+                  <a:pt x="411" y="0"/>
+                </a:lnTo>
+                <a:lnTo>
+                  <a:pt x="0" y="1627"/>
+                </a:lnTo>
+                <a:lnTo>
+                  <a:pt x="219" y="1681"/>
+                </a:lnTo>
+                <a:lnTo>
+                  <a:pt x="225" y="1684"/>
+                </a:lnTo>
+                <a:close/>
+              </a:path>
+            </a:pathLst>
+          </a:custGeom>
+          <a:solidFill>
+            <a:srgbClr val="595959"/>
+          </a:solidFill>
+          <a:ln>
+            <a:noFill/>
+          </a:ln>
+        </p:spPr>
+      </p:sp>
+      <p:sp>
+        <p:nvSpPr>
+          <p:cNvPr id="33" name="Freeform 12">
+            <a:extLst>
+              <a:ext uri="{FF2B5EF4-FFF2-40B4-BE49-F238E27FC236}">
+                <a16:creationId xmlns:a16="http://schemas.microsoft.com/office/drawing/2014/main" id="{8A8B2820-6B8F-4C19-BFC5-D28EE44E54CB}"/>
+              </a:ext>
+              <a:ext uri="{C183D7F6-B498-43B3-948B-1728B52AA6E4}">
+                <adec:decorative xmlns:adec="http://schemas.microsoft.com/office/drawing/2017/decorative" val="1"/>
+              </a:ext>
+            </a:extLst>
+          </p:cNvPr>
+          <p:cNvSpPr>
+            <a:spLocks noGrp="1" noRot="1" noChangeAspect="1" noMove="1" noResize="1" noEditPoints="1" noAdjustHandles="1" noChangeArrowheads="1" noChangeShapeType="1" noTextEdit="1"/>
+          </p:cNvSpPr>
+          <p:nvPr>
+            <p:extLst>
+              <p:ext uri="{386F3935-93C4-4BCD-93E2-E3B085C9AB24}">
+                <p16:designElem xmlns:p16="http://schemas.microsoft.com/office/powerpoint/2015/main" val="1"/>
+              </p:ext>
+            </p:extLst>
+          </p:nvPr>
+        </p:nvSpPr>
+        <p:spPr bwMode="auto">
+          <a:xfrm flipH="1">
+            <a:off x="457487" y="2587625"/>
+            <a:ext cx="2693987" cy="4270375"/>
+          </a:xfrm>
+          <a:custGeom>
+            <a:avLst/>
+            <a:gdLst/>
+            <a:ahLst/>
+            <a:cxnLst/>
+            <a:rect l="0" t="0" r="r" b="b"/>
+            <a:pathLst>
+              <a:path w="1697" h="2693">
+                <a:moveTo>
+                  <a:pt x="0" y="0"/>
+                </a:moveTo>
+                <a:lnTo>
+                  <a:pt x="1622" y="2693"/>
+                </a:lnTo>
+                <a:lnTo>
+                  <a:pt x="1697" y="2693"/>
+                </a:lnTo>
+                <a:lnTo>
+                  <a:pt x="0" y="0"/>
+                </a:lnTo>
+                <a:close/>
+              </a:path>
+            </a:pathLst>
+          </a:custGeom>
+          <a:solidFill>
+            <a:srgbClr val="262626"/>
+          </a:solidFill>
+          <a:ln>
+            <a:noFill/>
+          </a:ln>
+        </p:spPr>
+      </p:sp>
+      <p:sp>
+        <p:nvSpPr>
+          <p:cNvPr id="35" name="Freeform: Shape 34">
+            <a:extLst>
+              <a:ext uri="{FF2B5EF4-FFF2-40B4-BE49-F238E27FC236}">
+                <a16:creationId xmlns:a16="http://schemas.microsoft.com/office/drawing/2014/main" id="{DCA45AB7-441E-40A8-A98B-557D68F48A48}"/>
+              </a:ext>
+              <a:ext uri="{C183D7F6-B498-43B3-948B-1728B52AA6E4}">
+                <adec:decorative xmlns:adec="http://schemas.microsoft.com/office/drawing/2017/decorative" val="1"/>
+              </a:ext>
+            </a:extLst>
+          </p:cNvPr>
+          <p:cNvSpPr>
+            <a:spLocks noGrp="1" noRot="1" noChangeAspect="1" noMove="1" noResize="1" noEditPoints="1" noAdjustHandles="1" noChangeArrowheads="1" noChangeShapeType="1" noTextEdit="1"/>
+          </p:cNvSpPr>
+          <p:nvPr>
+            <p:extLst>
+              <p:ext uri="{386F3935-93C4-4BCD-93E2-E3B085C9AB24}">
+                <p16:designElem xmlns:p16="http://schemas.microsoft.com/office/powerpoint/2015/main" val="1"/>
+              </p:ext>
+            </p:extLst>
+          </p:nvPr>
+        </p:nvSpPr>
+        <p:spPr bwMode="auto">
+          <a:xfrm flipH="1">
+            <a:off x="1" y="2692400"/>
+            <a:ext cx="2713324" cy="3390788"/>
+          </a:xfrm>
+          <a:custGeom>
+            <a:avLst/>
+            <a:gdLst>
+              <a:gd name="connsiteX0" fmla="*/ 0 w 2713324"/>
+              <a:gd name="connsiteY0" fmla="*/ 0 h 3390788"/>
+              <a:gd name="connsiteX1" fmla="*/ 4763 w 2713324"/>
+              <a:gd name="connsiteY1" fmla="*/ 4763 h 3390788"/>
+              <a:gd name="connsiteX2" fmla="*/ 2713324 w 2713324"/>
+              <a:gd name="connsiteY2" fmla="*/ 3390788 h 3390788"/>
+              <a:gd name="connsiteX3" fmla="*/ 2713324 w 2713324"/>
+              <a:gd name="connsiteY3" fmla="*/ 2368619 h 3390788"/>
+              <a:gd name="connsiteX4" fmla="*/ 357188 w 2713324"/>
+              <a:gd name="connsiteY4" fmla="*/ 90488 h 3390788"/>
+            </a:gdLst>
+            <a:ahLst/>
+            <a:cxnLst>
+              <a:cxn ang="0">
+                <a:pos x="connsiteX0" y="connsiteY0"/>
+              </a:cxn>
+              <a:cxn ang="0">
+                <a:pos x="connsiteX1" y="connsiteY1"/>
+              </a:cxn>
+              <a:cxn ang="0">
+                <a:pos x="connsiteX2" y="connsiteY2"/>
+              </a:cxn>
+              <a:cxn ang="0">
+                <a:pos x="connsiteX3" y="connsiteY3"/>
+              </a:cxn>
+              <a:cxn ang="0">
+                <a:pos x="connsiteX4" y="connsiteY4"/>
+              </a:cxn>
+            </a:cxnLst>
+            <a:rect l="l" t="t" r="r" b="b"/>
+            <a:pathLst>
+              <a:path w="2713324" h="3390788">
+                <a:moveTo>
+                  <a:pt x="0" y="0"/>
+                </a:moveTo>
+                <a:lnTo>
+                  <a:pt x="4763" y="4763"/>
+                </a:lnTo>
+                <a:lnTo>
+                  <a:pt x="2713324" y="3390788"/>
+                </a:lnTo>
+                <a:lnTo>
+                  <a:pt x="2713324" y="2368619"/>
+                </a:lnTo>
+                <a:lnTo>
+                  <a:pt x="357188" y="90488"/>
+                </a:lnTo>
+                <a:close/>
+              </a:path>
+            </a:pathLst>
+          </a:custGeom>
+          <a:solidFill>
+            <a:schemeClr val="accent1">
+              <a:lumMod val="75000"/>
+            </a:schemeClr>
+          </a:solidFill>
+          <a:ln>
+            <a:noFill/>
+          </a:ln>
+        </p:spPr>
+      </p:sp>
+      <p:sp>
+        <p:nvSpPr>
+          <p:cNvPr id="37" name="Freeform: Shape 36">
+            <a:extLst>
+              <a:ext uri="{FF2B5EF4-FFF2-40B4-BE49-F238E27FC236}">
+                <a16:creationId xmlns:a16="http://schemas.microsoft.com/office/drawing/2014/main" id="{5F516030-4F00-4C48-AD93-91EFA17A1AC3}"/>
+              </a:ext>
+              <a:ext uri="{C183D7F6-B498-43B3-948B-1728B52AA6E4}">
+                <adec:decorative xmlns:adec="http://schemas.microsoft.com/office/drawing/2017/decorative" val="1"/>
+              </a:ext>
+            </a:extLst>
+          </p:cNvPr>
+          <p:cNvSpPr>
+            <a:spLocks noGrp="1" noRot="1" noChangeAspect="1" noMove="1" noResize="1" noEditPoints="1" noAdjustHandles="1" noChangeArrowheads="1" noChangeShapeType="1" noTextEdit="1"/>
+          </p:cNvSpPr>
+          <p:nvPr>
+            <p:extLst>
+              <p:ext uri="{386F3935-93C4-4BCD-93E2-E3B085C9AB24}">
+                <p16:designElem xmlns:p16="http://schemas.microsoft.com/office/powerpoint/2015/main" val="1"/>
+              </p:ext>
+            </p:extLst>
+          </p:nvPr>
+        </p:nvSpPr>
+        <p:spPr bwMode="auto">
+          <a:xfrm flipH="1">
+            <a:off x="0" y="2582863"/>
+            <a:ext cx="3151474" cy="4275137"/>
+          </a:xfrm>
+          <a:custGeom>
+            <a:avLst/>
+            <a:gdLst>
+              <a:gd name="connsiteX0" fmla="*/ 0 w 3151474"/>
+              <a:gd name="connsiteY0" fmla="*/ 0 h 4275137"/>
+              <a:gd name="connsiteX1" fmla="*/ 0 w 3151474"/>
+              <a:gd name="connsiteY1" fmla="*/ 4757 h 4275137"/>
+              <a:gd name="connsiteX2" fmla="*/ 2693987 w 3151474"/>
+              <a:gd name="connsiteY2" fmla="*/ 4275137 h 4275137"/>
+              <a:gd name="connsiteX3" fmla="*/ 3151474 w 3151474"/>
+              <a:gd name="connsiteY3" fmla="*/ 4275137 h 4275137"/>
+              <a:gd name="connsiteX4" fmla="*/ 3151474 w 3151474"/>
+              <a:gd name="connsiteY4" fmla="*/ 3714295 h 4275137"/>
+              <a:gd name="connsiteX5" fmla="*/ 419100 w 3151474"/>
+              <a:gd name="connsiteY5" fmla="*/ 176017 h 4275137"/>
+              <a:gd name="connsiteX6" fmla="*/ 361950 w 3151474"/>
+              <a:gd name="connsiteY6" fmla="*/ 95144 h 4275137"/>
+              <a:gd name="connsiteX7" fmla="*/ 357188 w 3151474"/>
+              <a:gd name="connsiteY7" fmla="*/ 90387 h 4275137"/>
+            </a:gdLst>
+            <a:ahLst/>
+            <a:cxnLst>
+              <a:cxn ang="0">
+                <a:pos x="connsiteX0" y="connsiteY0"/>
+              </a:cxn>
+              <a:cxn ang="0">
+                <a:pos x="connsiteX1" y="connsiteY1"/>
+              </a:cxn>
+              <a:cxn ang="0">
+                <a:pos x="connsiteX2" y="connsiteY2"/>
+              </a:cxn>
+              <a:cxn ang="0">
+                <a:pos x="connsiteX3" y="connsiteY3"/>
+              </a:cxn>
+              <a:cxn ang="0">
+                <a:pos x="connsiteX4" y="connsiteY4"/>
+              </a:cxn>
+              <a:cxn ang="0">
+                <a:pos x="connsiteX5" y="connsiteY5"/>
+              </a:cxn>
+              <a:cxn ang="0">
+                <a:pos x="connsiteX6" y="connsiteY6"/>
+              </a:cxn>
+              <a:cxn ang="0">
+                <a:pos x="connsiteX7" y="connsiteY7"/>
+              </a:cxn>
+            </a:cxnLst>
+            <a:rect l="l" t="t" r="r" b="b"/>
+            <a:pathLst>
+              <a:path w="3151474" h="4275137">
+                <a:moveTo>
+                  <a:pt x="0" y="0"/>
+                </a:moveTo>
+                <a:lnTo>
+                  <a:pt x="0" y="4757"/>
+                </a:lnTo>
+                <a:lnTo>
+                  <a:pt x="2693987" y="4275137"/>
+                </a:lnTo>
+                <a:lnTo>
+                  <a:pt x="3151474" y="4275137"/>
+                </a:lnTo>
+                <a:lnTo>
+                  <a:pt x="3151474" y="3714295"/>
+                </a:lnTo>
+                <a:lnTo>
+                  <a:pt x="419100" y="176017"/>
+                </a:lnTo>
+                <a:lnTo>
+                  <a:pt x="361950" y="95144"/>
+                </a:lnTo>
+                <a:lnTo>
+                  <a:pt x="357188" y="90387"/>
+                </a:lnTo>
+                <a:close/>
+              </a:path>
+            </a:pathLst>
+          </a:custGeom>
+          <a:solidFill>
+            <a:srgbClr val="404040"/>
+          </a:solidFill>
+          <a:ln>
+            <a:noFill/>
+          </a:ln>
+        </p:spPr>
+      </p:sp>
+      <p:sp>
+        <p:nvSpPr>
+          <p:cNvPr id="39" name="Freeform: Shape 38">
+            <a:extLst>
+              <a:ext uri="{FF2B5EF4-FFF2-40B4-BE49-F238E27FC236}">
+                <a16:creationId xmlns:a16="http://schemas.microsoft.com/office/drawing/2014/main" id="{5820085E-2582-4A95-98EE-45DFFD5C017C}"/>
+              </a:ext>
+              <a:ext uri="{C183D7F6-B498-43B3-948B-1728B52AA6E4}">
+                <adec:decorative xmlns:adec="http://schemas.microsoft.com/office/drawing/2017/decorative" val="1"/>
+              </a:ext>
+            </a:extLst>
+          </p:cNvPr>
+          <p:cNvSpPr>
+            <a:spLocks noGrp="1" noRot="1" noChangeAspect="1" noMove="1" noResize="1" noEditPoints="1" noAdjustHandles="1" noChangeArrowheads="1" noChangeShapeType="1" noTextEdit="1"/>
+          </p:cNvSpPr>
+          <p:nvPr>
+            <p:extLst>
+              <p:ext uri="{386F3935-93C4-4BCD-93E2-E3B085C9AB24}">
+                <p16:designElem xmlns:p16="http://schemas.microsoft.com/office/powerpoint/2015/main" val="1"/>
+              </p:ext>
+            </p:extLst>
+          </p:nvPr>
+        </p:nvSpPr>
+        <p:spPr bwMode="auto">
+          <a:xfrm flipH="1">
+            <a:off x="0" y="2697164"/>
+            <a:ext cx="2706398" cy="3513899"/>
+          </a:xfrm>
+          <a:custGeom>
+            <a:avLst/>
+            <a:gdLst>
+              <a:gd name="connsiteX0" fmla="*/ 0 w 2706398"/>
+              <a:gd name="connsiteY0" fmla="*/ 0 h 3513899"/>
+              <a:gd name="connsiteX1" fmla="*/ 2706398 w 2706398"/>
+              <a:gd name="connsiteY1" fmla="*/ 3513899 h 3513899"/>
+              <a:gd name="connsiteX2" fmla="*/ 2706398 w 2706398"/>
+              <a:gd name="connsiteY2" fmla="*/ 3383321 h 3513899"/>
+            </a:gdLst>
+            <a:ahLst/>
+            <a:cxnLst>
+              <a:cxn ang="0">
+                <a:pos x="connsiteX0" y="connsiteY0"/>
+              </a:cxn>
+              <a:cxn ang="0">
+                <a:pos x="connsiteX1" y="connsiteY1"/>
+              </a:cxn>
+              <a:cxn ang="0">
+                <a:pos x="connsiteX2" y="connsiteY2"/>
+              </a:cxn>
+            </a:cxnLst>
+            <a:rect l="l" t="t" r="r" b="b"/>
+            <a:pathLst>
+              <a:path w="2706398" h="3513899">
+                <a:moveTo>
+                  <a:pt x="0" y="0"/>
+                </a:moveTo>
+                <a:lnTo>
+                  <a:pt x="2706398" y="3513899"/>
+                </a:lnTo>
+                <a:lnTo>
+                  <a:pt x="2706398" y="3383321"/>
+                </a:lnTo>
+                <a:close/>
+              </a:path>
+            </a:pathLst>
+          </a:custGeom>
+          <a:solidFill>
+            <a:schemeClr val="accent1">
+              <a:lumMod val="50000"/>
+            </a:schemeClr>
+          </a:solidFill>
+          <a:ln>
+            <a:noFill/>
+          </a:ln>
+        </p:spPr>
+      </p:sp>
+      <p:sp>
+        <p:nvSpPr>
+          <p:cNvPr id="3" name="Tartalom helye 2">
+            <a:extLst>
+              <a:ext uri="{FF2B5EF4-FFF2-40B4-BE49-F238E27FC236}">
+                <a16:creationId xmlns:a16="http://schemas.microsoft.com/office/drawing/2014/main" id="{C34A9B82-54EE-479C-9932-69C0475156D6}"/>
+              </a:ext>
+            </a:extLst>
+          </p:cNvPr>
+          <p:cNvSpPr>
+            <a:spLocks noGrp="1"/>
+          </p:cNvSpPr>
+          <p:nvPr>
+            <p:ph idx="1"/>
+          </p:nvPr>
+        </p:nvSpPr>
+        <p:spPr>
+          <a:xfrm>
+            <a:off x="3613237" y="2066925"/>
+            <a:ext cx="7200236" cy="3485522"/>
+          </a:xfrm>
+        </p:spPr>
+        <p:txBody>
+          <a:bodyPr anchor="t">
+            <a:normAutofit/>
+          </a:bodyPr>
+          <a:lstStyle/>
+          <a:p>
+            <a:r>
+              <a:rPr lang="hu-HU" dirty="0"/>
+              <a:t>Szomszédos részecskék vizsgálata</a:t>
+            </a:r>
+          </a:p>
+          <a:p>
+            <a:r>
+              <a:rPr lang="hu-HU" dirty="0"/>
+              <a:t>Téralapú </a:t>
+            </a:r>
+            <a:r>
+              <a:rPr lang="hu-HU" dirty="0" err="1"/>
+              <a:t>hash-elés</a:t>
+            </a:r>
+            <a:endParaRPr lang="hu-HU" dirty="0"/>
+          </a:p>
+          <a:p>
+            <a:r>
+              <a:rPr lang="hu-HU" dirty="0" err="1"/>
+              <a:t>Leap</a:t>
+            </a:r>
+            <a:r>
+              <a:rPr lang="hu-HU" dirty="0"/>
+              <a:t> </a:t>
+            </a:r>
+            <a:r>
+              <a:rPr lang="hu-HU" dirty="0" err="1"/>
+              <a:t>Frog</a:t>
+            </a:r>
+            <a:r>
+              <a:rPr lang="hu-HU" dirty="0"/>
+              <a:t> </a:t>
+            </a:r>
+            <a:r>
+              <a:rPr lang="hu-HU" dirty="0" err="1"/>
+              <a:t>Integrator</a:t>
+            </a:r>
+            <a:endParaRPr lang="hu-HU" dirty="0"/>
+          </a:p>
+        </p:txBody>
+      </p:sp>
+      <p:pic>
+        <p:nvPicPr>
+          <p:cNvPr id="11" name="Kép 10" descr="A képen objektum látható&#10;&#10;Automatikusan generált leírás">
+            <a:extLst>
+              <a:ext uri="{FF2B5EF4-FFF2-40B4-BE49-F238E27FC236}">
+                <a16:creationId xmlns:a16="http://schemas.microsoft.com/office/drawing/2014/main" id="{E7298662-BE48-4910-8D5A-BC4440F3527C}"/>
+              </a:ext>
+            </a:extLst>
+          </p:cNvPr>
+          <p:cNvPicPr>
+            <a:picLocks noChangeAspect="1"/>
+          </p:cNvPicPr>
+          <p:nvPr/>
+        </p:nvPicPr>
+        <p:blipFill>
+          <a:blip r:embed="rId3">
+            <a:extLst>
+              <a:ext uri="{28A0092B-C50C-407E-A947-70E740481C1C}">
+                <a14:useLocalDpi xmlns:a14="http://schemas.microsoft.com/office/drawing/2010/main" val="0"/>
+              </a:ext>
+            </a:extLst>
+          </a:blip>
+          <a:stretch>
+            <a:fillRect/>
+          </a:stretch>
+        </p:blipFill>
+        <p:spPr>
+          <a:xfrm>
+            <a:off x="7213355" y="3111384"/>
+            <a:ext cx="4631055" cy="1609047"/>
+          </a:xfrm>
+          <a:prstGeom prst="rect">
+            <a:avLst/>
+          </a:prstGeom>
+          <a:ln>
+            <a:noFill/>
+          </a:ln>
+          <a:effectLst>
+            <a:outerShdw blurRad="190500" algn="tl" rotWithShape="0">
+              <a:srgbClr val="000000">
+                <a:alpha val="70000"/>
+              </a:srgbClr>
+            </a:outerShdw>
+          </a:effectLst>
+        </p:spPr>
+      </p:pic>
+      <p:pic>
+        <p:nvPicPr>
+          <p:cNvPr id="15" name="Kép 14" descr="A képen objektum látható&#10;&#10;Automatikusan generált leírás">
+            <a:extLst>
+              <a:ext uri="{FF2B5EF4-FFF2-40B4-BE49-F238E27FC236}">
+                <a16:creationId xmlns:a16="http://schemas.microsoft.com/office/drawing/2014/main" id="{45C7D08D-F14E-4884-8B9E-694F038A2B10}"/>
+              </a:ext>
+            </a:extLst>
+          </p:cNvPr>
+          <p:cNvPicPr>
+            <a:picLocks noChangeAspect="1"/>
+          </p:cNvPicPr>
+          <p:nvPr/>
+        </p:nvPicPr>
+        <p:blipFill>
+          <a:blip r:embed="rId4">
+            <a:extLst>
+              <a:ext uri="{28A0092B-C50C-407E-A947-70E740481C1C}">
+                <a14:useLocalDpi xmlns:a14="http://schemas.microsoft.com/office/drawing/2010/main" val="0"/>
+              </a:ext>
+            </a:extLst>
+          </a:blip>
+          <a:stretch>
+            <a:fillRect/>
+          </a:stretch>
+        </p:blipFill>
+        <p:spPr>
+          <a:xfrm>
+            <a:off x="2181512" y="4756049"/>
+            <a:ext cx="4631055" cy="1357979"/>
+          </a:xfrm>
+          <a:prstGeom prst="rect">
+            <a:avLst/>
+          </a:prstGeom>
+          <a:ln>
+            <a:noFill/>
+          </a:ln>
+          <a:effectLst>
+            <a:outerShdw blurRad="190500" algn="tl" rotWithShape="0">
+              <a:srgbClr val="000000">
+                <a:alpha val="70000"/>
+              </a:srgbClr>
+            </a:outerShdw>
+          </a:effectLst>
+        </p:spPr>
+      </p:pic>
+    </p:spTree>
+    <p:extLst>
+      <p:ext uri="{BB962C8B-B14F-4D97-AF65-F5344CB8AC3E}">
+        <p14:creationId xmlns:p14="http://schemas.microsoft.com/office/powerpoint/2010/main" val="3812095674"/>
+      </p:ext>
+    </p:extLst>
+  </p:cSld>
+  <p:clrMapOvr>
+    <a:masterClrMapping/>
+  </p:clrMapOvr>
+</p:sld>
+</file>
+
+<file path=ppt/slides/slide8.xml><?xml version="1.0" encoding="utf-8"?>
+<p:sld xmlns:a="http://schemas.openxmlformats.org/drawingml/2006/main" xmlns:r="http://schemas.openxmlformats.org/officeDocument/2006/relationships" xmlns:p="http://schemas.openxmlformats.org/presentationml/2006/main">
+  <p:cSld>
+    <p:bg>
+      <p:bgPr>
+        <a:blipFill rotWithShape="1">
+          <a:blip r:embed="rId2">
+            <a:duotone>
+              <a:schemeClr val="bg2">
+                <a:shade val="76000"/>
+                <a:satMod val="180000"/>
+              </a:schemeClr>
+              <a:schemeClr val="bg2">
+                <a:tint val="80000"/>
+                <a:satMod val="120000"/>
+                <a:lumMod val="180000"/>
+              </a:schemeClr>
+            </a:duotone>
+            <a:extLst/>
+          </a:blip>
+          <a:stretch/>
+        </a:blipFill>
+        <a:effectLst/>
+      </p:bgPr>
+    </p:bg>
+    <p:spTree>
+      <p:nvGrpSpPr>
+        <p:cNvPr id="1" name=""/>
+        <p:cNvGrpSpPr/>
+        <p:nvPr/>
+      </p:nvGrpSpPr>
+      <p:grpSpPr>
+        <a:xfrm>
+          <a:off x="0" y="0"/>
+          <a:ext cx="0" cy="0"/>
+          <a:chOff x="0" y="0"/>
+          <a:chExt cx="0" cy="0"/>
+        </a:xfrm>
+      </p:grpSpPr>
+      <p:grpSp>
+        <p:nvGrpSpPr>
+          <p:cNvPr id="87" name="Group 76">
+            <a:extLst>
+              <a:ext uri="{FF2B5EF4-FFF2-40B4-BE49-F238E27FC236}">
+                <a16:creationId xmlns:a16="http://schemas.microsoft.com/office/drawing/2014/main" id="{4AC1ADCD-3609-4007-8C84-B8B2E73D4E79}"/>
+              </a:ext>
+              <a:ext uri="{C183D7F6-B498-43B3-948B-1728B52AA6E4}">
+                <adec:decorative xmlns:adec="http://schemas.microsoft.com/office/drawing/2017/decorative" val="1"/>
+              </a:ext>
+            </a:extLst>
+          </p:cNvPr>
+          <p:cNvGrpSpPr>
+            <a:grpSpLocks noGrp="1" noUngrp="1" noRot="1" noChangeAspect="1" noMove="1" noResize="1"/>
+          </p:cNvGrpSpPr>
+          <p:nvPr>
+            <p:extLst>
+              <p:ext uri="{386F3935-93C4-4BCD-93E2-E3B085C9AB24}">
+                <p16:designElem xmlns:p16="http://schemas.microsoft.com/office/powerpoint/2015/main" val="1"/>
+              </p:ext>
+            </p:extLst>
+          </p:nvPr>
+        </p:nvGrpSpPr>
+        <p:grpSpPr>
+          <a:xfrm>
+            <a:off x="150812" y="0"/>
+            <a:ext cx="2436813" cy="6858001"/>
+            <a:chOff x="1320800" y="0"/>
+            <a:chExt cx="2436813" cy="6858001"/>
+          </a:xfrm>
+        </p:grpSpPr>
+        <p:sp>
+          <p:nvSpPr>
+            <p:cNvPr id="78" name="Freeform 6">
+              <a:extLst>
+                <a:ext uri="{FF2B5EF4-FFF2-40B4-BE49-F238E27FC236}">
+                  <a16:creationId xmlns:a16="http://schemas.microsoft.com/office/drawing/2014/main" id="{CE37ED29-9D4F-48AD-921F-7E36B251A41C}"/>
+                </a:ext>
+                <a:ext uri="{C183D7F6-B498-43B3-948B-1728B52AA6E4}">
+                  <adec:decorative xmlns:adec="http://schemas.microsoft.com/office/drawing/2017/decorative" val="1"/>
+                </a:ext>
+              </a:extLst>
+            </p:cNvPr>
+            <p:cNvSpPr/>
+            <p:nvPr>
+              <p:extLst>
+                <p:ext uri="{386F3935-93C4-4BCD-93E2-E3B085C9AB24}">
+                  <p16:designElem xmlns:p16="http://schemas.microsoft.com/office/powerpoint/2015/main" val="1"/>
+                </p:ext>
+              </p:extLst>
+            </p:nvPr>
+          </p:nvSpPr>
+          <p:spPr bwMode="auto">
+            <a:xfrm>
+              <a:off x="1627188" y="0"/>
+              <a:ext cx="1122363" cy="5329238"/>
+            </a:xfrm>
+            <a:custGeom>
+              <a:avLst/>
+              <a:gdLst/>
+              <a:ahLst/>
+              <a:cxnLst/>
+              <a:rect l="0" t="0" r="r" b="b"/>
+              <a:pathLst>
+                <a:path w="707" h="3357">
+                  <a:moveTo>
+                    <a:pt x="0" y="3330"/>
+                  </a:moveTo>
+                  <a:lnTo>
+                    <a:pt x="156" y="3357"/>
+                  </a:lnTo>
+                  <a:lnTo>
+                    <a:pt x="707" y="0"/>
+                  </a:lnTo>
+                  <a:lnTo>
+                    <a:pt x="547" y="0"/>
+                  </a:lnTo>
+                  <a:lnTo>
+                    <a:pt x="0" y="3330"/>
+                  </a:lnTo>
+                  <a:close/>
+                </a:path>
+              </a:pathLst>
+            </a:custGeom>
+            <a:solidFill>
+              <a:schemeClr val="accent1"/>
+            </a:solidFill>
+            <a:ln>
+              <a:noFill/>
+            </a:ln>
+          </p:spPr>
+        </p:sp>
+        <p:sp>
+          <p:nvSpPr>
+            <p:cNvPr id="79" name="Freeform 7">
+              <a:extLst>
+                <a:ext uri="{FF2B5EF4-FFF2-40B4-BE49-F238E27FC236}">
+                  <a16:creationId xmlns:a16="http://schemas.microsoft.com/office/drawing/2014/main" id="{8B61C2FF-8AF0-4D82-9018-14D6779EEC5F}"/>
+                </a:ext>
+                <a:ext uri="{C183D7F6-B498-43B3-948B-1728B52AA6E4}">
+                  <adec:decorative xmlns:adec="http://schemas.microsoft.com/office/drawing/2017/decorative" val="1"/>
+                </a:ext>
+              </a:extLst>
+            </p:cNvPr>
+            <p:cNvSpPr/>
+            <p:nvPr>
+              <p:extLst>
+                <p:ext uri="{386F3935-93C4-4BCD-93E2-E3B085C9AB24}">
+                  <p16:designElem xmlns:p16="http://schemas.microsoft.com/office/powerpoint/2015/main" val="1"/>
+                </p:ext>
+              </p:extLst>
+            </p:nvPr>
+          </p:nvSpPr>
+          <p:spPr bwMode="auto">
+            <a:xfrm>
+              <a:off x="1320800" y="0"/>
+              <a:ext cx="1117600" cy="5276850"/>
+            </a:xfrm>
+            <a:custGeom>
+              <a:avLst/>
+              <a:gdLst/>
+              <a:ahLst/>
+              <a:cxnLst/>
+              <a:rect l="0" t="0" r="r" b="b"/>
+              <a:pathLst>
+                <a:path w="704" h="3324">
+                  <a:moveTo>
+                    <a:pt x="704" y="0"/>
+                  </a:moveTo>
+                  <a:lnTo>
+                    <a:pt x="545" y="0"/>
+                  </a:lnTo>
+                  <a:lnTo>
+                    <a:pt x="0" y="3300"/>
+                  </a:lnTo>
+                  <a:lnTo>
+                    <a:pt x="157" y="3324"/>
+                  </a:lnTo>
+                  <a:lnTo>
+                    <a:pt x="704" y="0"/>
+                  </a:lnTo>
+                  <a:close/>
+                </a:path>
+              </a:pathLst>
+            </a:custGeom>
+            <a:solidFill>
+              <a:schemeClr val="tx1">
+                <a:lumMod val="65000"/>
+                <a:lumOff val="35000"/>
+              </a:schemeClr>
+            </a:solidFill>
+            <a:ln>
+              <a:noFill/>
+            </a:ln>
+          </p:spPr>
+        </p:sp>
+        <p:sp>
+          <p:nvSpPr>
+            <p:cNvPr id="80" name="Freeform 8">
+              <a:extLst>
+                <a:ext uri="{FF2B5EF4-FFF2-40B4-BE49-F238E27FC236}">
+                  <a16:creationId xmlns:a16="http://schemas.microsoft.com/office/drawing/2014/main" id="{1BB92F4E-40F3-4289-B561-1320DEB73095}"/>
+                </a:ext>
+                <a:ext uri="{C183D7F6-B498-43B3-948B-1728B52AA6E4}">
+                  <adec:decorative xmlns:adec="http://schemas.microsoft.com/office/drawing/2017/decorative" val="1"/>
+                </a:ext>
+              </a:extLst>
+            </p:cNvPr>
+            <p:cNvSpPr/>
+            <p:nvPr>
+              <p:extLst>
+                <p:ext uri="{386F3935-93C4-4BCD-93E2-E3B085C9AB24}">
+                  <p16:designElem xmlns:p16="http://schemas.microsoft.com/office/powerpoint/2015/main" val="1"/>
+                </p:ext>
+              </p:extLst>
+            </p:nvPr>
+          </p:nvSpPr>
+          <p:spPr bwMode="auto">
+            <a:xfrm>
+              <a:off x="1320800" y="5238750"/>
+              <a:ext cx="1228725" cy="1619250"/>
+            </a:xfrm>
+            <a:custGeom>
+              <a:avLst/>
+              <a:gdLst/>
+              <a:ahLst/>
+              <a:cxnLst/>
+              <a:rect l="0" t="0" r="r" b="b"/>
+              <a:pathLst>
+                <a:path w="774" h="1020">
+                  <a:moveTo>
+                    <a:pt x="0" y="0"/>
+                  </a:moveTo>
+                  <a:lnTo>
+                    <a:pt x="740" y="1020"/>
+                  </a:lnTo>
+                  <a:lnTo>
+                    <a:pt x="774" y="1020"/>
+                  </a:lnTo>
+                  <a:lnTo>
+                    <a:pt x="0" y="0"/>
+                  </a:lnTo>
+                  <a:close/>
+                </a:path>
+              </a:pathLst>
+            </a:custGeom>
+            <a:solidFill>
+              <a:schemeClr val="tx1">
+                <a:lumMod val="85000"/>
+                <a:lumOff val="15000"/>
+              </a:schemeClr>
+            </a:solidFill>
+            <a:ln>
+              <a:noFill/>
+            </a:ln>
+          </p:spPr>
+        </p:sp>
+        <p:sp>
+          <p:nvSpPr>
+            <p:cNvPr id="81" name="Freeform 9">
+              <a:extLst>
+                <a:ext uri="{FF2B5EF4-FFF2-40B4-BE49-F238E27FC236}">
+                  <a16:creationId xmlns:a16="http://schemas.microsoft.com/office/drawing/2014/main" id="{7CA8D726-1E05-4089-8321-CF71E5ABE7CB}"/>
+                </a:ext>
+                <a:ext uri="{C183D7F6-B498-43B3-948B-1728B52AA6E4}">
+                  <adec:decorative xmlns:adec="http://schemas.microsoft.com/office/drawing/2017/decorative" val="1"/>
+                </a:ext>
+              </a:extLst>
+            </p:cNvPr>
+            <p:cNvSpPr/>
+            <p:nvPr>
+              <p:extLst>
+                <p:ext uri="{386F3935-93C4-4BCD-93E2-E3B085C9AB24}">
+                  <p16:designElem xmlns:p16="http://schemas.microsoft.com/office/powerpoint/2015/main" val="1"/>
+                </p:ext>
+              </p:extLst>
+            </p:nvPr>
+          </p:nvSpPr>
+          <p:spPr bwMode="auto">
+            <a:xfrm>
+              <a:off x="1627188" y="5291138"/>
+              <a:ext cx="1495425" cy="1566863"/>
+            </a:xfrm>
+            <a:custGeom>
+              <a:avLst/>
+              <a:gdLst/>
+              <a:ahLst/>
+              <a:cxnLst/>
+              <a:rect l="0" t="0" r="r" b="b"/>
+              <a:pathLst>
+                <a:path w="942" h="987">
+                  <a:moveTo>
+                    <a:pt x="0" y="0"/>
+                  </a:moveTo>
+                  <a:lnTo>
+                    <a:pt x="909" y="987"/>
+                  </a:lnTo>
+                  <a:lnTo>
+                    <a:pt x="942" y="987"/>
+                  </a:lnTo>
+                  <a:lnTo>
+                    <a:pt x="0" y="0"/>
+                  </a:lnTo>
+                  <a:close/>
+                </a:path>
+              </a:pathLst>
+            </a:custGeom>
+            <a:solidFill>
+              <a:schemeClr val="accent1">
+                <a:lumMod val="50000"/>
+              </a:schemeClr>
+            </a:solidFill>
+            <a:ln>
+              <a:noFill/>
+            </a:ln>
+          </p:spPr>
+        </p:sp>
+        <p:sp>
+          <p:nvSpPr>
+            <p:cNvPr id="82" name="Freeform 10">
+              <a:extLst>
+                <a:ext uri="{FF2B5EF4-FFF2-40B4-BE49-F238E27FC236}">
+                  <a16:creationId xmlns:a16="http://schemas.microsoft.com/office/drawing/2014/main" id="{CA38F9B2-8470-4BCC-A0DD-B60F31F36280}"/>
+                </a:ext>
+                <a:ext uri="{C183D7F6-B498-43B3-948B-1728B52AA6E4}">
+                  <adec:decorative xmlns:adec="http://schemas.microsoft.com/office/drawing/2017/decorative" val="1"/>
+                </a:ext>
+              </a:extLst>
+            </p:cNvPr>
+            <p:cNvSpPr/>
+            <p:nvPr>
+              <p:extLst>
+                <p:ext uri="{386F3935-93C4-4BCD-93E2-E3B085C9AB24}">
+                  <p16:designElem xmlns:p16="http://schemas.microsoft.com/office/powerpoint/2015/main" val="1"/>
+                </p:ext>
+              </p:extLst>
+            </p:nvPr>
+          </p:nvSpPr>
+          <p:spPr bwMode="auto">
+            <a:xfrm>
+              <a:off x="1627188" y="5286375"/>
+              <a:ext cx="2130425" cy="1571625"/>
+            </a:xfrm>
+            <a:custGeom>
+              <a:avLst/>
+              <a:gdLst/>
+              <a:ahLst/>
+              <a:cxnLst/>
+              <a:rect l="0" t="0" r="r" b="b"/>
+              <a:pathLst>
+                <a:path w="1342" h="990">
+                  <a:moveTo>
+                    <a:pt x="0" y="3"/>
+                  </a:moveTo>
+                  <a:lnTo>
+                    <a:pt x="942" y="990"/>
+                  </a:lnTo>
+                  <a:lnTo>
+                    <a:pt x="1342" y="990"/>
+                  </a:lnTo>
+                  <a:lnTo>
+                    <a:pt x="156" y="27"/>
+                  </a:lnTo>
+                  <a:lnTo>
+                    <a:pt x="0" y="0"/>
+                  </a:lnTo>
+                  <a:lnTo>
+                    <a:pt x="0" y="3"/>
+                  </a:lnTo>
+                  <a:close/>
+                </a:path>
+              </a:pathLst>
+            </a:custGeom>
+            <a:solidFill>
+              <a:schemeClr val="accent1">
+                <a:lumMod val="75000"/>
+              </a:schemeClr>
+            </a:solidFill>
+            <a:ln>
+              <a:noFill/>
+            </a:ln>
+          </p:spPr>
+        </p:sp>
+        <p:sp>
+          <p:nvSpPr>
+            <p:cNvPr id="83" name="Freeform 11">
+              <a:extLst>
+                <a:ext uri="{FF2B5EF4-FFF2-40B4-BE49-F238E27FC236}">
+                  <a16:creationId xmlns:a16="http://schemas.microsoft.com/office/drawing/2014/main" id="{84A388F7-B853-4940-9592-BB20D15D49B5}"/>
+                </a:ext>
+                <a:ext uri="{C183D7F6-B498-43B3-948B-1728B52AA6E4}">
+                  <adec:decorative xmlns:adec="http://schemas.microsoft.com/office/drawing/2017/decorative" val="1"/>
+                </a:ext>
+              </a:extLst>
+            </p:cNvPr>
+            <p:cNvSpPr/>
+            <p:nvPr>
+              <p:extLst>
+                <p:ext uri="{386F3935-93C4-4BCD-93E2-E3B085C9AB24}">
+                  <p16:designElem xmlns:p16="http://schemas.microsoft.com/office/powerpoint/2015/main" val="1"/>
+                </p:ext>
+              </p:extLst>
+            </p:nvPr>
+          </p:nvSpPr>
+          <p:spPr bwMode="auto">
+            <a:xfrm>
+              <a:off x="1320800" y="5238750"/>
+              <a:ext cx="1695450" cy="1619250"/>
+            </a:xfrm>
+            <a:custGeom>
+              <a:avLst/>
+              <a:gdLst/>
+              <a:ahLst/>
+              <a:cxnLst/>
+              <a:rect l="0" t="0" r="r" b="b"/>
+              <a:pathLst>
+                <a:path w="1068" h="1020">
+                  <a:moveTo>
+                    <a:pt x="1068" y="1020"/>
+                  </a:moveTo>
+                  <a:lnTo>
+                    <a:pt x="184" y="60"/>
+                  </a:lnTo>
+                  <a:lnTo>
+                    <a:pt x="154" y="27"/>
+                  </a:lnTo>
+                  <a:lnTo>
+                    <a:pt x="157" y="27"/>
+                  </a:lnTo>
+                  <a:lnTo>
+                    <a:pt x="157" y="24"/>
+                  </a:lnTo>
+                  <a:lnTo>
+                    <a:pt x="154" y="24"/>
+                  </a:lnTo>
+                  <a:lnTo>
+                    <a:pt x="0" y="0"/>
+                  </a:lnTo>
+                  <a:lnTo>
+                    <a:pt x="0" y="0"/>
+                  </a:lnTo>
+                  <a:lnTo>
+                    <a:pt x="774" y="1020"/>
+                  </a:lnTo>
+                  <a:lnTo>
+                    <a:pt x="1068" y="1020"/>
+                  </a:lnTo>
+                  <a:close/>
+                </a:path>
+              </a:pathLst>
+            </a:custGeom>
+            <a:solidFill>
+              <a:schemeClr val="tx1">
+                <a:lumMod val="75000"/>
+                <a:lumOff val="25000"/>
+              </a:schemeClr>
+            </a:solidFill>
+            <a:ln>
+              <a:noFill/>
+            </a:ln>
+          </p:spPr>
+        </p:sp>
+      </p:grpSp>
+      <p:sp>
+        <p:nvSpPr>
+          <p:cNvPr id="2" name="Cím 1">
+            <a:extLst>
+              <a:ext uri="{FF2B5EF4-FFF2-40B4-BE49-F238E27FC236}">
+                <a16:creationId xmlns:a16="http://schemas.microsoft.com/office/drawing/2014/main" id="{814FDDA4-5882-4398-9558-01D6777F0A8A}"/>
+              </a:ext>
+            </a:extLst>
+          </p:cNvPr>
+          <p:cNvSpPr>
+            <a:spLocks noGrp="1"/>
+          </p:cNvSpPr>
+          <p:nvPr>
+            <p:ph type="title"/>
+          </p:nvPr>
+        </p:nvSpPr>
+        <p:spPr>
+          <a:xfrm>
+            <a:off x="1484312" y="685800"/>
+            <a:ext cx="4278928" cy="1752599"/>
+          </a:xfrm>
+        </p:spPr>
+        <p:txBody>
+          <a:bodyPr>
+            <a:normAutofit/>
+          </a:bodyPr>
+          <a:lstStyle/>
+          <a:p>
+            <a:r>
+              <a:rPr lang="hu-HU"/>
+              <a:t>Szimuláció áttekintése</a:t>
+            </a:r>
+            <a:endParaRPr lang="hu-HU" dirty="0"/>
+          </a:p>
+        </p:txBody>
+      </p:sp>
+      <p:sp>
+        <p:nvSpPr>
+          <p:cNvPr id="58" name="Content Placeholder 24">
+            <a:extLst>
+              <a:ext uri="{FF2B5EF4-FFF2-40B4-BE49-F238E27FC236}">
+                <a16:creationId xmlns:a16="http://schemas.microsoft.com/office/drawing/2014/main" id="{FB3CDE6E-586D-441A-8507-4B9288A3089B}"/>
+              </a:ext>
+            </a:extLst>
+          </p:cNvPr>
+          <p:cNvSpPr>
+            <a:spLocks noGrp="1"/>
+          </p:cNvSpPr>
+          <p:nvPr>
+            <p:ph idx="1"/>
+          </p:nvPr>
+        </p:nvSpPr>
+        <p:spPr>
+          <a:xfrm>
+            <a:off x="1484310" y="2666999"/>
+            <a:ext cx="4278929" cy="3124201"/>
+          </a:xfrm>
+        </p:spPr>
+        <p:txBody>
+          <a:bodyPr>
+            <a:normAutofit/>
+          </a:bodyPr>
+          <a:lstStyle/>
+          <a:p>
+            <a:r>
+              <a:rPr lang="hu-HU" dirty="0"/>
+              <a:t>Rendszer inicializálása</a:t>
+            </a:r>
+          </a:p>
+          <a:p>
+            <a:r>
+              <a:rPr lang="hu-HU" dirty="0"/>
+              <a:t>Sűrűség és nyomás számítása</a:t>
+            </a:r>
+          </a:p>
+          <a:p>
+            <a:r>
+              <a:rPr lang="hu-HU" dirty="0"/>
+              <a:t>Erők számítása</a:t>
+            </a:r>
+          </a:p>
+          <a:p>
+            <a:r>
+              <a:rPr lang="hu-HU" dirty="0"/>
+              <a:t>Időléptetés</a:t>
+            </a:r>
+          </a:p>
+          <a:p>
+            <a:r>
+              <a:rPr lang="hu-HU" dirty="0"/>
+              <a:t>Határkezelés</a:t>
+            </a:r>
+          </a:p>
+          <a:p>
+            <a:r>
+              <a:rPr lang="hu-HU" dirty="0"/>
+              <a:t>Megjelenítés</a:t>
+            </a:r>
+          </a:p>
+        </p:txBody>
+      </p:sp>
+      <p:sp>
+        <p:nvSpPr>
+          <p:cNvPr id="88" name="Rounded Rectangle 16">
+            <a:extLst>
+              <a:ext uri="{FF2B5EF4-FFF2-40B4-BE49-F238E27FC236}">
+                <a16:creationId xmlns:a16="http://schemas.microsoft.com/office/drawing/2014/main" id="{63174DBA-CD7D-43BE-A9E5-7108232F6B1B}"/>
+              </a:ext>
+              <a:ext uri="{C183D7F6-B498-43B3-948B-1728B52AA6E4}">
+                <adec:decorative xmlns:adec="http://schemas.microsoft.com/office/drawing/2017/decorative" val="1"/>
+              </a:ext>
+            </a:extLst>
+          </p:cNvPr>
+          <p:cNvSpPr>
+            <a:spLocks noGrp="1" noRot="1" noChangeAspect="1" noMove="1" noResize="1" noEditPoints="1" noAdjustHandles="1" noChangeArrowheads="1" noChangeShapeType="1" noTextEdit="1"/>
+          </p:cNvSpPr>
+          <p:nvPr>
+            <p:extLst>
+              <p:ext uri="{386F3935-93C4-4BCD-93E2-E3B085C9AB24}">
+                <p16:designElem xmlns:p16="http://schemas.microsoft.com/office/powerpoint/2015/main" val="1"/>
+              </p:ext>
+            </p:extLst>
+          </p:nvPr>
+        </p:nvSpPr>
+        <p:spPr>
+          <a:xfrm>
+            <a:off x="6096000" y="648931"/>
+            <a:ext cx="5407023" cy="5231964"/>
+          </a:xfrm>
+          <a:prstGeom prst="roundRect">
+            <a:avLst>
+              <a:gd name="adj" fmla="val 4834"/>
+            </a:avLst>
+          </a:prstGeom>
+          <a:solidFill>
+            <a:schemeClr val="bg1"/>
+          </a:solidFill>
+          <a:ln w="38100">
+            <a:gradFill flip="none" rotWithShape="1">
+              <a:gsLst>
+                <a:gs pos="0">
+                  <a:schemeClr val="bg2"/>
+                </a:gs>
+                <a:gs pos="100000">
+                  <a:schemeClr val="bg2">
+                    <a:lumMod val="75000"/>
+                  </a:schemeClr>
+                </a:gs>
+              </a:gsLst>
+              <a:lin ang="5400000" scaled="0"/>
+              <a:tileRect/>
+            </a:gradFill>
+          </a:ln>
+          <a:effectLst>
+            <a:innerShdw blurRad="57150" dist="38100" dir="14460000">
+              <a:srgbClr val="000000">
+                <a:alpha val="70000"/>
+              </a:srgbClr>
+            </a:innerShdw>
+          </a:effectLst>
+        </p:spPr>
+        <p:style>
+          <a:lnRef idx="2">
+            <a:schemeClr val="accent1">
+              <a:shade val="50000"/>
+            </a:schemeClr>
+          </a:lnRef>
+          <a:fillRef idx="1">
+            <a:schemeClr val="accent1"/>
+          </a:fillRef>
+          <a:effectRef idx="0">
+            <a:schemeClr val="accent1"/>
+          </a:effectRef>
+          <a:fontRef idx="minor">
+            <a:schemeClr val="lt1"/>
+          </a:fontRef>
+        </p:style>
+        <p:txBody>
+          <a:bodyPr rtlCol="0" anchor="ctr"/>
+          <a:lstStyle/>
+          <a:p>
+            <a:pPr algn="ctr"/>
+            <a:endParaRPr lang="en-US"/>
+          </a:p>
+        </p:txBody>
+      </p:sp>
+      <p:pic>
+        <p:nvPicPr>
+          <p:cNvPr id="59" name="Tartalom helye 4">
+            <a:extLst>
+              <a:ext uri="{FF2B5EF4-FFF2-40B4-BE49-F238E27FC236}">
+                <a16:creationId xmlns:a16="http://schemas.microsoft.com/office/drawing/2014/main" id="{88765364-85D1-4B25-9082-7EB21665DD30}"/>
+              </a:ext>
+            </a:extLst>
+          </p:cNvPr>
+          <p:cNvPicPr>
+            <a:picLocks noChangeAspect="1"/>
+          </p:cNvPicPr>
+          <p:nvPr/>
+        </p:nvPicPr>
+        <p:blipFill>
+          <a:blip r:embed="rId3">
+            <a:extLst>
+              <a:ext uri="{28A0092B-C50C-407E-A947-70E740481C1C}">
+                <a14:useLocalDpi xmlns:a14="http://schemas.microsoft.com/office/drawing/2010/main" val="0"/>
+              </a:ext>
+            </a:extLst>
+          </a:blip>
+          <a:stretch>
+            <a:fillRect/>
+          </a:stretch>
+        </p:blipFill>
+        <p:spPr>
+          <a:xfrm>
+            <a:off x="6434407" y="2208248"/>
+            <a:ext cx="4744154" cy="2153742"/>
+          </a:xfrm>
+          <a:prstGeom prst="rect">
+            <a:avLst/>
+          </a:prstGeom>
+        </p:spPr>
+      </p:pic>
+    </p:spTree>
+    <p:extLst>
+      <p:ext uri="{BB962C8B-B14F-4D97-AF65-F5344CB8AC3E}">
+        <p14:creationId xmlns:p14="http://schemas.microsoft.com/office/powerpoint/2010/main" val="3632126892"/>
+      </p:ext>
+    </p:extLst>
+  </p:cSld>
+  <p:clrMapOvr>
+    <a:masterClrMapping/>
+  </p:clrMapOvr>
+</p:sld>
+</file>
+
+<file path=ppt/slides/slide9.xml><?xml version="1.0" encoding="utf-8"?>
+<p:sld xmlns:a="http://schemas.openxmlformats.org/drawingml/2006/main" xmlns:r="http://schemas.openxmlformats.org/officeDocument/2006/relationships" xmlns:p="http://schemas.openxmlformats.org/presentationml/2006/main">
+  <p:cSld>
+    <p:bg>
+      <p:bgPr>
+        <a:blipFill rotWithShape="1">
+          <a:blip r:embed="rId2">
+            <a:duotone>
+              <a:schemeClr val="bg2">
+                <a:shade val="76000"/>
+                <a:satMod val="180000"/>
+              </a:schemeClr>
+              <a:schemeClr val="bg2">
+                <a:tint val="80000"/>
+                <a:satMod val="120000"/>
+                <a:lumMod val="180000"/>
+              </a:schemeClr>
+            </a:duotone>
+            <a:extLst/>
+          </a:blip>
+          <a:stretch/>
+        </a:blipFill>
+        <a:effectLst/>
+      </p:bgPr>
+    </p:bg>
+    <p:spTree>
+      <p:nvGrpSpPr>
+        <p:cNvPr id="1" name=""/>
+        <p:cNvGrpSpPr/>
+        <p:nvPr/>
+      </p:nvGrpSpPr>
+      <p:grpSpPr>
+        <a:xfrm>
+          <a:off x="0" y="0"/>
+          <a:ext cx="0" cy="0"/>
+          <a:chOff x="0" y="0"/>
+          <a:chExt cx="0" cy="0"/>
+        </a:xfrm>
+      </p:grpSpPr>
+      <p:sp useBgFill="1">
+        <p:nvSpPr>
+          <p:cNvPr id="8" name="Rectangle 7">
+            <a:extLst>
+              <a:ext uri="{FF2B5EF4-FFF2-40B4-BE49-F238E27FC236}">
+                <a16:creationId xmlns:a16="http://schemas.microsoft.com/office/drawing/2014/main" id="{99CAC3B1-4879-424D-8F15-206277196159}"/>
+              </a:ext>
+              <a:ext uri="{C183D7F6-B498-43B3-948B-1728B52AA6E4}">
+                <adec:decorative xmlns:adec="http://schemas.microsoft.com/office/drawing/2017/decorative" val="1"/>
+              </a:ext>
+            </a:extLst>
+          </p:cNvPr>
+          <p:cNvSpPr>
+            <a:spLocks noGrp="1" noRot="1" noChangeAspect="1" noMove="1" noResize="1" noEditPoints="1" noAdjustHandles="1" noChangeArrowheads="1" noChangeShapeType="1" noTextEdit="1"/>
+          </p:cNvSpPr>
+          <p:nvPr>
+            <p:extLst>
+              <p:ext uri="{386F3935-93C4-4BCD-93E2-E3B085C9AB24}">
+                <p16:designElem xmlns:p16="http://schemas.microsoft.com/office/powerpoint/2015/main" val="1"/>
+              </p:ext>
+            </p:extLst>
+          </p:nvPr>
+        </p:nvSpPr>
+        <p:spPr>
+          <a:xfrm>
+            <a:off x="0" y="0"/>
+            <a:ext cx="12192000" cy="6858000"/>
+          </a:xfrm>
+          <a:prstGeom prst="rect">
+            <a:avLst/>
+          </a:prstGeom>
+          <a:ln>
+            <a:noFill/>
+          </a:ln>
+        </p:spPr>
+        <p:style>
+          <a:lnRef idx="2">
+            <a:schemeClr val="accent1">
+              <a:shade val="50000"/>
+            </a:schemeClr>
+          </a:lnRef>
+          <a:fillRef idx="1">
+            <a:schemeClr val="accent1"/>
+          </a:fillRef>
+          <a:effectRef idx="0">
+            <a:schemeClr val="accent1"/>
+          </a:effectRef>
+          <a:fontRef idx="minor">
+            <a:schemeClr val="lt1"/>
+          </a:fontRef>
+        </p:style>
+        <p:txBody>
+          <a:bodyPr rtlCol="0" anchor="ctr"/>
+          <a:lstStyle/>
+          <a:p>
+            <a:pPr algn="ctr"/>
+            <a:endParaRPr lang="en-US"/>
+          </a:p>
+        </p:txBody>
+      </p:sp>
+      <p:sp>
+        <p:nvSpPr>
+          <p:cNvPr id="2" name="Cím 1">
+            <a:extLst>
+              <a:ext uri="{FF2B5EF4-FFF2-40B4-BE49-F238E27FC236}">
+                <a16:creationId xmlns:a16="http://schemas.microsoft.com/office/drawing/2014/main" id="{CD1C803B-44CA-4941-A430-62785AF63327}"/>
+              </a:ext>
+            </a:extLst>
+          </p:cNvPr>
+          <p:cNvSpPr>
+            <a:spLocks noGrp="1"/>
+          </p:cNvSpPr>
+          <p:nvPr>
+            <p:ph type="title"/>
+          </p:nvPr>
+        </p:nvSpPr>
+        <p:spPr>
+          <a:xfrm>
+            <a:off x="3618200" y="690881"/>
+            <a:ext cx="7257455" cy="798840"/>
+          </a:xfrm>
+        </p:spPr>
+        <p:txBody>
+          <a:bodyPr>
+            <a:normAutofit/>
+          </a:bodyPr>
+          <a:lstStyle/>
+          <a:p>
+            <a:r>
+              <a:rPr lang="hu-HU" sz="3600" dirty="0"/>
+              <a:t>Implementáció (CPU)</a:t>
+            </a:r>
+          </a:p>
+        </p:txBody>
+      </p:sp>
+      <p:sp>
+        <p:nvSpPr>
+          <p:cNvPr id="10" name="Freeform 6">
+            <a:extLst>
+              <a:ext uri="{FF2B5EF4-FFF2-40B4-BE49-F238E27FC236}">
+                <a16:creationId xmlns:a16="http://schemas.microsoft.com/office/drawing/2014/main" id="{E34CC1C8-EBDD-4AEA-83E6-B27575B62E2E}"/>
+              </a:ext>
+              <a:ext uri="{C183D7F6-B498-43B3-948B-1728B52AA6E4}">
+                <adec:decorative xmlns:adec="http://schemas.microsoft.com/office/drawing/2017/decorative" val="1"/>
+              </a:ext>
+            </a:extLst>
+          </p:cNvPr>
+          <p:cNvSpPr>
+            <a:spLocks noGrp="1" noRot="1" noChangeAspect="1" noMove="1" noResize="1" noEditPoints="1" noAdjustHandles="1" noChangeArrowheads="1" noChangeShapeType="1" noTextEdit="1"/>
+          </p:cNvSpPr>
+          <p:nvPr>
+            <p:extLst>
+              <p:ext uri="{386F3935-93C4-4BCD-93E2-E3B085C9AB24}">
+                <p16:designElem xmlns:p16="http://schemas.microsoft.com/office/powerpoint/2015/main" val="1"/>
+              </p:ext>
+            </p:extLst>
+          </p:nvPr>
+        </p:nvSpPr>
+        <p:spPr bwMode="auto">
+          <a:xfrm flipH="1">
+            <a:off x="1649700" y="0"/>
+            <a:ext cx="1063625" cy="2782888"/>
+          </a:xfrm>
+          <a:custGeom>
+            <a:avLst/>
+            <a:gdLst/>
+            <a:ahLst/>
+            <a:cxnLst/>
+            <a:rect l="0" t="0" r="r" b="b"/>
+            <a:pathLst>
+              <a:path w="670" h="1753">
+                <a:moveTo>
+                  <a:pt x="0" y="1696"/>
+                </a:moveTo>
+                <a:lnTo>
+                  <a:pt x="225" y="1753"/>
+                </a:lnTo>
+                <a:lnTo>
+                  <a:pt x="670" y="0"/>
+                </a:lnTo>
+                <a:lnTo>
+                  <a:pt x="430" y="0"/>
+                </a:lnTo>
+                <a:lnTo>
+                  <a:pt x="0" y="1696"/>
+                </a:lnTo>
+                <a:close/>
+              </a:path>
+            </a:pathLst>
+          </a:custGeom>
+          <a:solidFill>
+            <a:schemeClr val="accent1"/>
+          </a:solidFill>
+          <a:ln>
+            <a:noFill/>
+          </a:ln>
+        </p:spPr>
+      </p:sp>
+      <p:sp>
+        <p:nvSpPr>
+          <p:cNvPr id="12" name="Freeform 7">
+            <a:extLst>
+              <a:ext uri="{FF2B5EF4-FFF2-40B4-BE49-F238E27FC236}">
+                <a16:creationId xmlns:a16="http://schemas.microsoft.com/office/drawing/2014/main" id="{D6B38644-B85D-4211-9526-5B4C2A662BF7}"/>
+              </a:ext>
+              <a:ext uri="{C183D7F6-B498-43B3-948B-1728B52AA6E4}">
+                <adec:decorative xmlns:adec="http://schemas.microsoft.com/office/drawing/2017/decorative" val="1"/>
+              </a:ext>
+            </a:extLst>
+          </p:cNvPr>
+          <p:cNvSpPr>
+            <a:spLocks noGrp="1" noRot="1" noChangeAspect="1" noMove="1" noResize="1" noEditPoints="1" noAdjustHandles="1" noChangeArrowheads="1" noChangeShapeType="1" noTextEdit="1"/>
+          </p:cNvSpPr>
+          <p:nvPr>
+            <p:extLst>
+              <p:ext uri="{386F3935-93C4-4BCD-93E2-E3B085C9AB24}">
+                <p16:designElem xmlns:p16="http://schemas.microsoft.com/office/powerpoint/2015/main" val="1"/>
+              </p:ext>
+            </p:extLst>
+          </p:nvPr>
+        </p:nvSpPr>
+        <p:spPr bwMode="auto">
+          <a:xfrm flipH="1">
+            <a:off x="2116425" y="0"/>
+            <a:ext cx="1035050" cy="2673350"/>
+          </a:xfrm>
+          <a:custGeom>
+            <a:avLst/>
+            <a:gdLst/>
+            <a:ahLst/>
+            <a:cxnLst/>
+            <a:rect l="0" t="0" r="r" b="b"/>
+            <a:pathLst>
+              <a:path w="652" h="1684">
+                <a:moveTo>
+                  <a:pt x="225" y="1684"/>
+                </a:moveTo>
+                <a:lnTo>
+                  <a:pt x="652" y="0"/>
+                </a:lnTo>
+                <a:lnTo>
+                  <a:pt x="411" y="0"/>
+                </a:lnTo>
+                <a:lnTo>
+                  <a:pt x="0" y="1627"/>
+                </a:lnTo>
+                <a:lnTo>
+                  <a:pt x="219" y="1681"/>
+                </a:lnTo>
+                <a:lnTo>
+                  <a:pt x="225" y="1684"/>
+                </a:lnTo>
+                <a:close/>
+              </a:path>
+            </a:pathLst>
+          </a:custGeom>
+          <a:solidFill>
+            <a:srgbClr val="595959"/>
+          </a:solidFill>
+          <a:ln>
+            <a:noFill/>
+          </a:ln>
+        </p:spPr>
+      </p:sp>
+      <p:sp>
+        <p:nvSpPr>
+          <p:cNvPr id="14" name="Freeform 12">
+            <a:extLst>
+              <a:ext uri="{FF2B5EF4-FFF2-40B4-BE49-F238E27FC236}">
+                <a16:creationId xmlns:a16="http://schemas.microsoft.com/office/drawing/2014/main" id="{8A8B2820-6B8F-4C19-BFC5-D28EE44E54CB}"/>
+              </a:ext>
+              <a:ext uri="{C183D7F6-B498-43B3-948B-1728B52AA6E4}">
+                <adec:decorative xmlns:adec="http://schemas.microsoft.com/office/drawing/2017/decorative" val="1"/>
+              </a:ext>
+            </a:extLst>
+          </p:cNvPr>
+          <p:cNvSpPr>
+            <a:spLocks noGrp="1" noRot="1" noChangeAspect="1" noMove="1" noResize="1" noEditPoints="1" noAdjustHandles="1" noChangeArrowheads="1" noChangeShapeType="1" noTextEdit="1"/>
+          </p:cNvSpPr>
+          <p:nvPr>
+            <p:extLst>
+              <p:ext uri="{386F3935-93C4-4BCD-93E2-E3B085C9AB24}">
+                <p16:designElem xmlns:p16="http://schemas.microsoft.com/office/powerpoint/2015/main" val="1"/>
+              </p:ext>
+            </p:extLst>
+          </p:nvPr>
+        </p:nvSpPr>
+        <p:spPr bwMode="auto">
+          <a:xfrm flipH="1">
+            <a:off x="457487" y="2587625"/>
+            <a:ext cx="2693987" cy="4270375"/>
+          </a:xfrm>
+          <a:custGeom>
+            <a:avLst/>
+            <a:gdLst/>
+            <a:ahLst/>
+            <a:cxnLst/>
+            <a:rect l="0" t="0" r="r" b="b"/>
+            <a:pathLst>
+              <a:path w="1697" h="2693">
+                <a:moveTo>
+                  <a:pt x="0" y="0"/>
+                </a:moveTo>
+                <a:lnTo>
+                  <a:pt x="1622" y="2693"/>
+                </a:lnTo>
+                <a:lnTo>
+                  <a:pt x="1697" y="2693"/>
+                </a:lnTo>
+                <a:lnTo>
+                  <a:pt x="0" y="0"/>
+                </a:lnTo>
+                <a:close/>
+              </a:path>
+            </a:pathLst>
+          </a:custGeom>
+          <a:solidFill>
+            <a:srgbClr val="262626"/>
+          </a:solidFill>
+          <a:ln>
+            <a:noFill/>
+          </a:ln>
+        </p:spPr>
+      </p:sp>
+      <p:sp>
+        <p:nvSpPr>
+          <p:cNvPr id="16" name="Freeform: Shape 15">
+            <a:extLst>
+              <a:ext uri="{FF2B5EF4-FFF2-40B4-BE49-F238E27FC236}">
+                <a16:creationId xmlns:a16="http://schemas.microsoft.com/office/drawing/2014/main" id="{DCA45AB7-441E-40A8-A98B-557D68F48A48}"/>
+              </a:ext>
+              <a:ext uri="{C183D7F6-B498-43B3-948B-1728B52AA6E4}">
+                <adec:decorative xmlns:adec="http://schemas.microsoft.com/office/drawing/2017/decorative" val="1"/>
+              </a:ext>
+            </a:extLst>
+          </p:cNvPr>
+          <p:cNvSpPr>
+            <a:spLocks noGrp="1" noRot="1" noChangeAspect="1" noMove="1" noResize="1" noEditPoints="1" noAdjustHandles="1" noChangeArrowheads="1" noChangeShapeType="1" noTextEdit="1"/>
+          </p:cNvSpPr>
+          <p:nvPr>
+            <p:extLst>
+              <p:ext uri="{386F3935-93C4-4BCD-93E2-E3B085C9AB24}">
+                <p16:designElem xmlns:p16="http://schemas.microsoft.com/office/powerpoint/2015/main" val="1"/>
+              </p:ext>
+            </p:extLst>
+          </p:nvPr>
+        </p:nvSpPr>
+        <p:spPr bwMode="auto">
+          <a:xfrm flipH="1">
+            <a:off x="1" y="2692400"/>
+            <a:ext cx="2713324" cy="3390788"/>
+          </a:xfrm>
+          <a:custGeom>
+            <a:avLst/>
+            <a:gdLst>
+              <a:gd name="connsiteX0" fmla="*/ 0 w 2713324"/>
+              <a:gd name="connsiteY0" fmla="*/ 0 h 3390788"/>
+              <a:gd name="connsiteX1" fmla="*/ 4763 w 2713324"/>
+              <a:gd name="connsiteY1" fmla="*/ 4763 h 3390788"/>
+              <a:gd name="connsiteX2" fmla="*/ 2713324 w 2713324"/>
+              <a:gd name="connsiteY2" fmla="*/ 3390788 h 3390788"/>
+              <a:gd name="connsiteX3" fmla="*/ 2713324 w 2713324"/>
+              <a:gd name="connsiteY3" fmla="*/ 2368619 h 3390788"/>
+              <a:gd name="connsiteX4" fmla="*/ 357188 w 2713324"/>
+              <a:gd name="connsiteY4" fmla="*/ 90488 h 3390788"/>
+            </a:gdLst>
+            <a:ahLst/>
+            <a:cxnLst>
+              <a:cxn ang="0">
+                <a:pos x="connsiteX0" y="connsiteY0"/>
+              </a:cxn>
+              <a:cxn ang="0">
+                <a:pos x="connsiteX1" y="connsiteY1"/>
+              </a:cxn>
+              <a:cxn ang="0">
+                <a:pos x="connsiteX2" y="connsiteY2"/>
+              </a:cxn>
+              <a:cxn ang="0">
+                <a:pos x="connsiteX3" y="connsiteY3"/>
+              </a:cxn>
+              <a:cxn ang="0">
+                <a:pos x="connsiteX4" y="connsiteY4"/>
+              </a:cxn>
+            </a:cxnLst>
+            <a:rect l="l" t="t" r="r" b="b"/>
+            <a:pathLst>
+              <a:path w="2713324" h="3390788">
+                <a:moveTo>
+                  <a:pt x="0" y="0"/>
+                </a:moveTo>
+                <a:lnTo>
+                  <a:pt x="4763" y="4763"/>
+                </a:lnTo>
+                <a:lnTo>
+                  <a:pt x="2713324" y="3390788"/>
+                </a:lnTo>
+                <a:lnTo>
+                  <a:pt x="2713324" y="2368619"/>
+                </a:lnTo>
+                <a:lnTo>
+                  <a:pt x="357188" y="90488"/>
+                </a:lnTo>
+                <a:close/>
+              </a:path>
+            </a:pathLst>
+          </a:custGeom>
+          <a:solidFill>
+            <a:schemeClr val="accent1">
+              <a:lumMod val="75000"/>
+            </a:schemeClr>
+          </a:solidFill>
+          <a:ln>
+            <a:noFill/>
+          </a:ln>
+        </p:spPr>
+      </p:sp>
+      <p:sp>
+        <p:nvSpPr>
+          <p:cNvPr id="18" name="Freeform: Shape 17">
+            <a:extLst>
+              <a:ext uri="{FF2B5EF4-FFF2-40B4-BE49-F238E27FC236}">
+                <a16:creationId xmlns:a16="http://schemas.microsoft.com/office/drawing/2014/main" id="{5F516030-4F00-4C48-AD93-91EFA17A1AC3}"/>
+              </a:ext>
+              <a:ext uri="{C183D7F6-B498-43B3-948B-1728B52AA6E4}">
+                <adec:decorative xmlns:adec="http://schemas.microsoft.com/office/drawing/2017/decorative" val="1"/>
+              </a:ext>
+            </a:extLst>
+          </p:cNvPr>
+          <p:cNvSpPr>
+            <a:spLocks noGrp="1" noRot="1" noChangeAspect="1" noMove="1" noResize="1" noEditPoints="1" noAdjustHandles="1" noChangeArrowheads="1" noChangeShapeType="1" noTextEdit="1"/>
+          </p:cNvSpPr>
+          <p:nvPr>
+            <p:extLst>
+              <p:ext uri="{386F3935-93C4-4BCD-93E2-E3B085C9AB24}">
+                <p16:designElem xmlns:p16="http://schemas.microsoft.com/office/powerpoint/2015/main" val="1"/>
+              </p:ext>
+            </p:extLst>
+          </p:nvPr>
+        </p:nvSpPr>
+        <p:spPr bwMode="auto">
+          <a:xfrm flipH="1">
+            <a:off x="0" y="2582863"/>
+            <a:ext cx="3151474" cy="4275137"/>
+          </a:xfrm>
+          <a:custGeom>
+            <a:avLst/>
+            <a:gdLst>
+              <a:gd name="connsiteX0" fmla="*/ 0 w 3151474"/>
+              <a:gd name="connsiteY0" fmla="*/ 0 h 4275137"/>
+              <a:gd name="connsiteX1" fmla="*/ 0 w 3151474"/>
+              <a:gd name="connsiteY1" fmla="*/ 4757 h 4275137"/>
+              <a:gd name="connsiteX2" fmla="*/ 2693987 w 3151474"/>
+              <a:gd name="connsiteY2" fmla="*/ 4275137 h 4275137"/>
+              <a:gd name="connsiteX3" fmla="*/ 3151474 w 3151474"/>
+              <a:gd name="connsiteY3" fmla="*/ 4275137 h 4275137"/>
+              <a:gd name="connsiteX4" fmla="*/ 3151474 w 3151474"/>
+              <a:gd name="connsiteY4" fmla="*/ 3714295 h 4275137"/>
+              <a:gd name="connsiteX5" fmla="*/ 419100 w 3151474"/>
+              <a:gd name="connsiteY5" fmla="*/ 176017 h 4275137"/>
+              <a:gd name="connsiteX6" fmla="*/ 361950 w 3151474"/>
+              <a:gd name="connsiteY6" fmla="*/ 95144 h 4275137"/>
+              <a:gd name="connsiteX7" fmla="*/ 357188 w 3151474"/>
+              <a:gd name="connsiteY7" fmla="*/ 90387 h 4275137"/>
+            </a:gdLst>
+            <a:ahLst/>
+            <a:cxnLst>
+              <a:cxn ang="0">
+                <a:pos x="connsiteX0" y="connsiteY0"/>
+              </a:cxn>
+              <a:cxn ang="0">
+                <a:pos x="connsiteX1" y="connsiteY1"/>
+              </a:cxn>
+              <a:cxn ang="0">
+                <a:pos x="connsiteX2" y="connsiteY2"/>
+              </a:cxn>
+              <a:cxn ang="0">
+                <a:pos x="connsiteX3" y="connsiteY3"/>
+              </a:cxn>
+              <a:cxn ang="0">
+                <a:pos x="connsiteX4" y="connsiteY4"/>
+              </a:cxn>
+              <a:cxn ang="0">
+                <a:pos x="connsiteX5" y="connsiteY5"/>
+              </a:cxn>
+              <a:cxn ang="0">
+                <a:pos x="connsiteX6" y="connsiteY6"/>
+              </a:cxn>
+              <a:cxn ang="0">
+                <a:pos x="connsiteX7" y="connsiteY7"/>
+              </a:cxn>
+            </a:cxnLst>
+            <a:rect l="l" t="t" r="r" b="b"/>
+            <a:pathLst>
+              <a:path w="3151474" h="4275137">
+                <a:moveTo>
+                  <a:pt x="0" y="0"/>
+                </a:moveTo>
+                <a:lnTo>
+                  <a:pt x="0" y="4757"/>
+                </a:lnTo>
+                <a:lnTo>
+                  <a:pt x="2693987" y="4275137"/>
+                </a:lnTo>
+                <a:lnTo>
+                  <a:pt x="3151474" y="4275137"/>
+                </a:lnTo>
+                <a:lnTo>
+                  <a:pt x="3151474" y="3714295"/>
+                </a:lnTo>
+                <a:lnTo>
+                  <a:pt x="419100" y="176017"/>
+                </a:lnTo>
+                <a:lnTo>
+                  <a:pt x="361950" y="95144"/>
+                </a:lnTo>
+                <a:lnTo>
+                  <a:pt x="357188" y="90387"/>
+                </a:lnTo>
+                <a:close/>
+              </a:path>
+            </a:pathLst>
+          </a:custGeom>
+          <a:solidFill>
+            <a:srgbClr val="404040"/>
+          </a:solidFill>
+          <a:ln>
+            <a:noFill/>
+          </a:ln>
+        </p:spPr>
+      </p:sp>
+      <p:sp>
+        <p:nvSpPr>
+          <p:cNvPr id="20" name="Freeform: Shape 19">
+            <a:extLst>
+              <a:ext uri="{FF2B5EF4-FFF2-40B4-BE49-F238E27FC236}">
+                <a16:creationId xmlns:a16="http://schemas.microsoft.com/office/drawing/2014/main" id="{5820085E-2582-4A95-98EE-45DFFD5C017C}"/>
+              </a:ext>
+              <a:ext uri="{C183D7F6-B498-43B3-948B-1728B52AA6E4}">
+                <adec:decorative xmlns:adec="http://schemas.microsoft.com/office/drawing/2017/decorative" val="1"/>
+              </a:ext>
+            </a:extLst>
+          </p:cNvPr>
+          <p:cNvSpPr>
+            <a:spLocks noGrp="1" noRot="1" noChangeAspect="1" noMove="1" noResize="1" noEditPoints="1" noAdjustHandles="1" noChangeArrowheads="1" noChangeShapeType="1" noTextEdit="1"/>
+          </p:cNvSpPr>
+          <p:nvPr>
+            <p:extLst>
+              <p:ext uri="{386F3935-93C4-4BCD-93E2-E3B085C9AB24}">
+                <p16:designElem xmlns:p16="http://schemas.microsoft.com/office/powerpoint/2015/main" val="1"/>
+              </p:ext>
+            </p:extLst>
+          </p:nvPr>
+        </p:nvSpPr>
+        <p:spPr bwMode="auto">
+          <a:xfrm flipH="1">
+            <a:off x="0" y="2697164"/>
+            <a:ext cx="2706398" cy="3513899"/>
+          </a:xfrm>
+          <a:custGeom>
+            <a:avLst/>
+            <a:gdLst>
+              <a:gd name="connsiteX0" fmla="*/ 0 w 2706398"/>
+              <a:gd name="connsiteY0" fmla="*/ 0 h 3513899"/>
+              <a:gd name="connsiteX1" fmla="*/ 2706398 w 2706398"/>
+              <a:gd name="connsiteY1" fmla="*/ 3513899 h 3513899"/>
+              <a:gd name="connsiteX2" fmla="*/ 2706398 w 2706398"/>
+              <a:gd name="connsiteY2" fmla="*/ 3383321 h 3513899"/>
+            </a:gdLst>
+            <a:ahLst/>
+            <a:cxnLst>
+              <a:cxn ang="0">
+                <a:pos x="connsiteX0" y="connsiteY0"/>
+              </a:cxn>
+              <a:cxn ang="0">
+                <a:pos x="connsiteX1" y="connsiteY1"/>
+              </a:cxn>
+              <a:cxn ang="0">
+                <a:pos x="connsiteX2" y="connsiteY2"/>
+              </a:cxn>
+            </a:cxnLst>
+            <a:rect l="l" t="t" r="r" b="b"/>
+            <a:pathLst>
+              <a:path w="2706398" h="3513899">
+                <a:moveTo>
+                  <a:pt x="0" y="0"/>
+                </a:moveTo>
+                <a:lnTo>
+                  <a:pt x="2706398" y="3513899"/>
+                </a:lnTo>
+                <a:lnTo>
+                  <a:pt x="2706398" y="3383321"/>
+                </a:lnTo>
+                <a:close/>
+              </a:path>
+            </a:pathLst>
+          </a:custGeom>
+          <a:solidFill>
+            <a:schemeClr val="accent1">
+              <a:lumMod val="50000"/>
+            </a:schemeClr>
+          </a:solidFill>
+          <a:ln>
+            <a:noFill/>
+          </a:ln>
+        </p:spPr>
+      </p:sp>
+      <p:sp>
+        <p:nvSpPr>
+          <p:cNvPr id="3" name="Tartalom helye 2">
+            <a:extLst>
+              <a:ext uri="{FF2B5EF4-FFF2-40B4-BE49-F238E27FC236}">
+                <a16:creationId xmlns:a16="http://schemas.microsoft.com/office/drawing/2014/main" id="{2EEC161A-3884-4F64-BD1C-102CFA76248B}"/>
+              </a:ext>
+            </a:extLst>
+          </p:cNvPr>
+          <p:cNvSpPr>
+            <a:spLocks noGrp="1"/>
+          </p:cNvSpPr>
+          <p:nvPr>
+            <p:ph idx="1"/>
+          </p:nvPr>
+        </p:nvSpPr>
+        <p:spPr>
+          <a:xfrm>
+            <a:off x="3613237" y="1788160"/>
+            <a:ext cx="7200236" cy="3764287"/>
+          </a:xfrm>
+        </p:spPr>
+        <p:txBody>
+          <a:bodyPr anchor="t">
+            <a:normAutofit/>
+          </a:bodyPr>
+          <a:lstStyle/>
+          <a:p>
+            <a:r>
+              <a:rPr lang="hu-HU" dirty="0"/>
+              <a:t>CPU</a:t>
+            </a:r>
+          </a:p>
+          <a:p>
+            <a:pPr lvl="1"/>
+            <a:r>
+              <a:rPr lang="hu-HU" dirty="0"/>
+              <a:t>Objektum orientált</a:t>
+            </a:r>
+          </a:p>
+          <a:p>
+            <a:pPr lvl="1"/>
+            <a:r>
+              <a:rPr lang="hu-HU" dirty="0"/>
+              <a:t>Standard </a:t>
+            </a:r>
+            <a:r>
+              <a:rPr lang="hu-HU" dirty="0" err="1"/>
+              <a:t>Libary</a:t>
+            </a:r>
+            <a:endParaRPr lang="hu-HU" dirty="0"/>
+          </a:p>
+          <a:p>
+            <a:pPr lvl="1"/>
+            <a:endParaRPr lang="hu-HU" dirty="0"/>
+          </a:p>
+          <a:p>
+            <a:r>
+              <a:rPr lang="hu-HU" dirty="0"/>
+              <a:t>Összegzés</a:t>
+            </a:r>
+          </a:p>
+          <a:p>
+            <a:pPr lvl="1"/>
+            <a:r>
+              <a:rPr lang="hu-HU" b="1" dirty="0"/>
+              <a:t>2D</a:t>
+            </a:r>
+            <a:r>
+              <a:rPr lang="hu-HU" dirty="0"/>
+              <a:t> </a:t>
+            </a:r>
+            <a:r>
+              <a:rPr lang="hu-HU" b="1" dirty="0"/>
+              <a:t>–</a:t>
+            </a:r>
+            <a:r>
+              <a:rPr lang="hu-HU" dirty="0"/>
+              <a:t> </a:t>
+            </a:r>
+            <a:r>
+              <a:rPr lang="hu-HU" dirty="0" err="1"/>
+              <a:t>max</a:t>
+            </a:r>
+            <a:r>
+              <a:rPr lang="hu-HU" dirty="0"/>
+              <a:t> ~2000 részecske</a:t>
+            </a:r>
+          </a:p>
+          <a:p>
+            <a:pPr lvl="1"/>
+            <a:r>
+              <a:rPr lang="hu-HU" b="1" dirty="0"/>
+              <a:t>3D – </a:t>
+            </a:r>
+            <a:r>
+              <a:rPr lang="hu-HU" dirty="0" err="1"/>
+              <a:t>max</a:t>
+            </a:r>
+            <a:r>
+              <a:rPr lang="hu-HU" dirty="0"/>
+              <a:t> ~1000 részecske</a:t>
+            </a:r>
+            <a:endParaRPr lang="hu-HU" b="1" dirty="0"/>
+          </a:p>
+          <a:p>
+            <a:pPr lvl="1"/>
+            <a:endParaRPr lang="hu-HU" dirty="0"/>
+          </a:p>
+        </p:txBody>
+      </p:sp>
+      <p:pic>
+        <p:nvPicPr>
+          <p:cNvPr id="5" name="Kép 4">
+            <a:extLst>
+              <a:ext uri="{FF2B5EF4-FFF2-40B4-BE49-F238E27FC236}">
+                <a16:creationId xmlns:a16="http://schemas.microsoft.com/office/drawing/2014/main" id="{5A85C8B8-22CA-4003-8AE5-772528E65F2B}"/>
+              </a:ext>
+            </a:extLst>
+          </p:cNvPr>
+          <p:cNvPicPr>
+            <a:picLocks noChangeAspect="1"/>
+          </p:cNvPicPr>
+          <p:nvPr/>
+        </p:nvPicPr>
+        <p:blipFill>
+          <a:blip r:embed="rId3">
+            <a:extLst>
+              <a:ext uri="{28A0092B-C50C-407E-A947-70E740481C1C}">
+                <a14:useLocalDpi xmlns:a14="http://schemas.microsoft.com/office/drawing/2010/main" val="0"/>
+              </a:ext>
+            </a:extLst>
+          </a:blip>
+          <a:stretch>
+            <a:fillRect/>
+          </a:stretch>
+        </p:blipFill>
+        <p:spPr>
+          <a:xfrm>
+            <a:off x="7753574" y="1788160"/>
+            <a:ext cx="3878356" cy="4062726"/>
+          </a:xfrm>
+          <a:prstGeom prst="rect">
+            <a:avLst/>
+          </a:prstGeom>
+          <a:ln>
+            <a:noFill/>
+          </a:ln>
+          <a:effectLst>
+            <a:outerShdw blurRad="190500" algn="tl" rotWithShape="0">
+              <a:srgbClr val="000000">
+                <a:alpha val="70000"/>
+              </a:srgbClr>
+            </a:outerShdw>
+          </a:effectLst>
+        </p:spPr>
+      </p:pic>
+    </p:spTree>
+    <p:extLst>
+      <p:ext uri="{BB962C8B-B14F-4D97-AF65-F5344CB8AC3E}">
+        <p14:creationId xmlns:p14="http://schemas.microsoft.com/office/powerpoint/2010/main" val="1593437886"/>
       </p:ext>
     </p:extLst>
   </p:cSld>
